--- a/others/ppt/finalPPT.pptx
+++ b/others/ppt/finalPPT.pptx
@@ -4,24 +4,25 @@
   <p:sldMasterIdLst>
     <p:sldMasterId id="2147483648" r:id="rId1"/>
   </p:sldMasterIdLst>
+  <p:notesMasterIdLst>
+    <p:notesMasterId r:id="rId17"/>
+  </p:notesMasterIdLst>
   <p:sldIdLst>
     <p:sldId id="256" r:id="rId2"/>
     <p:sldId id="257" r:id="rId3"/>
     <p:sldId id="258" r:id="rId4"/>
     <p:sldId id="265" r:id="rId5"/>
     <p:sldId id="259" r:id="rId6"/>
-    <p:sldId id="266" r:id="rId7"/>
-    <p:sldId id="267" r:id="rId8"/>
-    <p:sldId id="260" r:id="rId9"/>
-    <p:sldId id="261" r:id="rId10"/>
-    <p:sldId id="262" r:id="rId11"/>
-    <p:sldId id="263" r:id="rId12"/>
-    <p:sldId id="270" r:id="rId13"/>
-    <p:sldId id="271" r:id="rId14"/>
-    <p:sldId id="272" r:id="rId15"/>
-    <p:sldId id="273" r:id="rId16"/>
-    <p:sldId id="268" r:id="rId17"/>
-    <p:sldId id="269" r:id="rId18"/>
+    <p:sldId id="260" r:id="rId7"/>
+    <p:sldId id="261" r:id="rId8"/>
+    <p:sldId id="262" r:id="rId9"/>
+    <p:sldId id="263" r:id="rId10"/>
+    <p:sldId id="271" r:id="rId11"/>
+    <p:sldId id="272" r:id="rId12"/>
+    <p:sldId id="273" r:id="rId13"/>
+    <p:sldId id="268" r:id="rId14"/>
+    <p:sldId id="269" r:id="rId15"/>
+    <p:sldId id="274" r:id="rId16"/>
   </p:sldIdLst>
   <p:sldSz cx="9144000" cy="6858000" type="screen4x3"/>
   <p:notesSz cx="6858000" cy="9144000"/>
@@ -120,7 +121,541 @@
       </a:defRPr>
     </a:lvl9pPr>
   </p:defaultTextStyle>
+  <p:extLst>
+    <p:ext uri="{EFAFB233-063F-42B5-8137-9DF3F51BA10A}">
+      <p15:sldGuideLst xmlns:p15="http://schemas.microsoft.com/office/powerpoint/2012/main">
+        <p15:guide id="1" orient="horz" pos="2160">
+          <p15:clr>
+            <a:srgbClr val="A4A3A4"/>
+          </p15:clr>
+        </p15:guide>
+        <p15:guide id="2" pos="2880">
+          <p15:clr>
+            <a:srgbClr val="A4A3A4"/>
+          </p15:clr>
+        </p15:guide>
+      </p15:sldGuideLst>
+    </p:ext>
+  </p:extLst>
 </p:presentation>
+</file>
+
+<file path=ppt/notesMasters/notesMaster1.xml><?xml version="1.0" encoding="utf-8"?>
+<p:notesMaster xmlns:a="http://schemas.openxmlformats.org/drawingml/2006/main" xmlns:r="http://schemas.openxmlformats.org/officeDocument/2006/relationships" xmlns:p="http://schemas.openxmlformats.org/presentationml/2006/main">
+  <p:cSld>
+    <p:bg>
+      <p:bgRef idx="1001">
+        <a:schemeClr val="bg1"/>
+      </p:bgRef>
+    </p:bg>
+    <p:spTree>
+      <p:nvGrpSpPr>
+        <p:cNvPr id="1" name=""/>
+        <p:cNvGrpSpPr/>
+        <p:nvPr/>
+      </p:nvGrpSpPr>
+      <p:grpSpPr>
+        <a:xfrm>
+          <a:off x="0" y="0"/>
+          <a:ext cx="0" cy="0"/>
+          <a:chOff x="0" y="0"/>
+          <a:chExt cx="0" cy="0"/>
+        </a:xfrm>
+      </p:grpSpPr>
+      <p:sp>
+        <p:nvSpPr>
+          <p:cNvPr id="2" name="Header Placeholder 1"/>
+          <p:cNvSpPr>
+            <a:spLocks noGrp="1"/>
+          </p:cNvSpPr>
+          <p:nvPr>
+            <p:ph type="hdr" sz="quarter"/>
+          </p:nvPr>
+        </p:nvSpPr>
+        <p:spPr>
+          <a:xfrm>
+            <a:off x="0" y="0"/>
+            <a:ext cx="2971800" cy="458788"/>
+          </a:xfrm>
+          <a:prstGeom prst="rect">
+            <a:avLst/>
+          </a:prstGeom>
+        </p:spPr>
+        <p:txBody>
+          <a:bodyPr vert="horz" lIns="91440" tIns="45720" rIns="91440" bIns="45720" rtlCol="0"/>
+          <a:lstStyle>
+            <a:lvl1pPr algn="l">
+              <a:defRPr sz="1200"/>
+            </a:lvl1pPr>
+          </a:lstStyle>
+          <a:p>
+            <a:endParaRPr lang="en-US"/>
+          </a:p>
+        </p:txBody>
+      </p:sp>
+      <p:sp>
+        <p:nvSpPr>
+          <p:cNvPr id="3" name="Date Placeholder 2"/>
+          <p:cNvSpPr>
+            <a:spLocks noGrp="1"/>
+          </p:cNvSpPr>
+          <p:nvPr>
+            <p:ph type="dt" idx="1"/>
+          </p:nvPr>
+        </p:nvSpPr>
+        <p:spPr>
+          <a:xfrm>
+            <a:off x="3884613" y="0"/>
+            <a:ext cx="2971800" cy="458788"/>
+          </a:xfrm>
+          <a:prstGeom prst="rect">
+            <a:avLst/>
+          </a:prstGeom>
+        </p:spPr>
+        <p:txBody>
+          <a:bodyPr vert="horz" lIns="91440" tIns="45720" rIns="91440" bIns="45720" rtlCol="0"/>
+          <a:lstStyle>
+            <a:lvl1pPr algn="r">
+              <a:defRPr sz="1200"/>
+            </a:lvl1pPr>
+          </a:lstStyle>
+          <a:p>
+            <a:fld id="{0E01C3A9-843D-414A-8E53-DD7E54871A5C}" type="datetimeFigureOut">
+              <a:rPr lang="en-US" smtClean="0"/>
+              <a:t>4/2/23</a:t>
+            </a:fld>
+            <a:endParaRPr lang="en-US"/>
+          </a:p>
+        </p:txBody>
+      </p:sp>
+      <p:sp>
+        <p:nvSpPr>
+          <p:cNvPr id="4" name="Slide Image Placeholder 3"/>
+          <p:cNvSpPr>
+            <a:spLocks noGrp="1" noRot="1" noChangeAspect="1"/>
+          </p:cNvSpPr>
+          <p:nvPr>
+            <p:ph type="sldImg" idx="2"/>
+          </p:nvPr>
+        </p:nvSpPr>
+        <p:spPr>
+          <a:xfrm>
+            <a:off x="1371600" y="1143000"/>
+            <a:ext cx="4114800" cy="3086100"/>
+          </a:xfrm>
+          <a:prstGeom prst="rect">
+            <a:avLst/>
+          </a:prstGeom>
+          <a:noFill/>
+          <a:ln w="12700">
+            <a:solidFill>
+              <a:prstClr val="black"/>
+            </a:solidFill>
+          </a:ln>
+        </p:spPr>
+        <p:txBody>
+          <a:bodyPr vert="horz" lIns="91440" tIns="45720" rIns="91440" bIns="45720" rtlCol="0" anchor="ctr"/>
+          <a:lstStyle/>
+          <a:p>
+            <a:endParaRPr lang="en-US"/>
+          </a:p>
+        </p:txBody>
+      </p:sp>
+      <p:sp>
+        <p:nvSpPr>
+          <p:cNvPr id="5" name="Notes Placeholder 4"/>
+          <p:cNvSpPr>
+            <a:spLocks noGrp="1"/>
+          </p:cNvSpPr>
+          <p:nvPr>
+            <p:ph type="body" sz="quarter" idx="3"/>
+          </p:nvPr>
+        </p:nvSpPr>
+        <p:spPr>
+          <a:xfrm>
+            <a:off x="685800" y="4400550"/>
+            <a:ext cx="5486400" cy="3600450"/>
+          </a:xfrm>
+          <a:prstGeom prst="rect">
+            <a:avLst/>
+          </a:prstGeom>
+        </p:spPr>
+        <p:txBody>
+          <a:bodyPr vert="horz" lIns="91440" tIns="45720" rIns="91440" bIns="45720" rtlCol="0"/>
+          <a:lstStyle/>
+          <a:p>
+            <a:pPr lvl="0"/>
+            <a:r>
+              <a:rPr lang="en-GB"/>
+              <a:t>Click to edit Master text styles</a:t>
+            </a:r>
+          </a:p>
+          <a:p>
+            <a:pPr lvl="1"/>
+            <a:r>
+              <a:rPr lang="en-GB"/>
+              <a:t>Second level</a:t>
+            </a:r>
+          </a:p>
+          <a:p>
+            <a:pPr lvl="2"/>
+            <a:r>
+              <a:rPr lang="en-GB"/>
+              <a:t>Third level</a:t>
+            </a:r>
+          </a:p>
+          <a:p>
+            <a:pPr lvl="3"/>
+            <a:r>
+              <a:rPr lang="en-GB"/>
+              <a:t>Fourth level</a:t>
+            </a:r>
+          </a:p>
+          <a:p>
+            <a:pPr lvl="4"/>
+            <a:r>
+              <a:rPr lang="en-GB"/>
+              <a:t>Fifth level</a:t>
+            </a:r>
+            <a:endParaRPr lang="en-US"/>
+          </a:p>
+        </p:txBody>
+      </p:sp>
+      <p:sp>
+        <p:nvSpPr>
+          <p:cNvPr id="6" name="Footer Placeholder 5"/>
+          <p:cNvSpPr>
+            <a:spLocks noGrp="1"/>
+          </p:cNvSpPr>
+          <p:nvPr>
+            <p:ph type="ftr" sz="quarter" idx="4"/>
+          </p:nvPr>
+        </p:nvSpPr>
+        <p:spPr>
+          <a:xfrm>
+            <a:off x="0" y="8685213"/>
+            <a:ext cx="2971800" cy="458787"/>
+          </a:xfrm>
+          <a:prstGeom prst="rect">
+            <a:avLst/>
+          </a:prstGeom>
+        </p:spPr>
+        <p:txBody>
+          <a:bodyPr vert="horz" lIns="91440" tIns="45720" rIns="91440" bIns="45720" rtlCol="0" anchor="b"/>
+          <a:lstStyle>
+            <a:lvl1pPr algn="l">
+              <a:defRPr sz="1200"/>
+            </a:lvl1pPr>
+          </a:lstStyle>
+          <a:p>
+            <a:endParaRPr lang="en-US"/>
+          </a:p>
+        </p:txBody>
+      </p:sp>
+      <p:sp>
+        <p:nvSpPr>
+          <p:cNvPr id="7" name="Slide Number Placeholder 6"/>
+          <p:cNvSpPr>
+            <a:spLocks noGrp="1"/>
+          </p:cNvSpPr>
+          <p:nvPr>
+            <p:ph type="sldNum" sz="quarter" idx="5"/>
+          </p:nvPr>
+        </p:nvSpPr>
+        <p:spPr>
+          <a:xfrm>
+            <a:off x="3884613" y="8685213"/>
+            <a:ext cx="2971800" cy="458787"/>
+          </a:xfrm>
+          <a:prstGeom prst="rect">
+            <a:avLst/>
+          </a:prstGeom>
+        </p:spPr>
+        <p:txBody>
+          <a:bodyPr vert="horz" lIns="91440" tIns="45720" rIns="91440" bIns="45720" rtlCol="0" anchor="b"/>
+          <a:lstStyle>
+            <a:lvl1pPr algn="r">
+              <a:defRPr sz="1200"/>
+            </a:lvl1pPr>
+          </a:lstStyle>
+          <a:p>
+            <a:fld id="{936E52A6-7BCB-CC4E-98EA-9DC88B8A4B47}" type="slidenum">
+              <a:rPr lang="en-US" smtClean="0"/>
+              <a:t>‹#›</a:t>
+            </a:fld>
+            <a:endParaRPr lang="en-US"/>
+          </a:p>
+        </p:txBody>
+      </p:sp>
+    </p:spTree>
+    <p:extLst>
+      <p:ext uri="{BB962C8B-B14F-4D97-AF65-F5344CB8AC3E}">
+        <p14:creationId xmlns:p14="http://schemas.microsoft.com/office/powerpoint/2010/main" val="2322238413"/>
+      </p:ext>
+    </p:extLst>
+  </p:cSld>
+  <p:clrMap bg1="lt1" tx1="dk1" bg2="lt2" tx2="dk2" accent1="accent1" accent2="accent2" accent3="accent3" accent4="accent4" accent5="accent5" accent6="accent6" hlink="hlink" folHlink="folHlink"/>
+  <p:notesStyle>
+    <a:lvl1pPr marL="0" algn="l" defTabSz="914400" rtl="0" eaLnBrk="1" latinLnBrk="0" hangingPunct="1">
+      <a:defRPr sz="1200" kern="1200">
+        <a:solidFill>
+          <a:schemeClr val="tx1"/>
+        </a:solidFill>
+        <a:latin typeface="+mn-lt"/>
+        <a:ea typeface="+mn-ea"/>
+        <a:cs typeface="+mn-cs"/>
+      </a:defRPr>
+    </a:lvl1pPr>
+    <a:lvl2pPr marL="457200" algn="l" defTabSz="914400" rtl="0" eaLnBrk="1" latinLnBrk="0" hangingPunct="1">
+      <a:defRPr sz="1200" kern="1200">
+        <a:solidFill>
+          <a:schemeClr val="tx1"/>
+        </a:solidFill>
+        <a:latin typeface="+mn-lt"/>
+        <a:ea typeface="+mn-ea"/>
+        <a:cs typeface="+mn-cs"/>
+      </a:defRPr>
+    </a:lvl2pPr>
+    <a:lvl3pPr marL="914400" algn="l" defTabSz="914400" rtl="0" eaLnBrk="1" latinLnBrk="0" hangingPunct="1">
+      <a:defRPr sz="1200" kern="1200">
+        <a:solidFill>
+          <a:schemeClr val="tx1"/>
+        </a:solidFill>
+        <a:latin typeface="+mn-lt"/>
+        <a:ea typeface="+mn-ea"/>
+        <a:cs typeface="+mn-cs"/>
+      </a:defRPr>
+    </a:lvl3pPr>
+    <a:lvl4pPr marL="1371600" algn="l" defTabSz="914400" rtl="0" eaLnBrk="1" latinLnBrk="0" hangingPunct="1">
+      <a:defRPr sz="1200" kern="1200">
+        <a:solidFill>
+          <a:schemeClr val="tx1"/>
+        </a:solidFill>
+        <a:latin typeface="+mn-lt"/>
+        <a:ea typeface="+mn-ea"/>
+        <a:cs typeface="+mn-cs"/>
+      </a:defRPr>
+    </a:lvl4pPr>
+    <a:lvl5pPr marL="1828800" algn="l" defTabSz="914400" rtl="0" eaLnBrk="1" latinLnBrk="0" hangingPunct="1">
+      <a:defRPr sz="1200" kern="1200">
+        <a:solidFill>
+          <a:schemeClr val="tx1"/>
+        </a:solidFill>
+        <a:latin typeface="+mn-lt"/>
+        <a:ea typeface="+mn-ea"/>
+        <a:cs typeface="+mn-cs"/>
+      </a:defRPr>
+    </a:lvl5pPr>
+    <a:lvl6pPr marL="2286000" algn="l" defTabSz="914400" rtl="0" eaLnBrk="1" latinLnBrk="0" hangingPunct="1">
+      <a:defRPr sz="1200" kern="1200">
+        <a:solidFill>
+          <a:schemeClr val="tx1"/>
+        </a:solidFill>
+        <a:latin typeface="+mn-lt"/>
+        <a:ea typeface="+mn-ea"/>
+        <a:cs typeface="+mn-cs"/>
+      </a:defRPr>
+    </a:lvl6pPr>
+    <a:lvl7pPr marL="2743200" algn="l" defTabSz="914400" rtl="0" eaLnBrk="1" latinLnBrk="0" hangingPunct="1">
+      <a:defRPr sz="1200" kern="1200">
+        <a:solidFill>
+          <a:schemeClr val="tx1"/>
+        </a:solidFill>
+        <a:latin typeface="+mn-lt"/>
+        <a:ea typeface="+mn-ea"/>
+        <a:cs typeface="+mn-cs"/>
+      </a:defRPr>
+    </a:lvl7pPr>
+    <a:lvl8pPr marL="3200400" algn="l" defTabSz="914400" rtl="0" eaLnBrk="1" latinLnBrk="0" hangingPunct="1">
+      <a:defRPr sz="1200" kern="1200">
+        <a:solidFill>
+          <a:schemeClr val="tx1"/>
+        </a:solidFill>
+        <a:latin typeface="+mn-lt"/>
+        <a:ea typeface="+mn-ea"/>
+        <a:cs typeface="+mn-cs"/>
+      </a:defRPr>
+    </a:lvl8pPr>
+    <a:lvl9pPr marL="3657600" algn="l" defTabSz="914400" rtl="0" eaLnBrk="1" latinLnBrk="0" hangingPunct="1">
+      <a:defRPr sz="1200" kern="1200">
+        <a:solidFill>
+          <a:schemeClr val="tx1"/>
+        </a:solidFill>
+        <a:latin typeface="+mn-lt"/>
+        <a:ea typeface="+mn-ea"/>
+        <a:cs typeface="+mn-cs"/>
+      </a:defRPr>
+    </a:lvl9pPr>
+  </p:notesStyle>
+</p:notesMaster>
+</file>
+
+<file path=ppt/notesSlides/notesSlide1.xml><?xml version="1.0" encoding="utf-8"?>
+<p:notes xmlns:a="http://schemas.openxmlformats.org/drawingml/2006/main" xmlns:r="http://schemas.openxmlformats.org/officeDocument/2006/relationships" xmlns:p="http://schemas.openxmlformats.org/presentationml/2006/main">
+  <p:cSld>
+    <p:spTree>
+      <p:nvGrpSpPr>
+        <p:cNvPr id="1" name=""/>
+        <p:cNvGrpSpPr/>
+        <p:nvPr/>
+      </p:nvGrpSpPr>
+      <p:grpSpPr>
+        <a:xfrm>
+          <a:off x="0" y="0"/>
+          <a:ext cx="0" cy="0"/>
+          <a:chOff x="0" y="0"/>
+          <a:chExt cx="0" cy="0"/>
+        </a:xfrm>
+      </p:grpSpPr>
+      <p:sp>
+        <p:nvSpPr>
+          <p:cNvPr id="2" name="Slide Image Placeholder 1"/>
+          <p:cNvSpPr>
+            <a:spLocks noGrp="1" noRot="1" noChangeAspect="1"/>
+          </p:cNvSpPr>
+          <p:nvPr>
+            <p:ph type="sldImg"/>
+          </p:nvPr>
+        </p:nvSpPr>
+        <p:spPr/>
+      </p:sp>
+      <p:sp>
+        <p:nvSpPr>
+          <p:cNvPr id="3" name="Notes Placeholder 2"/>
+          <p:cNvSpPr>
+            <a:spLocks noGrp="1"/>
+          </p:cNvSpPr>
+          <p:nvPr>
+            <p:ph type="body" idx="1"/>
+          </p:nvPr>
+        </p:nvSpPr>
+        <p:spPr/>
+        <p:txBody>
+          <a:bodyPr/>
+          <a:lstStyle/>
+          <a:p>
+            <a:endParaRPr lang="en-US" dirty="0"/>
+          </a:p>
+        </p:txBody>
+      </p:sp>
+      <p:sp>
+        <p:nvSpPr>
+          <p:cNvPr id="4" name="Slide Number Placeholder 3"/>
+          <p:cNvSpPr>
+            <a:spLocks noGrp="1"/>
+          </p:cNvSpPr>
+          <p:nvPr>
+            <p:ph type="sldNum" sz="quarter" idx="5"/>
+          </p:nvPr>
+        </p:nvSpPr>
+        <p:spPr/>
+        <p:txBody>
+          <a:bodyPr/>
+          <a:lstStyle/>
+          <a:p>
+            <a:fld id="{936E52A6-7BCB-CC4E-98EA-9DC88B8A4B47}" type="slidenum">
+              <a:rPr lang="en-US" smtClean="0"/>
+              <a:t>1</a:t>
+            </a:fld>
+            <a:endParaRPr lang="en-US"/>
+          </a:p>
+        </p:txBody>
+      </p:sp>
+    </p:spTree>
+    <p:extLst>
+      <p:ext uri="{BB962C8B-B14F-4D97-AF65-F5344CB8AC3E}">
+        <p14:creationId xmlns:p14="http://schemas.microsoft.com/office/powerpoint/2010/main" val="3689959849"/>
+      </p:ext>
+    </p:extLst>
+  </p:cSld>
+  <p:clrMapOvr>
+    <a:masterClrMapping/>
+  </p:clrMapOvr>
+</p:notes>
+</file>
+
+<file path=ppt/notesSlides/notesSlide2.xml><?xml version="1.0" encoding="utf-8"?>
+<p:notes xmlns:a="http://schemas.openxmlformats.org/drawingml/2006/main" xmlns:r="http://schemas.openxmlformats.org/officeDocument/2006/relationships" xmlns:p="http://schemas.openxmlformats.org/presentationml/2006/main">
+  <p:cSld>
+    <p:spTree>
+      <p:nvGrpSpPr>
+        <p:cNvPr id="1" name=""/>
+        <p:cNvGrpSpPr/>
+        <p:nvPr/>
+      </p:nvGrpSpPr>
+      <p:grpSpPr>
+        <a:xfrm>
+          <a:off x="0" y="0"/>
+          <a:ext cx="0" cy="0"/>
+          <a:chOff x="0" y="0"/>
+          <a:chExt cx="0" cy="0"/>
+        </a:xfrm>
+      </p:grpSpPr>
+      <p:sp>
+        <p:nvSpPr>
+          <p:cNvPr id="2" name="Slide Image Placeholder 1"/>
+          <p:cNvSpPr>
+            <a:spLocks noGrp="1" noRot="1" noChangeAspect="1"/>
+          </p:cNvSpPr>
+          <p:nvPr>
+            <p:ph type="sldImg"/>
+          </p:nvPr>
+        </p:nvSpPr>
+        <p:spPr/>
+      </p:sp>
+      <p:sp>
+        <p:nvSpPr>
+          <p:cNvPr id="3" name="Notes Placeholder 2"/>
+          <p:cNvSpPr>
+            <a:spLocks noGrp="1"/>
+          </p:cNvSpPr>
+          <p:nvPr>
+            <p:ph type="body" idx="1"/>
+          </p:nvPr>
+        </p:nvSpPr>
+        <p:spPr/>
+        <p:txBody>
+          <a:bodyPr/>
+          <a:lstStyle/>
+          <a:p>
+            <a:endParaRPr lang="en-US" dirty="0"/>
+          </a:p>
+        </p:txBody>
+      </p:sp>
+      <p:sp>
+        <p:nvSpPr>
+          <p:cNvPr id="4" name="Slide Number Placeholder 3"/>
+          <p:cNvSpPr>
+            <a:spLocks noGrp="1"/>
+          </p:cNvSpPr>
+          <p:nvPr>
+            <p:ph type="sldNum" sz="quarter" idx="5"/>
+          </p:nvPr>
+        </p:nvSpPr>
+        <p:spPr/>
+        <p:txBody>
+          <a:bodyPr/>
+          <a:lstStyle/>
+          <a:p>
+            <a:fld id="{936E52A6-7BCB-CC4E-98EA-9DC88B8A4B47}" type="slidenum">
+              <a:rPr lang="en-US" smtClean="0"/>
+              <a:t>4</a:t>
+            </a:fld>
+            <a:endParaRPr lang="en-US"/>
+          </a:p>
+        </p:txBody>
+      </p:sp>
+    </p:spTree>
+    <p:extLst>
+      <p:ext uri="{BB962C8B-B14F-4D97-AF65-F5344CB8AC3E}">
+        <p14:creationId xmlns:p14="http://schemas.microsoft.com/office/powerpoint/2010/main" val="3015196101"/>
+      </p:ext>
+    </p:extLst>
+  </p:cSld>
+  <p:clrMapOvr>
+    <a:masterClrMapping/>
+  </p:clrMapOvr>
+</p:notes>
 </file>
 
 <file path=ppt/slideLayouts/slideLayout1.xml><?xml version="1.0" encoding="utf-8"?>
@@ -161,10 +696,9 @@
           <a:lstStyle/>
           <a:p>
             <a:r>
-              <a:rPr lang="en-US" smtClean="0"/>
+              <a:rPr lang="en-US"/>
               <a:t>Click to edit Master title style</a:t>
             </a:r>
-            <a:endParaRPr lang="en-US"/>
           </a:p>
         </p:txBody>
       </p:sp>
@@ -280,10 +814,9 @@
           </a:lstStyle>
           <a:p>
             <a:r>
-              <a:rPr lang="en-US" smtClean="0"/>
+              <a:rPr lang="en-US"/>
               <a:t>Click to edit Master subtitle style</a:t>
             </a:r>
-            <a:endParaRPr lang="en-US"/>
           </a:p>
         </p:txBody>
       </p:sp>
@@ -304,7 +837,7 @@
           <a:p>
             <a:fld id="{768FA39C-4515-437E-BAE6-8788C30E8E6B}" type="datetimeFigureOut">
               <a:rPr lang="en-US" smtClean="0"/>
-              <a:t>3/9/2023</a:t>
+              <a:t>4/2/23</a:t>
             </a:fld>
             <a:endParaRPr lang="en-US"/>
           </a:p>
@@ -393,10 +926,9 @@
           <a:lstStyle/>
           <a:p>
             <a:r>
-              <a:rPr lang="en-US" smtClean="0"/>
+              <a:rPr lang="en-US"/>
               <a:t>Click to edit Master title style</a:t>
             </a:r>
-            <a:endParaRPr lang="en-US"/>
           </a:p>
         </p:txBody>
       </p:sp>
@@ -417,38 +949,37 @@
           <a:p>
             <a:pPr lvl="0"/>
             <a:r>
-              <a:rPr lang="en-US" smtClean="0"/>
+              <a:rPr lang="en-US"/>
               <a:t>Click to edit Master text styles</a:t>
             </a:r>
           </a:p>
           <a:p>
             <a:pPr lvl="1"/>
             <a:r>
-              <a:rPr lang="en-US" smtClean="0"/>
+              <a:rPr lang="en-US"/>
               <a:t>Second level</a:t>
             </a:r>
           </a:p>
           <a:p>
             <a:pPr lvl="2"/>
             <a:r>
-              <a:rPr lang="en-US" smtClean="0"/>
+              <a:rPr lang="en-US"/>
               <a:t>Third level</a:t>
             </a:r>
           </a:p>
           <a:p>
             <a:pPr lvl="3"/>
             <a:r>
-              <a:rPr lang="en-US" smtClean="0"/>
+              <a:rPr lang="en-US"/>
               <a:t>Fourth level</a:t>
             </a:r>
           </a:p>
           <a:p>
             <a:pPr lvl="4"/>
             <a:r>
-              <a:rPr lang="en-US" smtClean="0"/>
+              <a:rPr lang="en-US"/>
               <a:t>Fifth level</a:t>
             </a:r>
-            <a:endParaRPr lang="en-US"/>
           </a:p>
         </p:txBody>
       </p:sp>
@@ -469,7 +1000,7 @@
           <a:p>
             <a:fld id="{768FA39C-4515-437E-BAE6-8788C30E8E6B}" type="datetimeFigureOut">
               <a:rPr lang="en-US" smtClean="0"/>
-              <a:t>3/9/2023</a:t>
+              <a:t>4/2/23</a:t>
             </a:fld>
             <a:endParaRPr lang="en-US"/>
           </a:p>
@@ -563,10 +1094,9 @@
           <a:lstStyle/>
           <a:p>
             <a:r>
-              <a:rPr lang="en-US" smtClean="0"/>
+              <a:rPr lang="en-US"/>
               <a:t>Click to edit Master title style</a:t>
             </a:r>
-            <a:endParaRPr lang="en-US"/>
           </a:p>
         </p:txBody>
       </p:sp>
@@ -592,38 +1122,37 @@
           <a:p>
             <a:pPr lvl="0"/>
             <a:r>
-              <a:rPr lang="en-US" smtClean="0"/>
+              <a:rPr lang="en-US"/>
               <a:t>Click to edit Master text styles</a:t>
             </a:r>
           </a:p>
           <a:p>
             <a:pPr lvl="1"/>
             <a:r>
-              <a:rPr lang="en-US" smtClean="0"/>
+              <a:rPr lang="en-US"/>
               <a:t>Second level</a:t>
             </a:r>
           </a:p>
           <a:p>
             <a:pPr lvl="2"/>
             <a:r>
-              <a:rPr lang="en-US" smtClean="0"/>
+              <a:rPr lang="en-US"/>
               <a:t>Third level</a:t>
             </a:r>
           </a:p>
           <a:p>
             <a:pPr lvl="3"/>
             <a:r>
-              <a:rPr lang="en-US" smtClean="0"/>
+              <a:rPr lang="en-US"/>
               <a:t>Fourth level</a:t>
             </a:r>
           </a:p>
           <a:p>
             <a:pPr lvl="4"/>
             <a:r>
-              <a:rPr lang="en-US" smtClean="0"/>
+              <a:rPr lang="en-US"/>
               <a:t>Fifth level</a:t>
             </a:r>
-            <a:endParaRPr lang="en-US"/>
           </a:p>
         </p:txBody>
       </p:sp>
@@ -644,7 +1173,7 @@
           <a:p>
             <a:fld id="{768FA39C-4515-437E-BAE6-8788C30E8E6B}" type="datetimeFigureOut">
               <a:rPr lang="en-US" smtClean="0"/>
-              <a:t>3/9/2023</a:t>
+              <a:t>4/2/23</a:t>
             </a:fld>
             <a:endParaRPr lang="en-US"/>
           </a:p>
@@ -733,10 +1262,9 @@
           <a:lstStyle/>
           <a:p>
             <a:r>
-              <a:rPr lang="en-US" smtClean="0"/>
+              <a:rPr lang="en-US"/>
               <a:t>Click to edit Master title style</a:t>
             </a:r>
-            <a:endParaRPr lang="en-US"/>
           </a:p>
         </p:txBody>
       </p:sp>
@@ -757,38 +1285,37 @@
           <a:p>
             <a:pPr lvl="0"/>
             <a:r>
-              <a:rPr lang="en-US" smtClean="0"/>
+              <a:rPr lang="en-US"/>
               <a:t>Click to edit Master text styles</a:t>
             </a:r>
           </a:p>
           <a:p>
             <a:pPr lvl="1"/>
             <a:r>
-              <a:rPr lang="en-US" smtClean="0"/>
+              <a:rPr lang="en-US"/>
               <a:t>Second level</a:t>
             </a:r>
           </a:p>
           <a:p>
             <a:pPr lvl="2"/>
             <a:r>
-              <a:rPr lang="en-US" smtClean="0"/>
+              <a:rPr lang="en-US"/>
               <a:t>Third level</a:t>
             </a:r>
           </a:p>
           <a:p>
             <a:pPr lvl="3"/>
             <a:r>
-              <a:rPr lang="en-US" smtClean="0"/>
+              <a:rPr lang="en-US"/>
               <a:t>Fourth level</a:t>
             </a:r>
           </a:p>
           <a:p>
             <a:pPr lvl="4"/>
             <a:r>
-              <a:rPr lang="en-US" smtClean="0"/>
+              <a:rPr lang="en-US"/>
               <a:t>Fifth level</a:t>
             </a:r>
-            <a:endParaRPr lang="en-US"/>
           </a:p>
         </p:txBody>
       </p:sp>
@@ -809,7 +1336,7 @@
           <a:p>
             <a:fld id="{768FA39C-4515-437E-BAE6-8788C30E8E6B}" type="datetimeFigureOut">
               <a:rPr lang="en-US" smtClean="0"/>
-              <a:t>3/9/2023</a:t>
+              <a:t>4/2/23</a:t>
             </a:fld>
             <a:endParaRPr lang="en-US"/>
           </a:p>
@@ -907,10 +1434,9 @@
           </a:lstStyle>
           <a:p>
             <a:r>
-              <a:rPr lang="en-US" smtClean="0"/>
+              <a:rPr lang="en-US"/>
               <a:t>Click to edit Master title style</a:t>
             </a:r>
-            <a:endParaRPr lang="en-US"/>
           </a:p>
         </p:txBody>
       </p:sp>
@@ -1027,7 +1553,7 @@
           <a:p>
             <a:pPr lvl="0"/>
             <a:r>
-              <a:rPr lang="en-US" smtClean="0"/>
+              <a:rPr lang="en-US"/>
               <a:t>Click to edit Master text styles</a:t>
             </a:r>
           </a:p>
@@ -1050,7 +1576,7 @@
           <a:p>
             <a:fld id="{768FA39C-4515-437E-BAE6-8788C30E8E6B}" type="datetimeFigureOut">
               <a:rPr lang="en-US" smtClean="0"/>
-              <a:t>3/9/2023</a:t>
+              <a:t>4/2/23</a:t>
             </a:fld>
             <a:endParaRPr lang="en-US"/>
           </a:p>
@@ -1139,10 +1665,9 @@
           <a:lstStyle/>
           <a:p>
             <a:r>
-              <a:rPr lang="en-US" smtClean="0"/>
+              <a:rPr lang="en-US"/>
               <a:t>Click to edit Master title style</a:t>
             </a:r>
-            <a:endParaRPr lang="en-US"/>
           </a:p>
         </p:txBody>
       </p:sp>
@@ -1196,38 +1721,37 @@
           <a:p>
             <a:pPr lvl="0"/>
             <a:r>
-              <a:rPr lang="en-US" smtClean="0"/>
+              <a:rPr lang="en-US"/>
               <a:t>Click to edit Master text styles</a:t>
             </a:r>
           </a:p>
           <a:p>
             <a:pPr lvl="1"/>
             <a:r>
-              <a:rPr lang="en-US" smtClean="0"/>
+              <a:rPr lang="en-US"/>
               <a:t>Second level</a:t>
             </a:r>
           </a:p>
           <a:p>
             <a:pPr lvl="2"/>
             <a:r>
-              <a:rPr lang="en-US" smtClean="0"/>
+              <a:rPr lang="en-US"/>
               <a:t>Third level</a:t>
             </a:r>
           </a:p>
           <a:p>
             <a:pPr lvl="3"/>
             <a:r>
-              <a:rPr lang="en-US" smtClean="0"/>
+              <a:rPr lang="en-US"/>
               <a:t>Fourth level</a:t>
             </a:r>
           </a:p>
           <a:p>
             <a:pPr lvl="4"/>
             <a:r>
-              <a:rPr lang="en-US" smtClean="0"/>
+              <a:rPr lang="en-US"/>
               <a:t>Fifth level</a:t>
             </a:r>
-            <a:endParaRPr lang="en-US"/>
           </a:p>
         </p:txBody>
       </p:sp>
@@ -1281,38 +1805,37 @@
           <a:p>
             <a:pPr lvl="0"/>
             <a:r>
-              <a:rPr lang="en-US" smtClean="0"/>
+              <a:rPr lang="en-US"/>
               <a:t>Click to edit Master text styles</a:t>
             </a:r>
           </a:p>
           <a:p>
             <a:pPr lvl="1"/>
             <a:r>
-              <a:rPr lang="en-US" smtClean="0"/>
+              <a:rPr lang="en-US"/>
               <a:t>Second level</a:t>
             </a:r>
           </a:p>
           <a:p>
             <a:pPr lvl="2"/>
             <a:r>
-              <a:rPr lang="en-US" smtClean="0"/>
+              <a:rPr lang="en-US"/>
               <a:t>Third level</a:t>
             </a:r>
           </a:p>
           <a:p>
             <a:pPr lvl="3"/>
             <a:r>
-              <a:rPr lang="en-US" smtClean="0"/>
+              <a:rPr lang="en-US"/>
               <a:t>Fourth level</a:t>
             </a:r>
           </a:p>
           <a:p>
             <a:pPr lvl="4"/>
             <a:r>
-              <a:rPr lang="en-US" smtClean="0"/>
+              <a:rPr lang="en-US"/>
               <a:t>Fifth level</a:t>
             </a:r>
-            <a:endParaRPr lang="en-US"/>
           </a:p>
         </p:txBody>
       </p:sp>
@@ -1333,7 +1856,7 @@
           <a:p>
             <a:fld id="{768FA39C-4515-437E-BAE6-8788C30E8E6B}" type="datetimeFigureOut">
               <a:rPr lang="en-US" smtClean="0"/>
-              <a:t>3/9/2023</a:t>
+              <a:t>4/2/23</a:t>
             </a:fld>
             <a:endParaRPr lang="en-US"/>
           </a:p>
@@ -1426,10 +1949,9 @@
           </a:lstStyle>
           <a:p>
             <a:r>
-              <a:rPr lang="en-US" smtClean="0"/>
+              <a:rPr lang="en-US"/>
               <a:t>Click to edit Master title style</a:t>
             </a:r>
-            <a:endParaRPr lang="en-US"/>
           </a:p>
         </p:txBody>
       </p:sp>
@@ -1492,7 +2014,7 @@
           <a:p>
             <a:pPr lvl="0"/>
             <a:r>
-              <a:rPr lang="en-US" smtClean="0"/>
+              <a:rPr lang="en-US"/>
               <a:t>Click to edit Master text styles</a:t>
             </a:r>
           </a:p>
@@ -1548,38 +2070,37 @@
           <a:p>
             <a:pPr lvl="0"/>
             <a:r>
-              <a:rPr lang="en-US" smtClean="0"/>
+              <a:rPr lang="en-US"/>
               <a:t>Click to edit Master text styles</a:t>
             </a:r>
           </a:p>
           <a:p>
             <a:pPr lvl="1"/>
             <a:r>
-              <a:rPr lang="en-US" smtClean="0"/>
+              <a:rPr lang="en-US"/>
               <a:t>Second level</a:t>
             </a:r>
           </a:p>
           <a:p>
             <a:pPr lvl="2"/>
             <a:r>
-              <a:rPr lang="en-US" smtClean="0"/>
+              <a:rPr lang="en-US"/>
               <a:t>Third level</a:t>
             </a:r>
           </a:p>
           <a:p>
             <a:pPr lvl="3"/>
             <a:r>
-              <a:rPr lang="en-US" smtClean="0"/>
+              <a:rPr lang="en-US"/>
               <a:t>Fourth level</a:t>
             </a:r>
           </a:p>
           <a:p>
             <a:pPr lvl="4"/>
             <a:r>
-              <a:rPr lang="en-US" smtClean="0"/>
+              <a:rPr lang="en-US"/>
               <a:t>Fifth level</a:t>
             </a:r>
-            <a:endParaRPr lang="en-US"/>
           </a:p>
         </p:txBody>
       </p:sp>
@@ -1642,7 +2163,7 @@
           <a:p>
             <a:pPr lvl="0"/>
             <a:r>
-              <a:rPr lang="en-US" smtClean="0"/>
+              <a:rPr lang="en-US"/>
               <a:t>Click to edit Master text styles</a:t>
             </a:r>
           </a:p>
@@ -1698,38 +2219,37 @@
           <a:p>
             <a:pPr lvl="0"/>
             <a:r>
-              <a:rPr lang="en-US" smtClean="0"/>
+              <a:rPr lang="en-US"/>
               <a:t>Click to edit Master text styles</a:t>
             </a:r>
           </a:p>
           <a:p>
             <a:pPr lvl="1"/>
             <a:r>
-              <a:rPr lang="en-US" smtClean="0"/>
+              <a:rPr lang="en-US"/>
               <a:t>Second level</a:t>
             </a:r>
           </a:p>
           <a:p>
             <a:pPr lvl="2"/>
             <a:r>
-              <a:rPr lang="en-US" smtClean="0"/>
+              <a:rPr lang="en-US"/>
               <a:t>Third level</a:t>
             </a:r>
           </a:p>
           <a:p>
             <a:pPr lvl="3"/>
             <a:r>
-              <a:rPr lang="en-US" smtClean="0"/>
+              <a:rPr lang="en-US"/>
               <a:t>Fourth level</a:t>
             </a:r>
           </a:p>
           <a:p>
             <a:pPr lvl="4"/>
             <a:r>
-              <a:rPr lang="en-US" smtClean="0"/>
+              <a:rPr lang="en-US"/>
               <a:t>Fifth level</a:t>
             </a:r>
-            <a:endParaRPr lang="en-US"/>
           </a:p>
         </p:txBody>
       </p:sp>
@@ -1750,7 +2270,7 @@
           <a:p>
             <a:fld id="{768FA39C-4515-437E-BAE6-8788C30E8E6B}" type="datetimeFigureOut">
               <a:rPr lang="en-US" smtClean="0"/>
-              <a:t>3/9/2023</a:t>
+              <a:t>4/2/23</a:t>
             </a:fld>
             <a:endParaRPr lang="en-US"/>
           </a:p>
@@ -1839,10 +2359,9 @@
           <a:lstStyle/>
           <a:p>
             <a:r>
-              <a:rPr lang="en-US" smtClean="0"/>
+              <a:rPr lang="en-US"/>
               <a:t>Click to edit Master title style</a:t>
             </a:r>
-            <a:endParaRPr lang="en-US"/>
           </a:p>
         </p:txBody>
       </p:sp>
@@ -1863,7 +2382,7 @@
           <a:p>
             <a:fld id="{768FA39C-4515-437E-BAE6-8788C30E8E6B}" type="datetimeFigureOut">
               <a:rPr lang="en-US" smtClean="0"/>
-              <a:t>3/9/2023</a:t>
+              <a:t>4/2/23</a:t>
             </a:fld>
             <a:endParaRPr lang="en-US"/>
           </a:p>
@@ -1953,7 +2472,7 @@
           <a:p>
             <a:fld id="{768FA39C-4515-437E-BAE6-8788C30E8E6B}" type="datetimeFigureOut">
               <a:rPr lang="en-US" smtClean="0"/>
-              <a:t>3/9/2023</a:t>
+              <a:t>4/2/23</a:t>
             </a:fld>
             <a:endParaRPr lang="en-US"/>
           </a:p>
@@ -2051,10 +2570,9 @@
           </a:lstStyle>
           <a:p>
             <a:r>
-              <a:rPr lang="en-US" smtClean="0"/>
+              <a:rPr lang="en-US"/>
               <a:t>Click to edit Master title style</a:t>
             </a:r>
-            <a:endParaRPr lang="en-US"/>
           </a:p>
         </p:txBody>
       </p:sp>
@@ -2108,38 +2626,37 @@
           <a:p>
             <a:pPr lvl="0"/>
             <a:r>
-              <a:rPr lang="en-US" smtClean="0"/>
+              <a:rPr lang="en-US"/>
               <a:t>Click to edit Master text styles</a:t>
             </a:r>
           </a:p>
           <a:p>
             <a:pPr lvl="1"/>
             <a:r>
-              <a:rPr lang="en-US" smtClean="0"/>
+              <a:rPr lang="en-US"/>
               <a:t>Second level</a:t>
             </a:r>
           </a:p>
           <a:p>
             <a:pPr lvl="2"/>
             <a:r>
-              <a:rPr lang="en-US" smtClean="0"/>
+              <a:rPr lang="en-US"/>
               <a:t>Third level</a:t>
             </a:r>
           </a:p>
           <a:p>
             <a:pPr lvl="3"/>
             <a:r>
-              <a:rPr lang="en-US" smtClean="0"/>
+              <a:rPr lang="en-US"/>
               <a:t>Fourth level</a:t>
             </a:r>
           </a:p>
           <a:p>
             <a:pPr lvl="4"/>
             <a:r>
-              <a:rPr lang="en-US" smtClean="0"/>
+              <a:rPr lang="en-US"/>
               <a:t>Fifth level</a:t>
             </a:r>
-            <a:endParaRPr lang="en-US"/>
           </a:p>
         </p:txBody>
       </p:sp>
@@ -2202,7 +2719,7 @@
           <a:p>
             <a:pPr lvl="0"/>
             <a:r>
-              <a:rPr lang="en-US" smtClean="0"/>
+              <a:rPr lang="en-US"/>
               <a:t>Click to edit Master text styles</a:t>
             </a:r>
           </a:p>
@@ -2225,7 +2742,7 @@
           <a:p>
             <a:fld id="{768FA39C-4515-437E-BAE6-8788C30E8E6B}" type="datetimeFigureOut">
               <a:rPr lang="en-US" smtClean="0"/>
-              <a:t>3/9/2023</a:t>
+              <a:t>4/2/23</a:t>
             </a:fld>
             <a:endParaRPr lang="en-US"/>
           </a:p>
@@ -2323,10 +2840,9 @@
           </a:lstStyle>
           <a:p>
             <a:r>
-              <a:rPr lang="en-US" smtClean="0"/>
+              <a:rPr lang="en-US"/>
               <a:t>Click to edit Master title style</a:t>
             </a:r>
-            <a:endParaRPr lang="en-US"/>
           </a:p>
         </p:txBody>
       </p:sp>
@@ -2450,7 +2966,7 @@
           <a:p>
             <a:pPr lvl="0"/>
             <a:r>
-              <a:rPr lang="en-US" smtClean="0"/>
+              <a:rPr lang="en-US"/>
               <a:t>Click to edit Master text styles</a:t>
             </a:r>
           </a:p>
@@ -2473,7 +2989,7 @@
           <a:p>
             <a:fld id="{768FA39C-4515-437E-BAE6-8788C30E8E6B}" type="datetimeFigureOut">
               <a:rPr lang="en-US" smtClean="0"/>
-              <a:t>3/9/2023</a:t>
+              <a:t>4/2/23</a:t>
             </a:fld>
             <a:endParaRPr lang="en-US"/>
           </a:p>
@@ -2577,10 +3093,9 @@
           <a:lstStyle/>
           <a:p>
             <a:r>
-              <a:rPr lang="en-US" smtClean="0"/>
+              <a:rPr lang="en-US"/>
               <a:t>Click to edit Master title style</a:t>
             </a:r>
-            <a:endParaRPr lang="en-US"/>
           </a:p>
         </p:txBody>
       </p:sp>
@@ -2611,38 +3126,37 @@
           <a:p>
             <a:pPr lvl="0"/>
             <a:r>
-              <a:rPr lang="en-US" smtClean="0"/>
+              <a:rPr lang="en-US"/>
               <a:t>Click to edit Master text styles</a:t>
             </a:r>
           </a:p>
           <a:p>
             <a:pPr lvl="1"/>
             <a:r>
-              <a:rPr lang="en-US" smtClean="0"/>
+              <a:rPr lang="en-US"/>
               <a:t>Second level</a:t>
             </a:r>
           </a:p>
           <a:p>
             <a:pPr lvl="2"/>
             <a:r>
-              <a:rPr lang="en-US" smtClean="0"/>
+              <a:rPr lang="en-US"/>
               <a:t>Third level</a:t>
             </a:r>
           </a:p>
           <a:p>
             <a:pPr lvl="3"/>
             <a:r>
-              <a:rPr lang="en-US" smtClean="0"/>
+              <a:rPr lang="en-US"/>
               <a:t>Fourth level</a:t>
             </a:r>
           </a:p>
           <a:p>
             <a:pPr lvl="4"/>
             <a:r>
-              <a:rPr lang="en-US" smtClean="0"/>
+              <a:rPr lang="en-US"/>
               <a:t>Fifth level</a:t>
             </a:r>
-            <a:endParaRPr lang="en-US"/>
           </a:p>
         </p:txBody>
       </p:sp>
@@ -2681,7 +3195,7 @@
           <a:p>
             <a:fld id="{768FA39C-4515-437E-BAE6-8788C30E8E6B}" type="datetimeFigureOut">
               <a:rPr lang="en-US" smtClean="0"/>
-              <a:t>3/9/2023</a:t>
+              <a:t>4/2/23</a:t>
             </a:fld>
             <a:endParaRPr lang="en-US"/>
           </a:p>
@@ -3051,38 +3565,597 @@
           <a:chExt cx="0" cy="0"/>
         </a:xfrm>
       </p:grpSpPr>
+      <p:pic>
+        <p:nvPicPr>
+          <p:cNvPr id="5" name="object 3">
+            <a:extLst>
+              <a:ext uri="{FF2B5EF4-FFF2-40B4-BE49-F238E27FC236}">
+                <a16:creationId xmlns:a16="http://schemas.microsoft.com/office/drawing/2014/main" id="{625BB218-986C-286F-E723-FD74414AE10E}"/>
+              </a:ext>
+            </a:extLst>
+          </p:cNvPr>
+          <p:cNvPicPr/>
+          <p:nvPr/>
+        </p:nvPicPr>
+        <p:blipFill>
+          <a:blip r:embed="rId3" cstate="print"/>
+          <a:stretch>
+            <a:fillRect/>
+          </a:stretch>
+        </p:blipFill>
+        <p:spPr>
+          <a:xfrm>
+            <a:off x="7542329" y="355003"/>
+            <a:ext cx="1102674" cy="1105650"/>
+          </a:xfrm>
+          <a:prstGeom prst="rect">
+            <a:avLst/>
+          </a:prstGeom>
+        </p:spPr>
+      </p:pic>
       <p:sp>
         <p:nvSpPr>
-          <p:cNvPr id="4" name="Title 3"/>
-          <p:cNvSpPr>
+          <p:cNvPr id="6" name="object 4">
+            <a:extLst>
+              <a:ext uri="{FF2B5EF4-FFF2-40B4-BE49-F238E27FC236}">
+                <a16:creationId xmlns:a16="http://schemas.microsoft.com/office/drawing/2014/main" id="{5DD1FD1F-DF6E-F8A8-E29F-DCF7516729AA}"/>
+              </a:ext>
+            </a:extLst>
+          </p:cNvPr>
+          <p:cNvSpPr txBox="1">
             <a:spLocks noGrp="1"/>
           </p:cNvSpPr>
           <p:nvPr>
             <p:ph type="title"/>
           </p:nvPr>
         </p:nvSpPr>
-        <p:spPr/>
+        <p:spPr>
+          <a:xfrm>
+            <a:off x="1991703" y="273492"/>
+            <a:ext cx="5382544" cy="1133644"/>
+          </a:xfrm>
+          <a:prstGeom prst="rect">
+            <a:avLst/>
+          </a:prstGeom>
+        </p:spPr>
         <p:txBody>
-          <a:bodyPr>
-            <a:normAutofit fontScale="90000"/>
+          <a:bodyPr vert="horz" wrap="square" lIns="0" tIns="391160" rIns="0" bIns="0" rtlCol="0">
+            <a:spAutoFit/>
           </a:bodyPr>
           <a:lstStyle/>
           <a:p>
-            <a:r>
-              <a:rPr lang="en-US" b="1" dirty="0"/>
-              <a:t>Multiple Disease Prediction System</a:t>
-            </a:r>
-            <a:r>
-              <a:rPr lang="en-US" dirty="0"/>
-              <a:t/>
+            <a:pPr algn="ctr">
+              <a:lnSpc>
+                <a:spcPct val="100000"/>
+              </a:lnSpc>
+              <a:spcBef>
+                <a:spcPts val="3080"/>
+              </a:spcBef>
+            </a:pPr>
+            <a:r>
+              <a:rPr sz="3200" b="1" dirty="0">
+                <a:latin typeface="Times New Roman" panose="02020603050405020304" pitchFamily="18" charset="0"/>
+                <a:ea typeface="SF Pro Semibold" pitchFamily="2" charset="0"/>
+                <a:cs typeface="Times New Roman" panose="02020603050405020304" pitchFamily="18" charset="0"/>
+              </a:rPr>
+              <a:t>Paavai Engineering College</a:t>
             </a:r>
             <a:br>
-              <a:rPr lang="en-US" dirty="0"/>
+              <a:rPr lang="en-US" sz="3200" b="1" dirty="0">
+                <a:latin typeface="Times New Roman" panose="02020603050405020304" pitchFamily="18" charset="0"/>
+                <a:ea typeface="SF Pro Semibold" pitchFamily="2" charset="0"/>
+                <a:cs typeface="Times New Roman" panose="02020603050405020304" pitchFamily="18" charset="0"/>
+              </a:rPr>
             </a:br>
-            <a:endParaRPr lang="en-US" dirty="0"/>
+            <a:r>
+              <a:rPr sz="1600" dirty="0">
+                <a:latin typeface="Times New Roman" panose="02020603050405020304" pitchFamily="18" charset="0"/>
+                <a:ea typeface="SF Pro Semibold" pitchFamily="2" charset="0"/>
+                <a:cs typeface="Times New Roman" panose="02020603050405020304" pitchFamily="18" charset="0"/>
+              </a:rPr>
+              <a:t>(Autonomous)</a:t>
+            </a:r>
           </a:p>
         </p:txBody>
       </p:sp>
+      <p:sp>
+        <p:nvSpPr>
+          <p:cNvPr id="7" name="TextBox 6">
+            <a:extLst>
+              <a:ext uri="{FF2B5EF4-FFF2-40B4-BE49-F238E27FC236}">
+                <a16:creationId xmlns:a16="http://schemas.microsoft.com/office/drawing/2014/main" id="{C1D83F68-488B-8D88-C66B-9E7ECF9DEB49}"/>
+              </a:ext>
+            </a:extLst>
+          </p:cNvPr>
+          <p:cNvSpPr txBox="1"/>
+          <p:nvPr/>
+        </p:nvSpPr>
+        <p:spPr>
+          <a:xfrm>
+            <a:off x="0" y="1628274"/>
+            <a:ext cx="9382126" cy="363736"/>
+          </a:xfrm>
+          <a:prstGeom prst="rect">
+            <a:avLst/>
+          </a:prstGeom>
+          <a:noFill/>
+        </p:spPr>
+        <p:txBody>
+          <a:bodyPr wrap="square">
+            <a:spAutoFit/>
+          </a:bodyPr>
+          <a:lstStyle/>
+          <a:p>
+            <a:pPr algn="ctr">
+              <a:lnSpc>
+                <a:spcPct val="100000"/>
+              </a:lnSpc>
+              <a:spcBef>
+                <a:spcPts val="1675"/>
+              </a:spcBef>
+            </a:pPr>
+            <a:r>
+              <a:rPr lang="en-IN" sz="2000" dirty="0">
+                <a:latin typeface="Times New Roman" panose="02020603050405020304" pitchFamily="18" charset="0"/>
+                <a:cs typeface="Times New Roman" panose="02020603050405020304" pitchFamily="18" charset="0"/>
+              </a:rPr>
+              <a:t>Department Of Computer Science And Engineering</a:t>
+            </a:r>
+          </a:p>
+        </p:txBody>
+      </p:sp>
+      <p:pic>
+        <p:nvPicPr>
+          <p:cNvPr id="8" name="Picture 7">
+            <a:extLst>
+              <a:ext uri="{FF2B5EF4-FFF2-40B4-BE49-F238E27FC236}">
+                <a16:creationId xmlns:a16="http://schemas.microsoft.com/office/drawing/2014/main" id="{FE3FDDC8-C2B2-12AD-F33E-AAFA7941444D}"/>
+              </a:ext>
+            </a:extLst>
+          </p:cNvPr>
+          <p:cNvPicPr>
+            <a:picLocks noChangeAspect="1"/>
+          </p:cNvPicPr>
+          <p:nvPr/>
+        </p:nvPicPr>
+        <p:blipFill>
+          <a:blip r:embed="rId4">
+            <a:extLst>
+              <a:ext uri="{28A0092B-C50C-407E-A947-70E740481C1C}">
+                <a14:useLocalDpi xmlns:a14="http://schemas.microsoft.com/office/drawing/2010/main" val="0"/>
+              </a:ext>
+            </a:extLst>
+          </a:blip>
+          <a:stretch>
+            <a:fillRect/>
+          </a:stretch>
+        </p:blipFill>
+        <p:spPr>
+          <a:xfrm>
+            <a:off x="482377" y="355003"/>
+            <a:ext cx="1056830" cy="1052133"/>
+          </a:xfrm>
+          <a:prstGeom prst="rect">
+            <a:avLst/>
+          </a:prstGeom>
+        </p:spPr>
+      </p:pic>
+      <p:sp>
+        <p:nvSpPr>
+          <p:cNvPr id="9" name="TextBox 8">
+            <a:extLst>
+              <a:ext uri="{FF2B5EF4-FFF2-40B4-BE49-F238E27FC236}">
+                <a16:creationId xmlns:a16="http://schemas.microsoft.com/office/drawing/2014/main" id="{7BA65645-F7E3-37AB-A90E-9099B7BB4E1D}"/>
+              </a:ext>
+            </a:extLst>
+          </p:cNvPr>
+          <p:cNvSpPr txBox="1"/>
+          <p:nvPr/>
+        </p:nvSpPr>
+        <p:spPr>
+          <a:xfrm>
+            <a:off x="509761" y="2384443"/>
+            <a:ext cx="8346428" cy="1077218"/>
+          </a:xfrm>
+          <a:prstGeom prst="rect">
+            <a:avLst/>
+          </a:prstGeom>
+          <a:noFill/>
+        </p:spPr>
+        <p:txBody>
+          <a:bodyPr wrap="square">
+            <a:spAutoFit/>
+          </a:bodyPr>
+          <a:lstStyle/>
+          <a:p>
+            <a:pPr algn="ctr">
+              <a:lnSpc>
+                <a:spcPct val="100000"/>
+              </a:lnSpc>
+              <a:spcBef>
+                <a:spcPts val="3055"/>
+              </a:spcBef>
+            </a:pPr>
+            <a:r>
+              <a:rPr lang="en-IN" sz="3200" b="1" dirty="0">
+                <a:solidFill>
+                  <a:schemeClr val="tx1">
+                    <a:lumMod val="85000"/>
+                    <a:lumOff val="15000"/>
+                  </a:schemeClr>
+                </a:solidFill>
+                <a:latin typeface="Times New Roman" panose="02020603050405020304" pitchFamily="18" charset="0"/>
+                <a:ea typeface="SF Pro Heavy" pitchFamily="2" charset="0"/>
+                <a:cs typeface="Times New Roman" panose="02020603050405020304" pitchFamily="18" charset="0"/>
+              </a:rPr>
+              <a:t>An Approach to forecasting multiple maladies utilizing machine learning algorithms</a:t>
+            </a:r>
+          </a:p>
+        </p:txBody>
+      </p:sp>
+      <p:sp>
+        <p:nvSpPr>
+          <p:cNvPr id="10" name="TextBox 9">
+            <a:extLst>
+              <a:ext uri="{FF2B5EF4-FFF2-40B4-BE49-F238E27FC236}">
+                <a16:creationId xmlns:a16="http://schemas.microsoft.com/office/drawing/2014/main" id="{DF46DC61-AC13-DB65-E793-A506D45373EE}"/>
+              </a:ext>
+            </a:extLst>
+          </p:cNvPr>
+          <p:cNvSpPr txBox="1"/>
+          <p:nvPr/>
+        </p:nvSpPr>
+        <p:spPr>
+          <a:xfrm>
+            <a:off x="-399285" y="3577250"/>
+            <a:ext cx="12192000" cy="514821"/>
+          </a:xfrm>
+          <a:prstGeom prst="rect">
+            <a:avLst/>
+          </a:prstGeom>
+          <a:noFill/>
+        </p:spPr>
+        <p:txBody>
+          <a:bodyPr wrap="square">
+            <a:spAutoFit/>
+          </a:bodyPr>
+          <a:lstStyle/>
+          <a:p>
+            <a:pPr marL="1271905" marR="5137785" indent="-342900">
+              <a:lnSpc>
+                <a:spcPct val="156900"/>
+              </a:lnSpc>
+              <a:spcBef>
+                <a:spcPts val="165"/>
+              </a:spcBef>
+              <a:tabLst>
+                <a:tab pos="2887980" algn="l"/>
+                <a:tab pos="2928620" algn="l"/>
+              </a:tabLst>
+            </a:pPr>
+            <a:r>
+              <a:rPr lang="en-IN" sz="2000" b="0" dirty="0">
+                <a:latin typeface="Times New Roman" panose="02020603050405020304" pitchFamily="18" charset="0"/>
+                <a:ea typeface="SF Pro Semibold" pitchFamily="2" charset="0"/>
+                <a:cs typeface="Times New Roman" panose="02020603050405020304" pitchFamily="18" charset="0"/>
+              </a:rPr>
+              <a:t>Domain :  Machine Learning</a:t>
+            </a:r>
+          </a:p>
+        </p:txBody>
+      </p:sp>
+      <p:sp>
+        <p:nvSpPr>
+          <p:cNvPr id="11" name="TextBox 10">
+            <a:extLst>
+              <a:ext uri="{FF2B5EF4-FFF2-40B4-BE49-F238E27FC236}">
+                <a16:creationId xmlns:a16="http://schemas.microsoft.com/office/drawing/2014/main" id="{5990DE71-C6E4-28EA-BD14-CAA97D06DDC5}"/>
+              </a:ext>
+            </a:extLst>
+          </p:cNvPr>
+          <p:cNvSpPr txBox="1"/>
+          <p:nvPr/>
+        </p:nvSpPr>
+        <p:spPr>
+          <a:xfrm>
+            <a:off x="-422726" y="4194359"/>
+            <a:ext cx="11049000" cy="514821"/>
+          </a:xfrm>
+          <a:prstGeom prst="rect">
+            <a:avLst/>
+          </a:prstGeom>
+          <a:noFill/>
+        </p:spPr>
+        <p:txBody>
+          <a:bodyPr wrap="square">
+            <a:spAutoFit/>
+          </a:bodyPr>
+          <a:lstStyle/>
+          <a:p>
+            <a:pPr marL="1271905" marR="5137785" indent="-342900">
+              <a:lnSpc>
+                <a:spcPct val="156900"/>
+              </a:lnSpc>
+              <a:spcBef>
+                <a:spcPts val="165"/>
+              </a:spcBef>
+              <a:tabLst>
+                <a:tab pos="2887980" algn="l"/>
+                <a:tab pos="2928620" algn="l"/>
+              </a:tabLst>
+            </a:pPr>
+            <a:r>
+              <a:rPr lang="en-IN" sz="2000" b="0" dirty="0">
+                <a:latin typeface="Times New Roman" panose="02020603050405020304" pitchFamily="18" charset="0"/>
+                <a:ea typeface="SF Pro Semibold" pitchFamily="2" charset="0"/>
+                <a:cs typeface="Times New Roman" panose="02020603050405020304" pitchFamily="18" charset="0"/>
+              </a:rPr>
+              <a:t>Guide: Mrs P. </a:t>
+            </a:r>
+            <a:r>
+              <a:rPr lang="en-IN" sz="2000" b="0" dirty="0" err="1">
+                <a:latin typeface="Times New Roman" panose="02020603050405020304" pitchFamily="18" charset="0"/>
+                <a:ea typeface="SF Pro Semibold" pitchFamily="2" charset="0"/>
+                <a:cs typeface="Times New Roman" panose="02020603050405020304" pitchFamily="18" charset="0"/>
+              </a:rPr>
+              <a:t>Renukadevi</a:t>
+            </a:r>
+            <a:endParaRPr lang="en-IN" sz="2000" dirty="0">
+              <a:latin typeface="Times New Roman" panose="02020603050405020304" pitchFamily="18" charset="0"/>
+              <a:ea typeface="SF Pro Semibold" pitchFamily="2" charset="0"/>
+              <a:cs typeface="Times New Roman" panose="02020603050405020304" pitchFamily="18" charset="0"/>
+            </a:endParaRPr>
+          </a:p>
+        </p:txBody>
+      </p:sp>
+      <p:sp>
+        <p:nvSpPr>
+          <p:cNvPr id="12" name="TextBox 11">
+            <a:extLst>
+              <a:ext uri="{FF2B5EF4-FFF2-40B4-BE49-F238E27FC236}">
+                <a16:creationId xmlns:a16="http://schemas.microsoft.com/office/drawing/2014/main" id="{34612B68-ED6B-72EF-1FBC-471042D871AC}"/>
+              </a:ext>
+            </a:extLst>
+          </p:cNvPr>
+          <p:cNvSpPr txBox="1"/>
+          <p:nvPr/>
+        </p:nvSpPr>
+        <p:spPr>
+          <a:xfrm>
+            <a:off x="-408438" y="4789008"/>
+            <a:ext cx="13281212" cy="514821"/>
+          </a:xfrm>
+          <a:prstGeom prst="rect">
+            <a:avLst/>
+          </a:prstGeom>
+          <a:noFill/>
+        </p:spPr>
+        <p:txBody>
+          <a:bodyPr wrap="square">
+            <a:spAutoFit/>
+          </a:bodyPr>
+          <a:lstStyle/>
+          <a:p>
+            <a:pPr marL="1271905" marR="5137785" indent="-342900">
+              <a:lnSpc>
+                <a:spcPct val="156900"/>
+              </a:lnSpc>
+              <a:spcBef>
+                <a:spcPts val="165"/>
+              </a:spcBef>
+              <a:tabLst>
+                <a:tab pos="2887980" algn="l"/>
+                <a:tab pos="2928620" algn="l"/>
+              </a:tabLst>
+            </a:pPr>
+            <a:r>
+              <a:rPr lang="en-IN" sz="2000" b="0" dirty="0">
+                <a:latin typeface="Times New Roman" panose="02020603050405020304" pitchFamily="18" charset="0"/>
+                <a:ea typeface="SF Pro Semibold" pitchFamily="2" charset="0"/>
+                <a:cs typeface="Times New Roman" panose="02020603050405020304" pitchFamily="18" charset="0"/>
+              </a:rPr>
+              <a:t>Team Members:</a:t>
+            </a:r>
+            <a:endParaRPr lang="en-IN" sz="1400" dirty="0">
+              <a:latin typeface="Times New Roman" panose="02020603050405020304" pitchFamily="18" charset="0"/>
+              <a:ea typeface="SF Pro Semibold" pitchFamily="2" charset="0"/>
+              <a:cs typeface="Times New Roman" panose="02020603050405020304" pitchFamily="18" charset="0"/>
+            </a:endParaRPr>
+          </a:p>
+        </p:txBody>
+      </p:sp>
+      <p:sp>
+        <p:nvSpPr>
+          <p:cNvPr id="13" name="TextBox 12">
+            <a:extLst>
+              <a:ext uri="{FF2B5EF4-FFF2-40B4-BE49-F238E27FC236}">
+                <a16:creationId xmlns:a16="http://schemas.microsoft.com/office/drawing/2014/main" id="{2AC361EC-4BFE-D43B-95D6-71476E433703}"/>
+              </a:ext>
+            </a:extLst>
+          </p:cNvPr>
+          <p:cNvSpPr txBox="1"/>
+          <p:nvPr/>
+        </p:nvSpPr>
+        <p:spPr>
+          <a:xfrm>
+            <a:off x="2323765" y="5310864"/>
+            <a:ext cx="3750260" cy="400110"/>
+          </a:xfrm>
+          <a:prstGeom prst="rect">
+            <a:avLst/>
+          </a:prstGeom>
+          <a:noFill/>
+        </p:spPr>
+        <p:txBody>
+          <a:bodyPr wrap="square">
+            <a:spAutoFit/>
+          </a:bodyPr>
+          <a:lstStyle/>
+          <a:p>
+            <a:r>
+              <a:rPr lang="en-IN" sz="2000" b="0" dirty="0" err="1">
+                <a:latin typeface="Times New Roman" panose="02020603050405020304" pitchFamily="18" charset="0"/>
+                <a:ea typeface="SF Pro Semibold" pitchFamily="2" charset="0"/>
+                <a:cs typeface="Times New Roman" panose="02020603050405020304" pitchFamily="18" charset="0"/>
+              </a:rPr>
+              <a:t>Nandhakumar</a:t>
+            </a:r>
+            <a:r>
+              <a:rPr lang="en-IN" sz="2000" b="0" dirty="0">
+                <a:latin typeface="Times New Roman" panose="02020603050405020304" pitchFamily="18" charset="0"/>
+                <a:ea typeface="SF Pro Semibold" pitchFamily="2" charset="0"/>
+                <a:cs typeface="Times New Roman" panose="02020603050405020304" pitchFamily="18" charset="0"/>
+              </a:rPr>
+              <a:t> M - 19104069</a:t>
+            </a:r>
+            <a:endParaRPr lang="en-US" sz="2000" dirty="0">
+              <a:latin typeface="Times New Roman" panose="02020603050405020304" pitchFamily="18" charset="0"/>
+              <a:cs typeface="Times New Roman" panose="02020603050405020304" pitchFamily="18" charset="0"/>
+            </a:endParaRPr>
+          </a:p>
+        </p:txBody>
+      </p:sp>
+      <p:sp>
+        <p:nvSpPr>
+          <p:cNvPr id="14" name="TextBox 13">
+            <a:extLst>
+              <a:ext uri="{FF2B5EF4-FFF2-40B4-BE49-F238E27FC236}">
+                <a16:creationId xmlns:a16="http://schemas.microsoft.com/office/drawing/2014/main" id="{8AFBEAFB-33DF-7B0F-2AC2-C309EA5A7D55}"/>
+              </a:ext>
+            </a:extLst>
+          </p:cNvPr>
+          <p:cNvSpPr txBox="1"/>
+          <p:nvPr/>
+        </p:nvSpPr>
+        <p:spPr>
+          <a:xfrm>
+            <a:off x="2323765" y="5718009"/>
+            <a:ext cx="3494275" cy="400110"/>
+          </a:xfrm>
+          <a:prstGeom prst="rect">
+            <a:avLst/>
+          </a:prstGeom>
+          <a:noFill/>
+        </p:spPr>
+        <p:txBody>
+          <a:bodyPr wrap="square">
+            <a:spAutoFit/>
+          </a:bodyPr>
+          <a:lstStyle/>
+          <a:p>
+            <a:r>
+              <a:rPr lang="en-IN" sz="2000" b="0" dirty="0" err="1">
+                <a:latin typeface="Times New Roman" panose="02020603050405020304" pitchFamily="18" charset="0"/>
+                <a:ea typeface="SF Pro Semibold" pitchFamily="2" charset="0"/>
+                <a:cs typeface="Times New Roman" panose="02020603050405020304" pitchFamily="18" charset="0"/>
+              </a:rPr>
+              <a:t>Suriyasankar</a:t>
+            </a:r>
+            <a:r>
+              <a:rPr lang="en-IN" sz="2000" b="0" dirty="0">
+                <a:latin typeface="Times New Roman" panose="02020603050405020304" pitchFamily="18" charset="0"/>
+                <a:ea typeface="SF Pro Semibold" pitchFamily="2" charset="0"/>
+                <a:cs typeface="Times New Roman" panose="02020603050405020304" pitchFamily="18" charset="0"/>
+              </a:rPr>
+              <a:t> P - 19104108</a:t>
+            </a:r>
+            <a:endParaRPr lang="en-US" sz="2000" dirty="0">
+              <a:latin typeface="Times New Roman" panose="02020603050405020304" pitchFamily="18" charset="0"/>
+              <a:cs typeface="Times New Roman" panose="02020603050405020304" pitchFamily="18" charset="0"/>
+            </a:endParaRPr>
+          </a:p>
+        </p:txBody>
+      </p:sp>
+      <p:sp>
+        <p:nvSpPr>
+          <p:cNvPr id="15" name="TextBox 14">
+            <a:extLst>
+              <a:ext uri="{FF2B5EF4-FFF2-40B4-BE49-F238E27FC236}">
+                <a16:creationId xmlns:a16="http://schemas.microsoft.com/office/drawing/2014/main" id="{5DAD1A02-6A77-5843-57DA-ECFB3C96DD4A}"/>
+              </a:ext>
+            </a:extLst>
+          </p:cNvPr>
+          <p:cNvSpPr txBox="1"/>
+          <p:nvPr/>
+        </p:nvSpPr>
+        <p:spPr>
+          <a:xfrm>
+            <a:off x="2323765" y="4903719"/>
+            <a:ext cx="3880828" cy="400110"/>
+          </a:xfrm>
+          <a:prstGeom prst="rect">
+            <a:avLst/>
+          </a:prstGeom>
+          <a:noFill/>
+        </p:spPr>
+        <p:txBody>
+          <a:bodyPr wrap="square">
+            <a:spAutoFit/>
+          </a:bodyPr>
+          <a:lstStyle/>
+          <a:p>
+            <a:r>
+              <a:rPr lang="en-IN" sz="2000" b="0" dirty="0">
+                <a:latin typeface="Times New Roman" panose="02020603050405020304" pitchFamily="18" charset="0"/>
+                <a:ea typeface="SF Pro Semibold" pitchFamily="2" charset="0"/>
+                <a:cs typeface="Times New Roman" panose="02020603050405020304" pitchFamily="18" charset="0"/>
+              </a:rPr>
+              <a:t>Varun Krishnan V- 19104117</a:t>
+            </a:r>
+            <a:endParaRPr lang="en-US" sz="2000" dirty="0">
+              <a:latin typeface="Times New Roman" panose="02020603050405020304" pitchFamily="18" charset="0"/>
+              <a:cs typeface="Times New Roman" panose="02020603050405020304" pitchFamily="18" charset="0"/>
+            </a:endParaRPr>
+          </a:p>
+        </p:txBody>
+      </p:sp>
+      <p:pic>
+        <p:nvPicPr>
+          <p:cNvPr id="18" name="Picture 2" descr="Disease Recurrence Prediction - Quantiphi, Inc.">
+            <a:extLst>
+              <a:ext uri="{FF2B5EF4-FFF2-40B4-BE49-F238E27FC236}">
+                <a16:creationId xmlns:a16="http://schemas.microsoft.com/office/drawing/2014/main" id="{C0179418-2597-D781-67DF-F063A48BA5CF}"/>
+              </a:ext>
+            </a:extLst>
+          </p:cNvPr>
+          <p:cNvPicPr>
+            <a:picLocks noChangeAspect="1" noChangeArrowheads="1"/>
+          </p:cNvPicPr>
+          <p:nvPr/>
+        </p:nvPicPr>
+        <p:blipFill>
+          <a:blip r:embed="rId5">
+            <a:extLst>
+              <a:ext uri="{28A0092B-C50C-407E-A947-70E740481C1C}">
+                <a14:useLocalDpi xmlns:a14="http://schemas.microsoft.com/office/drawing/2010/main" val="0"/>
+              </a:ext>
+            </a:extLst>
+          </a:blip>
+          <a:srcRect/>
+          <a:stretch>
+            <a:fillRect/>
+          </a:stretch>
+        </p:blipFill>
+        <p:spPr bwMode="auto">
+          <a:xfrm>
+            <a:off x="5624971" y="3079934"/>
+            <a:ext cx="3276410" cy="3778454"/>
+          </a:xfrm>
+          <a:prstGeom prst="rect">
+            <a:avLst/>
+          </a:prstGeom>
+          <a:noFill/>
+          <a:extLst>
+            <a:ext uri="{909E8E84-426E-40DD-AFC4-6F175D3DCCD1}">
+              <a14:hiddenFill xmlns:a14="http://schemas.microsoft.com/office/drawing/2010/main">
+                <a:solidFill>
+                  <a:srgbClr val="FFFFFF"/>
+                </a:solidFill>
+              </a14:hiddenFill>
+            </a:ext>
+          </a:extLst>
+        </p:spPr>
+      </p:pic>
     </p:spTree>
   </p:cSld>
   <p:clrMapOvr>
@@ -3120,226 +4193,52 @@
         </p:nvSpPr>
         <p:spPr/>
         <p:txBody>
-          <a:bodyPr>
-            <a:normAutofit fontScale="90000"/>
-          </a:bodyPr>
+          <a:bodyPr/>
           <a:lstStyle/>
           <a:p>
             <a:r>
-              <a:rPr lang="en-US" b="1" dirty="0" smtClean="0"/>
-              <a:t>Proposed </a:t>
-            </a:r>
-            <a:r>
               <a:rPr lang="en-US" b="1" dirty="0"/>
-              <a:t>System</a:t>
-            </a:r>
-            <a:r>
-              <a:rPr lang="en-US" dirty="0"/>
-              <a:t/>
-            </a:r>
-            <a:br>
-              <a:rPr lang="en-US" dirty="0"/>
-            </a:br>
+              <a:t>System Architecture</a:t>
+            </a:r>
             <a:endParaRPr lang="en-US" dirty="0"/>
           </a:p>
         </p:txBody>
       </p:sp>
-      <p:sp>
-        <p:nvSpPr>
-          <p:cNvPr id="3" name="Content Placeholder 2"/>
-          <p:cNvSpPr>
-            <a:spLocks noGrp="1"/>
-          </p:cNvSpPr>
+      <p:pic>
+        <p:nvPicPr>
+          <p:cNvPr id="25602" name="Picture 2"/>
+          <p:cNvPicPr>
+            <a:picLocks noGrp="1" noChangeAspect="1" noChangeArrowheads="1"/>
+          </p:cNvPicPr>
           <p:nvPr>
             <p:ph idx="1"/>
           </p:nvPr>
-        </p:nvSpPr>
-        <p:spPr>
+        </p:nvPicPr>
+        <p:blipFill>
+          <a:blip r:embed="rId2"/>
+          <a:srcRect l="35801" t="21466" r="34027" b="7506"/>
+          <a:stretch>
+            <a:fillRect/>
+          </a:stretch>
+        </p:blipFill>
+        <p:spPr bwMode="auto">
           <a:xfrm>
-            <a:off x="457200" y="928670"/>
-            <a:ext cx="8229600" cy="5197493"/>
+            <a:off x="2353147" y="1772816"/>
+            <a:ext cx="4437706" cy="4572032"/>
           </a:xfrm>
+          <a:prstGeom prst="rect">
+            <a:avLst/>
+          </a:prstGeom>
+          <a:noFill/>
+          <a:ln w="9525">
+            <a:noFill/>
+            <a:miter lim="800000"/>
+            <a:headEnd/>
+            <a:tailEnd/>
+          </a:ln>
+          <a:effectLst/>
         </p:spPr>
-        <p:txBody>
-          <a:bodyPr>
-            <a:noAutofit/>
-          </a:bodyPr>
-          <a:lstStyle/>
-          <a:p>
-            <a:pPr algn="just">
-              <a:lnSpc>
-                <a:spcPct val="150000"/>
-              </a:lnSpc>
-            </a:pPr>
-            <a:r>
-              <a:rPr lang="en-US" sz="2000" dirty="0">
-                <a:latin typeface="Times New Roman" pitchFamily="18" charset="0"/>
-                <a:cs typeface="Times New Roman" pitchFamily="18" charset="0"/>
-              </a:rPr>
-              <a:t>In multi disease model prediction, it is possible to predict more than one disease at a time</a:t>
-            </a:r>
-            <a:r>
-              <a:rPr lang="en-US" sz="2000" dirty="0" smtClean="0">
-                <a:latin typeface="Times New Roman" pitchFamily="18" charset="0"/>
-                <a:cs typeface="Times New Roman" pitchFamily="18" charset="0"/>
-              </a:rPr>
-              <a:t>.</a:t>
-            </a:r>
-          </a:p>
-          <a:p>
-            <a:pPr algn="just">
-              <a:lnSpc>
-                <a:spcPct val="150000"/>
-              </a:lnSpc>
-            </a:pPr>
-            <a:r>
-              <a:rPr lang="en-US" sz="2000" dirty="0" smtClean="0">
-                <a:latin typeface="Times New Roman" pitchFamily="18" charset="0"/>
-                <a:cs typeface="Times New Roman" pitchFamily="18" charset="0"/>
-              </a:rPr>
-              <a:t> </a:t>
-            </a:r>
-            <a:r>
-              <a:rPr lang="en-US" sz="2000" dirty="0">
-                <a:latin typeface="Times New Roman" pitchFamily="18" charset="0"/>
-                <a:cs typeface="Times New Roman" pitchFamily="18" charset="0"/>
-              </a:rPr>
-              <a:t>It will reduce time and also due to predicting multiple diseases at a time there is a chance of reducing mortality rate</a:t>
-            </a:r>
-            <a:r>
-              <a:rPr lang="en-US" sz="2000" dirty="0" smtClean="0">
-                <a:latin typeface="Times New Roman" pitchFamily="18" charset="0"/>
-                <a:cs typeface="Times New Roman" pitchFamily="18" charset="0"/>
-              </a:rPr>
-              <a:t>.</a:t>
-            </a:r>
-          </a:p>
-          <a:p>
-            <a:pPr algn="just">
-              <a:lnSpc>
-                <a:spcPct val="150000"/>
-              </a:lnSpc>
-            </a:pPr>
-            <a:r>
-              <a:rPr lang="en-US" sz="2000" dirty="0" smtClean="0">
-                <a:latin typeface="Times New Roman" pitchFamily="18" charset="0"/>
-                <a:cs typeface="Times New Roman" pitchFamily="18" charset="0"/>
-              </a:rPr>
-              <a:t> </a:t>
-            </a:r>
-            <a:r>
-              <a:rPr lang="en-US" sz="2000" dirty="0">
-                <a:latin typeface="Times New Roman" pitchFamily="18" charset="0"/>
-                <a:cs typeface="Times New Roman" pitchFamily="18" charset="0"/>
-              </a:rPr>
-              <a:t>The proposed framework employs data mining techniques to detect Chronic diseases early. </a:t>
-            </a:r>
-            <a:endParaRPr lang="en-US" sz="2000" dirty="0" smtClean="0">
-              <a:latin typeface="Times New Roman" pitchFamily="18" charset="0"/>
-              <a:cs typeface="Times New Roman" pitchFamily="18" charset="0"/>
-            </a:endParaRPr>
-          </a:p>
-          <a:p>
-            <a:pPr algn="just">
-              <a:lnSpc>
-                <a:spcPct val="150000"/>
-              </a:lnSpc>
-            </a:pPr>
-            <a:r>
-              <a:rPr lang="en-US" sz="2000" dirty="0">
-                <a:latin typeface="Times New Roman" pitchFamily="18" charset="0"/>
-                <a:cs typeface="Times New Roman" pitchFamily="18" charset="0"/>
-              </a:rPr>
-              <a:t>Training and Testing are the two stages of the machine </a:t>
-            </a:r>
-            <a:r>
-              <a:rPr lang="en-US" sz="2000" dirty="0" err="1">
-                <a:latin typeface="Times New Roman" pitchFamily="18" charset="0"/>
-                <a:cs typeface="Times New Roman" pitchFamily="18" charset="0"/>
-              </a:rPr>
-              <a:t>learningalgorithm</a:t>
-            </a:r>
-            <a:r>
-              <a:rPr lang="en-US" sz="2000" dirty="0">
-                <a:latin typeface="Times New Roman" pitchFamily="18" charset="0"/>
-                <a:cs typeface="Times New Roman" pitchFamily="18" charset="0"/>
-              </a:rPr>
-              <a:t>. </a:t>
-            </a:r>
-            <a:endParaRPr lang="en-US" sz="2000" dirty="0" smtClean="0">
-              <a:latin typeface="Times New Roman" pitchFamily="18" charset="0"/>
-              <a:cs typeface="Times New Roman" pitchFamily="18" charset="0"/>
-            </a:endParaRPr>
-          </a:p>
-          <a:p>
-            <a:pPr algn="just">
-              <a:lnSpc>
-                <a:spcPct val="150000"/>
-              </a:lnSpc>
-            </a:pPr>
-            <a:r>
-              <a:rPr lang="en-US" sz="2000" dirty="0" smtClean="0">
-                <a:latin typeface="Times New Roman" panose="02020603050405020304" pitchFamily="18" charset="0"/>
-                <a:cs typeface="Times New Roman" panose="02020603050405020304" pitchFamily="18" charset="0"/>
-              </a:rPr>
-              <a:t>Deep </a:t>
-            </a:r>
-            <a:r>
-              <a:rPr lang="en-US" sz="2000" dirty="0" err="1" smtClean="0">
-                <a:latin typeface="Times New Roman" panose="02020603050405020304" pitchFamily="18" charset="0"/>
-                <a:cs typeface="Times New Roman" panose="02020603050405020304" pitchFamily="18" charset="0"/>
-              </a:rPr>
-              <a:t>Convolutional</a:t>
-            </a:r>
-            <a:r>
-              <a:rPr lang="en-US" sz="2000" dirty="0" smtClean="0">
-                <a:latin typeface="Times New Roman" panose="02020603050405020304" pitchFamily="18" charset="0"/>
-                <a:cs typeface="Times New Roman" panose="02020603050405020304" pitchFamily="18" charset="0"/>
-              </a:rPr>
-              <a:t> Neural Network (CNN) is a class of DL and commonly used in analyzing visual imagery and designed to require minimal preprocessing.</a:t>
-            </a:r>
-          </a:p>
-          <a:p>
-            <a:pPr algn="just">
-              <a:lnSpc>
-                <a:spcPct val="150000"/>
-              </a:lnSpc>
-            </a:pPr>
-            <a:r>
-              <a:rPr lang="en-US" sz="2000" dirty="0" smtClean="0">
-                <a:latin typeface="Times New Roman" panose="02020603050405020304" pitchFamily="18" charset="0"/>
-                <a:cs typeface="Times New Roman" panose="02020603050405020304" pitchFamily="18" charset="0"/>
-              </a:rPr>
-              <a:t>Deep CNN based feature learning for </a:t>
-            </a:r>
-            <a:r>
-              <a:rPr lang="en-US" sz="2000" dirty="0" err="1" smtClean="0">
-                <a:latin typeface="Times New Roman" panose="02020603050405020304" pitchFamily="18" charset="0"/>
-                <a:cs typeface="Times New Roman" panose="02020603050405020304" pitchFamily="18" charset="0"/>
-              </a:rPr>
-              <a:t>Multu</a:t>
-            </a:r>
-            <a:r>
-              <a:rPr lang="en-US" sz="2000" dirty="0" smtClean="0">
-                <a:latin typeface="Times New Roman" panose="02020603050405020304" pitchFamily="18" charset="0"/>
-                <a:cs typeface="Times New Roman" panose="02020603050405020304" pitchFamily="18" charset="0"/>
-              </a:rPr>
-              <a:t> disease and their severity.</a:t>
-            </a:r>
-          </a:p>
-          <a:p>
-            <a:pPr algn="just">
-              <a:lnSpc>
-                <a:spcPct val="150000"/>
-              </a:lnSpc>
-            </a:pPr>
-            <a:endParaRPr lang="en-US" sz="2000" dirty="0">
-              <a:latin typeface="Times New Roman" pitchFamily="18" charset="0"/>
-              <a:cs typeface="Times New Roman" pitchFamily="18" charset="0"/>
-            </a:endParaRPr>
-          </a:p>
-        </p:txBody>
-      </p:sp>
+      </p:pic>
     </p:spTree>
   </p:cSld>
   <p:clrMapOvr>
@@ -3367,585 +4266,10 @@
       </p:grpSpPr>
       <p:sp>
         <p:nvSpPr>
-          <p:cNvPr id="2" name="Title 1"/>
-          <p:cNvSpPr>
-            <a:spLocks noGrp="1"/>
-          </p:cNvSpPr>
-          <p:nvPr>
-            <p:ph type="title"/>
-          </p:nvPr>
-        </p:nvSpPr>
-        <p:spPr/>
-        <p:txBody>
-          <a:bodyPr/>
-          <a:lstStyle/>
-          <a:p>
-            <a:r>
-              <a:rPr lang="en-US" b="1" dirty="0"/>
-              <a:t>Advantages</a:t>
-            </a:r>
-            <a:endParaRPr lang="en-US" dirty="0"/>
-          </a:p>
-        </p:txBody>
-      </p:sp>
-      <p:sp>
-        <p:nvSpPr>
-          <p:cNvPr id="3" name="Content Placeholder 2"/>
-          <p:cNvSpPr>
-            <a:spLocks noGrp="1"/>
-          </p:cNvSpPr>
-          <p:nvPr>
-            <p:ph idx="1"/>
-          </p:nvPr>
-        </p:nvSpPr>
-        <p:spPr/>
-        <p:txBody>
-          <a:bodyPr>
-            <a:normAutofit/>
-          </a:bodyPr>
-          <a:lstStyle/>
-          <a:p>
-            <a:pPr lvl="0" algn="just">
-              <a:lnSpc>
-                <a:spcPct val="150000"/>
-              </a:lnSpc>
-            </a:pPr>
-            <a:r>
-              <a:rPr lang="en-US" sz="2400" dirty="0">
-                <a:latin typeface="Times New Roman" pitchFamily="18" charset="0"/>
-                <a:cs typeface="Times New Roman" pitchFamily="18" charset="0"/>
-              </a:rPr>
-              <a:t>This is a novel method that builds on current research to derive quick and precise diagnostics.</a:t>
-            </a:r>
-          </a:p>
-          <a:p>
-            <a:pPr lvl="0" algn="just">
-              <a:lnSpc>
-                <a:spcPct val="150000"/>
-              </a:lnSpc>
-            </a:pPr>
-            <a:r>
-              <a:rPr lang="en-US" sz="2400" dirty="0">
-                <a:latin typeface="Times New Roman" pitchFamily="18" charset="0"/>
-                <a:cs typeface="Times New Roman" pitchFamily="18" charset="0"/>
-              </a:rPr>
-              <a:t>The method significantly outperforms other published research in this area due to its superior accuracy.</a:t>
-            </a:r>
-          </a:p>
-          <a:p>
-            <a:pPr lvl="0" algn="just">
-              <a:lnSpc>
-                <a:spcPct val="150000"/>
-              </a:lnSpc>
-            </a:pPr>
-            <a:r>
-              <a:rPr lang="en-US" sz="2400" dirty="0">
-                <a:latin typeface="Times New Roman" pitchFamily="18" charset="0"/>
-                <a:cs typeface="Times New Roman" pitchFamily="18" charset="0"/>
-              </a:rPr>
-              <a:t>intention is to accurately classify the presence of diseases.</a:t>
-            </a:r>
-          </a:p>
-          <a:p>
-            <a:pPr lvl="0" algn="just">
-              <a:lnSpc>
-                <a:spcPct val="150000"/>
-              </a:lnSpc>
-            </a:pPr>
-            <a:r>
-              <a:rPr lang="en-US" sz="2400" dirty="0">
-                <a:latin typeface="Times New Roman" pitchFamily="18" charset="0"/>
-                <a:cs typeface="Times New Roman" pitchFamily="18" charset="0"/>
-              </a:rPr>
-              <a:t>It may result in early detection that leads to a decrease in mortality rate.</a:t>
-            </a:r>
-          </a:p>
-          <a:p>
-            <a:pPr algn="just">
-              <a:lnSpc>
-                <a:spcPct val="150000"/>
-              </a:lnSpc>
-            </a:pPr>
-            <a:endParaRPr lang="en-US" sz="2400" dirty="0">
-              <a:latin typeface="Times New Roman" pitchFamily="18" charset="0"/>
-              <a:cs typeface="Times New Roman" pitchFamily="18" charset="0"/>
-            </a:endParaRPr>
-          </a:p>
-        </p:txBody>
-      </p:sp>
-    </p:spTree>
-  </p:cSld>
-  <p:clrMapOvr>
-    <a:masterClrMapping/>
-  </p:clrMapOvr>
-</p:sld>
-</file>
-
-<file path=ppt/slides/slide12.xml><?xml version="1.0" encoding="utf-8"?>
-<p:sld xmlns:a="http://schemas.openxmlformats.org/drawingml/2006/main" xmlns:r="http://schemas.openxmlformats.org/officeDocument/2006/relationships" xmlns:p="http://schemas.openxmlformats.org/presentationml/2006/main">
-  <p:cSld>
-    <p:spTree>
-      <p:nvGrpSpPr>
-        <p:cNvPr id="1" name=""/>
-        <p:cNvGrpSpPr/>
-        <p:nvPr/>
-      </p:nvGrpSpPr>
-      <p:grpSpPr>
-        <a:xfrm>
-          <a:off x="0" y="0"/>
-          <a:ext cx="0" cy="0"/>
-          <a:chOff x="0" y="0"/>
-          <a:chExt cx="0" cy="0"/>
-        </a:xfrm>
-      </p:grpSpPr>
-      <p:sp>
-        <p:nvSpPr>
           <p:cNvPr id="2" name="Title 1">
             <a:extLst>
               <a:ext uri="{FF2B5EF4-FFF2-40B4-BE49-F238E27FC236}">
-                <a16:creationId xmlns:a16="http://schemas.microsoft.com/office/drawing/2014/main" xmlns="" id="{EB46A38C-D6CE-4A34-B4D6-907AA4603CAF}"/>
-              </a:ext>
-            </a:extLst>
-          </p:cNvPr>
-          <p:cNvSpPr>
-            <a:spLocks noGrp="1"/>
-          </p:cNvSpPr>
-          <p:nvPr>
-            <p:ph type="title"/>
-          </p:nvPr>
-        </p:nvSpPr>
-        <p:spPr>
-          <a:xfrm>
-            <a:off x="628650" y="161743"/>
-            <a:ext cx="7886700" cy="519295"/>
-          </a:xfrm>
-        </p:spPr>
-        <p:txBody>
-          <a:bodyPr>
-            <a:normAutofit fontScale="90000"/>
-          </a:bodyPr>
-          <a:lstStyle/>
-          <a:p>
-            <a:r>
-              <a:rPr lang="en-US" b="1" dirty="0">
-                <a:latin typeface="Times New Roman" panose="02020603050405020304" pitchFamily="18" charset="0"/>
-                <a:cs typeface="Times New Roman" panose="02020603050405020304" pitchFamily="18" charset="0"/>
-              </a:rPr>
-              <a:t>Block List</a:t>
-            </a:r>
-            <a:endParaRPr lang="en-IN" b="1" dirty="0">
-              <a:latin typeface="Times New Roman" panose="02020603050405020304" pitchFamily="18" charset="0"/>
-              <a:cs typeface="Times New Roman" panose="02020603050405020304" pitchFamily="18" charset="0"/>
-            </a:endParaRPr>
-          </a:p>
-        </p:txBody>
-      </p:sp>
-      <p:sp>
-        <p:nvSpPr>
-          <p:cNvPr id="3" name="Content Placeholder 2">
-            <a:extLst>
-              <a:ext uri="{FF2B5EF4-FFF2-40B4-BE49-F238E27FC236}">
-                <a16:creationId xmlns:a16="http://schemas.microsoft.com/office/drawing/2014/main" xmlns="" id="{3F13B3D7-7CF2-41BC-A47C-94F9B8490B44}"/>
-              </a:ext>
-            </a:extLst>
-          </p:cNvPr>
-          <p:cNvSpPr>
-            <a:spLocks noGrp="1"/>
-          </p:cNvSpPr>
-          <p:nvPr>
-            <p:ph idx="1"/>
-          </p:nvPr>
-        </p:nvSpPr>
-        <p:spPr>
-          <a:xfrm>
-            <a:off x="400050" y="819150"/>
-            <a:ext cx="8115300" cy="5877108"/>
-          </a:xfrm>
-        </p:spPr>
-        <p:txBody>
-          <a:bodyPr>
-            <a:noAutofit/>
-          </a:bodyPr>
-          <a:lstStyle/>
-          <a:p>
-            <a:pPr marL="0" indent="0">
-              <a:buNone/>
-            </a:pPr>
-            <a:r>
-              <a:rPr lang="en-US" sz="2000" dirty="0">
-                <a:latin typeface="Times New Roman" panose="02020603050405020304" pitchFamily="18" charset="0"/>
-                <a:cs typeface="Times New Roman" panose="02020603050405020304" pitchFamily="18" charset="0"/>
-              </a:rPr>
-              <a:t>1. </a:t>
-            </a:r>
-            <a:r>
-              <a:rPr lang="en-US" sz="2000" dirty="0" smtClean="0">
-                <a:latin typeface="Times New Roman" panose="02020603050405020304" pitchFamily="18" charset="0"/>
-                <a:cs typeface="Times New Roman" panose="02020603050405020304" pitchFamily="18" charset="0"/>
-              </a:rPr>
-              <a:t>Multi Disease </a:t>
-            </a:r>
-            <a:r>
-              <a:rPr lang="en-US" sz="2000" dirty="0">
-                <a:latin typeface="Times New Roman" panose="02020603050405020304" pitchFamily="18" charset="0"/>
-                <a:cs typeface="Times New Roman" panose="02020603050405020304" pitchFamily="18" charset="0"/>
-              </a:rPr>
-              <a:t>UI Diagnosis Model</a:t>
-            </a:r>
-          </a:p>
-          <a:p>
-            <a:pPr marL="0" indent="0">
-              <a:buNone/>
-            </a:pPr>
-            <a:r>
-              <a:rPr lang="en-US" sz="2000" dirty="0">
-                <a:latin typeface="Times New Roman" panose="02020603050405020304" pitchFamily="18" charset="0"/>
-                <a:cs typeface="Times New Roman" panose="02020603050405020304" pitchFamily="18" charset="0"/>
-              </a:rPr>
-              <a:t>2. Training Phase – </a:t>
-            </a:r>
-            <a:r>
-              <a:rPr lang="en-US" sz="2000" dirty="0" smtClean="0">
-                <a:latin typeface="Times New Roman" panose="02020603050405020304" pitchFamily="18" charset="0"/>
-                <a:cs typeface="Times New Roman" panose="02020603050405020304" pitchFamily="18" charset="0"/>
-              </a:rPr>
-              <a:t>Multi </a:t>
-            </a:r>
-            <a:r>
-              <a:rPr lang="en-US" sz="2000" dirty="0">
-                <a:latin typeface="Times New Roman" panose="02020603050405020304" pitchFamily="18" charset="0"/>
-                <a:cs typeface="Times New Roman" panose="02020603050405020304" pitchFamily="18" charset="0"/>
-              </a:rPr>
-              <a:t>Disease Classification</a:t>
-            </a:r>
-          </a:p>
-          <a:p>
-            <a:pPr marL="457200" lvl="1" indent="0">
-              <a:buNone/>
-            </a:pPr>
-            <a:r>
-              <a:rPr lang="en-US" sz="2000" dirty="0">
-                <a:latin typeface="Times New Roman" panose="02020603050405020304" pitchFamily="18" charset="0"/>
-                <a:cs typeface="Times New Roman" panose="02020603050405020304" pitchFamily="18" charset="0"/>
-              </a:rPr>
-              <a:t>2.1. Data set Acquisition</a:t>
-            </a:r>
-          </a:p>
-          <a:p>
-            <a:pPr marL="457200" lvl="1" indent="0">
-              <a:buNone/>
-            </a:pPr>
-            <a:r>
-              <a:rPr lang="en-US" sz="2000" dirty="0">
-                <a:latin typeface="Times New Roman" panose="02020603050405020304" pitchFamily="18" charset="0"/>
-                <a:cs typeface="Times New Roman" panose="02020603050405020304" pitchFamily="18" charset="0"/>
-              </a:rPr>
-              <a:t>2.2. preprocessing</a:t>
-            </a:r>
-          </a:p>
-          <a:p>
-            <a:pPr marL="457200" lvl="1" indent="0">
-              <a:buNone/>
-            </a:pPr>
-            <a:r>
-              <a:rPr lang="en-US" sz="2000" dirty="0">
-                <a:latin typeface="Times New Roman" panose="02020603050405020304" pitchFamily="18" charset="0"/>
-                <a:cs typeface="Times New Roman" panose="02020603050405020304" pitchFamily="18" charset="0"/>
-              </a:rPr>
-              <a:t>2.3.</a:t>
-            </a:r>
-            <a:r>
-              <a:rPr lang="en-IN" sz="2000" dirty="0">
-                <a:latin typeface="Times New Roman" panose="02020603050405020304" pitchFamily="18" charset="0"/>
-                <a:cs typeface="Times New Roman" panose="02020603050405020304" pitchFamily="18" charset="0"/>
-              </a:rPr>
-              <a:t> Segmentation</a:t>
-            </a:r>
-          </a:p>
-          <a:p>
-            <a:pPr marL="457200" lvl="1" indent="0">
-              <a:buNone/>
-            </a:pPr>
-            <a:r>
-              <a:rPr lang="en-IN" sz="2000" dirty="0">
-                <a:latin typeface="Times New Roman" panose="02020603050405020304" pitchFamily="18" charset="0"/>
-                <a:cs typeface="Times New Roman" panose="02020603050405020304" pitchFamily="18" charset="0"/>
-              </a:rPr>
-              <a:t>2.4. Feature Extraction</a:t>
-            </a:r>
-          </a:p>
-          <a:p>
-            <a:pPr marL="457200" lvl="1" indent="0">
-              <a:buNone/>
-            </a:pPr>
-            <a:r>
-              <a:rPr lang="en-IN" sz="2000" dirty="0">
-                <a:latin typeface="Times New Roman" panose="02020603050405020304" pitchFamily="18" charset="0"/>
-                <a:cs typeface="Times New Roman" panose="02020603050405020304" pitchFamily="18" charset="0"/>
-              </a:rPr>
-              <a:t>2.5. CNN Classification</a:t>
-            </a:r>
-          </a:p>
-          <a:p>
-            <a:pPr marL="0" indent="0">
-              <a:buNone/>
-            </a:pPr>
-            <a:r>
-              <a:rPr lang="en-IN" sz="2000" dirty="0">
-                <a:latin typeface="Times New Roman" panose="02020603050405020304" pitchFamily="18" charset="0"/>
-                <a:cs typeface="Times New Roman" panose="02020603050405020304" pitchFamily="18" charset="0"/>
-              </a:rPr>
-              <a:t>3.  Testing Phase </a:t>
-            </a:r>
-            <a:r>
-              <a:rPr lang="en-IN" sz="2000" dirty="0" smtClean="0">
-                <a:latin typeface="Times New Roman" panose="02020603050405020304" pitchFamily="18" charset="0"/>
-                <a:cs typeface="Times New Roman" panose="02020603050405020304" pitchFamily="18" charset="0"/>
-              </a:rPr>
-              <a:t>–</a:t>
-            </a:r>
-            <a:r>
-              <a:rPr lang="en-US" sz="2000" dirty="0" smtClean="0">
-                <a:latin typeface="Times New Roman" panose="02020603050405020304" pitchFamily="18" charset="0"/>
-                <a:cs typeface="Times New Roman" panose="02020603050405020304" pitchFamily="18" charset="0"/>
-              </a:rPr>
-              <a:t>Multi</a:t>
-            </a:r>
-            <a:r>
-              <a:rPr lang="en-IN" sz="2000" dirty="0" smtClean="0">
-                <a:latin typeface="Times New Roman" panose="02020603050405020304" pitchFamily="18" charset="0"/>
-                <a:cs typeface="Times New Roman" panose="02020603050405020304" pitchFamily="18" charset="0"/>
-              </a:rPr>
-              <a:t> Disease </a:t>
-            </a:r>
-            <a:r>
-              <a:rPr lang="en-IN" sz="2000" dirty="0">
-                <a:latin typeface="Times New Roman" panose="02020603050405020304" pitchFamily="18" charset="0"/>
-                <a:cs typeface="Times New Roman" panose="02020603050405020304" pitchFamily="18" charset="0"/>
-              </a:rPr>
-              <a:t>Prediction</a:t>
-            </a:r>
-          </a:p>
-          <a:p>
-            <a:pPr marL="457200" lvl="1" indent="0">
-              <a:buNone/>
-            </a:pPr>
-            <a:r>
-              <a:rPr lang="en-IN" sz="2000" dirty="0">
-                <a:latin typeface="Times New Roman" panose="02020603050405020304" pitchFamily="18" charset="0"/>
-                <a:cs typeface="Times New Roman" panose="02020603050405020304" pitchFamily="18" charset="0"/>
-              </a:rPr>
-              <a:t>3.1. </a:t>
-            </a:r>
-            <a:r>
-              <a:rPr lang="en-US" sz="2000" dirty="0" smtClean="0">
-                <a:latin typeface="Times New Roman" panose="02020603050405020304" pitchFamily="18" charset="0"/>
-                <a:cs typeface="Times New Roman" panose="02020603050405020304" pitchFamily="18" charset="0"/>
-              </a:rPr>
-              <a:t>Multi</a:t>
-            </a:r>
-            <a:r>
-              <a:rPr lang="en-IN" sz="2000" dirty="0" smtClean="0">
-                <a:latin typeface="Times New Roman" panose="02020603050405020304" pitchFamily="18" charset="0"/>
-                <a:cs typeface="Times New Roman" panose="02020603050405020304" pitchFamily="18" charset="0"/>
-              </a:rPr>
-              <a:t> Disease  </a:t>
-            </a:r>
-            <a:r>
-              <a:rPr lang="en-IN" sz="2000" dirty="0">
-                <a:latin typeface="Times New Roman" panose="02020603050405020304" pitchFamily="18" charset="0"/>
-                <a:cs typeface="Times New Roman" panose="02020603050405020304" pitchFamily="18" charset="0"/>
-              </a:rPr>
-              <a:t>MRI Image</a:t>
-            </a:r>
-          </a:p>
-          <a:p>
-            <a:pPr marL="457200" lvl="1" indent="0">
-              <a:buNone/>
-            </a:pPr>
-            <a:r>
-              <a:rPr lang="en-IN" sz="2000" dirty="0">
-                <a:latin typeface="Times New Roman" panose="02020603050405020304" pitchFamily="18" charset="0"/>
-                <a:cs typeface="Times New Roman" panose="02020603050405020304" pitchFamily="18" charset="0"/>
-              </a:rPr>
-              <a:t>3.2. Pre-processing</a:t>
-            </a:r>
-          </a:p>
-          <a:p>
-            <a:pPr marL="457200" lvl="1" indent="0">
-              <a:buNone/>
-            </a:pPr>
-            <a:r>
-              <a:rPr lang="en-IN" sz="2000" dirty="0">
-                <a:latin typeface="Times New Roman" panose="02020603050405020304" pitchFamily="18" charset="0"/>
-                <a:cs typeface="Times New Roman" panose="02020603050405020304" pitchFamily="18" charset="0"/>
-              </a:rPr>
-              <a:t>3.3. Segmentation</a:t>
-            </a:r>
-          </a:p>
-          <a:p>
-            <a:pPr marL="457200" lvl="1" indent="0">
-              <a:buNone/>
-            </a:pPr>
-            <a:r>
-              <a:rPr lang="en-IN" sz="2000" dirty="0">
-                <a:latin typeface="Times New Roman" panose="02020603050405020304" pitchFamily="18" charset="0"/>
-                <a:cs typeface="Times New Roman" panose="02020603050405020304" pitchFamily="18" charset="0"/>
-              </a:rPr>
-              <a:t>3.4. Feature Extraction</a:t>
-            </a:r>
-          </a:p>
-          <a:p>
-            <a:pPr marL="457200" lvl="1" indent="0">
-              <a:buNone/>
-            </a:pPr>
-            <a:r>
-              <a:rPr lang="en-IN" sz="2000" dirty="0">
-                <a:latin typeface="Times New Roman" panose="02020603050405020304" pitchFamily="18" charset="0"/>
-                <a:cs typeface="Times New Roman" panose="02020603050405020304" pitchFamily="18" charset="0"/>
-              </a:rPr>
-              <a:t>3.5. Prediction</a:t>
-            </a:r>
-          </a:p>
-          <a:p>
-            <a:pPr marL="0" indent="0">
-              <a:buNone/>
-            </a:pPr>
-            <a:r>
-              <a:rPr lang="en-IN" sz="2000" dirty="0">
-                <a:latin typeface="Times New Roman" panose="02020603050405020304" pitchFamily="18" charset="0"/>
-                <a:cs typeface="Times New Roman" panose="02020603050405020304" pitchFamily="18" charset="0"/>
-              </a:rPr>
-              <a:t>4. Performance Metrics</a:t>
-            </a:r>
-          </a:p>
-          <a:p>
-            <a:pPr marL="0" indent="0">
-              <a:buNone/>
-            </a:pPr>
-            <a:endParaRPr lang="en-US" sz="2000" dirty="0"/>
-          </a:p>
-        </p:txBody>
-      </p:sp>
-    </p:spTree>
-    <p:extLst>
-      <p:ext uri="{BB962C8B-B14F-4D97-AF65-F5344CB8AC3E}">
-        <p14:creationId xmlns:p14="http://schemas.microsoft.com/office/powerpoint/2010/main" xmlns="" val="2845395031"/>
-      </p:ext>
-    </p:extLst>
-  </p:cSld>
-  <p:clrMapOvr>
-    <a:masterClrMapping/>
-  </p:clrMapOvr>
-</p:sld>
-</file>
-
-<file path=ppt/slides/slide13.xml><?xml version="1.0" encoding="utf-8"?>
-<p:sld xmlns:a="http://schemas.openxmlformats.org/drawingml/2006/main" xmlns:r="http://schemas.openxmlformats.org/officeDocument/2006/relationships" xmlns:p="http://schemas.openxmlformats.org/presentationml/2006/main">
-  <p:cSld>
-    <p:spTree>
-      <p:nvGrpSpPr>
-        <p:cNvPr id="1" name=""/>
-        <p:cNvGrpSpPr/>
-        <p:nvPr/>
-      </p:nvGrpSpPr>
-      <p:grpSpPr>
-        <a:xfrm>
-          <a:off x="0" y="0"/>
-          <a:ext cx="0" cy="0"/>
-          <a:chOff x="0" y="0"/>
-          <a:chExt cx="0" cy="0"/>
-        </a:xfrm>
-      </p:grpSpPr>
-      <p:sp>
-        <p:nvSpPr>
-          <p:cNvPr id="2" name="Title 1"/>
-          <p:cNvSpPr>
-            <a:spLocks noGrp="1"/>
-          </p:cNvSpPr>
-          <p:nvPr>
-            <p:ph type="title"/>
-          </p:nvPr>
-        </p:nvSpPr>
-        <p:spPr/>
-        <p:txBody>
-          <a:bodyPr/>
-          <a:lstStyle/>
-          <a:p>
-            <a:r>
-              <a:rPr lang="en-US" b="1" dirty="0"/>
-              <a:t>System Architecture</a:t>
-            </a:r>
-            <a:endParaRPr lang="en-US" dirty="0"/>
-          </a:p>
-        </p:txBody>
-      </p:sp>
-      <p:pic>
-        <p:nvPicPr>
-          <p:cNvPr id="25602" name="Picture 2"/>
-          <p:cNvPicPr>
-            <a:picLocks noGrp="1" noChangeAspect="1" noChangeArrowheads="1"/>
-          </p:cNvPicPr>
-          <p:nvPr>
-            <p:ph idx="1"/>
-          </p:nvPr>
-        </p:nvPicPr>
-        <p:blipFill>
-          <a:blip r:embed="rId2"/>
-          <a:srcRect l="35801" t="21466" r="34027" b="7506"/>
-          <a:stretch>
-            <a:fillRect/>
-          </a:stretch>
-        </p:blipFill>
-        <p:spPr bwMode="auto">
-          <a:xfrm>
-            <a:off x="1214414" y="1785926"/>
-            <a:ext cx="7143800" cy="4572032"/>
-          </a:xfrm>
-          <a:prstGeom prst="rect">
-            <a:avLst/>
-          </a:prstGeom>
-          <a:noFill/>
-          <a:ln w="9525">
-            <a:noFill/>
-            <a:miter lim="800000"/>
-            <a:headEnd/>
-            <a:tailEnd/>
-          </a:ln>
-          <a:effectLst/>
-        </p:spPr>
-      </p:pic>
-    </p:spTree>
-  </p:cSld>
-  <p:clrMapOvr>
-    <a:masterClrMapping/>
-  </p:clrMapOvr>
-</p:sld>
-</file>
-
-<file path=ppt/slides/slide14.xml><?xml version="1.0" encoding="utf-8"?>
-<p:sld xmlns:a="http://schemas.openxmlformats.org/drawingml/2006/main" xmlns:r="http://schemas.openxmlformats.org/officeDocument/2006/relationships" xmlns:p="http://schemas.openxmlformats.org/presentationml/2006/main">
-  <p:cSld>
-    <p:spTree>
-      <p:nvGrpSpPr>
-        <p:cNvPr id="1" name=""/>
-        <p:cNvGrpSpPr/>
-        <p:nvPr/>
-      </p:nvGrpSpPr>
-      <p:grpSpPr>
-        <a:xfrm>
-          <a:off x="0" y="0"/>
-          <a:ext cx="0" cy="0"/>
-          <a:chOff x="0" y="0"/>
-          <a:chExt cx="0" cy="0"/>
-        </a:xfrm>
-      </p:grpSpPr>
-      <p:sp>
-        <p:nvSpPr>
-          <p:cNvPr id="2" name="Title 1">
-            <a:extLst>
-              <a:ext uri="{FF2B5EF4-FFF2-40B4-BE49-F238E27FC236}">
-                <a16:creationId xmlns="" xmlns:a16="http://schemas.microsoft.com/office/drawing/2014/main" id="{8BC28A98-3DA0-4D84-8A8B-609FDF550240}"/>
+                <a16:creationId xmlns:a16="http://schemas.microsoft.com/office/drawing/2014/main" id="{8BC28A98-3DA0-4D84-8A8B-609FDF550240}"/>
               </a:ext>
             </a:extLst>
           </p:cNvPr>
@@ -3984,7 +4308,7 @@
           <p:cNvPr id="3" name="Canvas 39">
             <a:extLst>
               <a:ext uri="{FF2B5EF4-FFF2-40B4-BE49-F238E27FC236}">
-                <a16:creationId xmlns="" xmlns:a16="http://schemas.microsoft.com/office/drawing/2014/main" id="{CE059990-4A63-4E67-B1B5-6D915C5788DF}"/>
+                <a16:creationId xmlns:a16="http://schemas.microsoft.com/office/drawing/2014/main" id="{CE059990-4A63-4E67-B1B5-6D915C5788DF}"/>
               </a:ext>
             </a:extLst>
           </p:cNvPr>
@@ -4004,7 +4328,7 @@
             <p:cNvPr id="5" name="Rectangle 4">
               <a:extLst>
                 <a:ext uri="{FF2B5EF4-FFF2-40B4-BE49-F238E27FC236}">
-                  <a16:creationId xmlns="" xmlns:a16="http://schemas.microsoft.com/office/drawing/2014/main" id="{507781C5-A5FC-4935-BA38-397AC46CBFE8}"/>
+                  <a16:creationId xmlns:a16="http://schemas.microsoft.com/office/drawing/2014/main" id="{507781C5-A5FC-4935-BA38-397AC46CBFE8}"/>
                 </a:ext>
               </a:extLst>
             </p:cNvPr>
@@ -4029,7 +4353,7 @@
             <p:cNvPr id="6" name="Rectangle 5">
               <a:extLst>
                 <a:ext uri="{FF2B5EF4-FFF2-40B4-BE49-F238E27FC236}">
-                  <a16:creationId xmlns="" xmlns:a16="http://schemas.microsoft.com/office/drawing/2014/main" id="{B8B63107-188A-493E-86AE-2BE2FB3037FC}"/>
+                  <a16:creationId xmlns:a16="http://schemas.microsoft.com/office/drawing/2014/main" id="{B8B63107-188A-493E-86AE-2BE2FB3037FC}"/>
                 </a:ext>
               </a:extLst>
             </p:cNvPr>
@@ -4099,7 +4423,7 @@
             <p:cNvPr id="7" name="Rectangle 6">
               <a:extLst>
                 <a:ext uri="{FF2B5EF4-FFF2-40B4-BE49-F238E27FC236}">
-                  <a16:creationId xmlns="" xmlns:a16="http://schemas.microsoft.com/office/drawing/2014/main" id="{C3F6D03D-5086-49C1-B814-129FBA71B5C9}"/>
+                  <a16:creationId xmlns:a16="http://schemas.microsoft.com/office/drawing/2014/main" id="{C3F6D03D-5086-49C1-B814-129FBA71B5C9}"/>
                 </a:ext>
               </a:extLst>
             </p:cNvPr>
@@ -4189,7 +4513,7 @@
             <p:cNvPr id="8" name="Rectangle 7">
               <a:extLst>
                 <a:ext uri="{FF2B5EF4-FFF2-40B4-BE49-F238E27FC236}">
-                  <a16:creationId xmlns="" xmlns:a16="http://schemas.microsoft.com/office/drawing/2014/main" id="{36831A3E-234D-4EED-81AF-60FC091D0CFE}"/>
+                  <a16:creationId xmlns:a16="http://schemas.microsoft.com/office/drawing/2014/main" id="{36831A3E-234D-4EED-81AF-60FC091D0CFE}"/>
                 </a:ext>
               </a:extLst>
             </p:cNvPr>
@@ -4279,7 +4603,7 @@
             <p:cNvPr id="9" name="Rectangle 8">
               <a:extLst>
                 <a:ext uri="{FF2B5EF4-FFF2-40B4-BE49-F238E27FC236}">
-                  <a16:creationId xmlns="" xmlns:a16="http://schemas.microsoft.com/office/drawing/2014/main" id="{CBBE46E1-1867-4364-A133-DD6D48ABA706}"/>
+                  <a16:creationId xmlns:a16="http://schemas.microsoft.com/office/drawing/2014/main" id="{CBBE46E1-1867-4364-A133-DD6D48ABA706}"/>
                 </a:ext>
               </a:extLst>
             </p:cNvPr>
@@ -4369,7 +4693,7 @@
             <p:cNvPr id="10" name="Rectangle 9">
               <a:extLst>
                 <a:ext uri="{FF2B5EF4-FFF2-40B4-BE49-F238E27FC236}">
-                  <a16:creationId xmlns="" xmlns:a16="http://schemas.microsoft.com/office/drawing/2014/main" id="{63F8C97D-49D9-4937-99DF-590160AAEC18}"/>
+                  <a16:creationId xmlns:a16="http://schemas.microsoft.com/office/drawing/2014/main" id="{63F8C97D-49D9-4937-99DF-590160AAEC18}"/>
                 </a:ext>
               </a:extLst>
             </p:cNvPr>
@@ -4459,7 +4783,7 @@
             <p:cNvPr id="11" name="Rectangle 10">
               <a:extLst>
                 <a:ext uri="{FF2B5EF4-FFF2-40B4-BE49-F238E27FC236}">
-                  <a16:creationId xmlns="" xmlns:a16="http://schemas.microsoft.com/office/drawing/2014/main" id="{CFDFFB48-49FC-471A-B29A-DEA660EACA1D}"/>
+                  <a16:creationId xmlns:a16="http://schemas.microsoft.com/office/drawing/2014/main" id="{CFDFFB48-49FC-471A-B29A-DEA660EACA1D}"/>
                 </a:ext>
               </a:extLst>
             </p:cNvPr>
@@ -4549,7 +4873,7 @@
             <p:cNvPr id="12" name="Connector: Elbow 11">
               <a:extLst>
                 <a:ext uri="{FF2B5EF4-FFF2-40B4-BE49-F238E27FC236}">
-                  <a16:creationId xmlns="" xmlns:a16="http://schemas.microsoft.com/office/drawing/2014/main" id="{60500725-7B8E-40C5-83F1-9E79FDB06A8F}"/>
+                  <a16:creationId xmlns:a16="http://schemas.microsoft.com/office/drawing/2014/main" id="{60500725-7B8E-40C5-83F1-9E79FDB06A8F}"/>
                 </a:ext>
               </a:extLst>
             </p:cNvPr>
@@ -4590,7 +4914,7 @@
             <p:cNvPr id="13" name="Rectangle 12">
               <a:extLst>
                 <a:ext uri="{FF2B5EF4-FFF2-40B4-BE49-F238E27FC236}">
-                  <a16:creationId xmlns="" xmlns:a16="http://schemas.microsoft.com/office/drawing/2014/main" id="{EAF69990-683D-4AE6-9245-FD462E26C641}"/>
+                  <a16:creationId xmlns:a16="http://schemas.microsoft.com/office/drawing/2014/main" id="{EAF69990-683D-4AE6-9245-FD462E26C641}"/>
                 </a:ext>
               </a:extLst>
             </p:cNvPr>
@@ -4660,7 +4984,7 @@
             <p:cNvPr id="14" name="Rectangle 13">
               <a:extLst>
                 <a:ext uri="{FF2B5EF4-FFF2-40B4-BE49-F238E27FC236}">
-                  <a16:creationId xmlns="" xmlns:a16="http://schemas.microsoft.com/office/drawing/2014/main" id="{19B3FF5A-4ABA-494A-9914-CFDC3F945BAB}"/>
+                  <a16:creationId xmlns:a16="http://schemas.microsoft.com/office/drawing/2014/main" id="{19B3FF5A-4ABA-494A-9914-CFDC3F945BAB}"/>
                 </a:ext>
               </a:extLst>
             </p:cNvPr>
@@ -4750,7 +5074,7 @@
             <p:cNvPr id="15" name="Rectangle 14">
               <a:extLst>
                 <a:ext uri="{FF2B5EF4-FFF2-40B4-BE49-F238E27FC236}">
-                  <a16:creationId xmlns="" xmlns:a16="http://schemas.microsoft.com/office/drawing/2014/main" id="{73A86A82-5ECC-43EB-9596-A30555FE0F2F}"/>
+                  <a16:creationId xmlns:a16="http://schemas.microsoft.com/office/drawing/2014/main" id="{73A86A82-5ECC-43EB-9596-A30555FE0F2F}"/>
                 </a:ext>
               </a:extLst>
             </p:cNvPr>
@@ -4840,7 +5164,7 @@
             <p:cNvPr id="16" name="Connector: Elbow 15">
               <a:extLst>
                 <a:ext uri="{FF2B5EF4-FFF2-40B4-BE49-F238E27FC236}">
-                  <a16:creationId xmlns="" xmlns:a16="http://schemas.microsoft.com/office/drawing/2014/main" id="{DE41D708-1BE5-482B-A113-CCC6B27A9EDC}"/>
+                  <a16:creationId xmlns:a16="http://schemas.microsoft.com/office/drawing/2014/main" id="{DE41D708-1BE5-482B-A113-CCC6B27A9EDC}"/>
                 </a:ext>
               </a:extLst>
             </p:cNvPr>
@@ -4879,7 +5203,7 @@
             <p:cNvPr id="17" name="Rectangle 16">
               <a:extLst>
                 <a:ext uri="{FF2B5EF4-FFF2-40B4-BE49-F238E27FC236}">
-                  <a16:creationId xmlns="" xmlns:a16="http://schemas.microsoft.com/office/drawing/2014/main" id="{15DABC0C-B522-4981-85D4-D8CA23856728}"/>
+                  <a16:creationId xmlns:a16="http://schemas.microsoft.com/office/drawing/2014/main" id="{15DABC0C-B522-4981-85D4-D8CA23856728}"/>
                 </a:ext>
               </a:extLst>
             </p:cNvPr>
@@ -4931,7 +5255,7 @@
                 <a:defRPr/>
               </a:pPr>
               <a:r>
-                <a:rPr lang="en-US" sz="1000" kern="0" dirty="0" smtClean="0">
+                <a:rPr lang="en-US" sz="1000" kern="0" dirty="0">
                   <a:solidFill>
                     <a:srgbClr val="000000"/>
                   </a:solidFill>
@@ -4940,23 +5264,6 @@
                   <a:cs typeface="Times New Roman" panose="02020603050405020304" pitchFamily="18" charset="0"/>
                 </a:rPr>
                 <a:t>Disease</a:t>
-              </a:r>
-              <a:r>
-                <a:rPr kumimoji="0" lang="en-US" sz="1000" b="0" i="0" u="none" strike="noStrike" kern="0" cap="none" spc="0" normalizeH="0" baseline="0" noProof="0" dirty="0" smtClean="0">
-                  <a:ln>
-                    <a:noFill/>
-                  </a:ln>
-                  <a:solidFill>
-                    <a:srgbClr val="000000"/>
-                  </a:solidFill>
-                  <a:effectLst/>
-                  <a:uLnTx/>
-                  <a:uFillTx/>
-                  <a:latin typeface="Times New Roman" panose="02020603050405020304" pitchFamily="18" charset="0"/>
-                  <a:ea typeface="Calibri" panose="020F0502020204030204" pitchFamily="34" charset="0"/>
-                  <a:cs typeface="Times New Roman" panose="02020603050405020304" pitchFamily="18" charset="0"/>
-                </a:rPr>
-                <a:t> </a:t>
               </a:r>
               <a:r>
                 <a:rPr kumimoji="0" lang="en-US" sz="1000" b="0" i="0" u="none" strike="noStrike" kern="0" cap="none" spc="0" normalizeH="0" baseline="0" noProof="0" dirty="0">
@@ -4973,7 +5280,7 @@
                   <a:ea typeface="Calibri" panose="020F0502020204030204" pitchFamily="34" charset="0"/>
                   <a:cs typeface="Times New Roman" panose="02020603050405020304" pitchFamily="18" charset="0"/>
                 </a:rPr>
-                <a:t>Detect</a:t>
+                <a:t> Detect</a:t>
               </a:r>
               <a:endParaRPr kumimoji="0" lang="en-IN" sz="1100" b="0" i="0" u="none" strike="noStrike" kern="0" cap="none" spc="0" normalizeH="0" baseline="0" noProof="0" dirty="0">
                 <a:ln>
@@ -4997,7 +5304,7 @@
             <p:cNvPr id="18" name="Rectangle 17">
               <a:extLst>
                 <a:ext uri="{FF2B5EF4-FFF2-40B4-BE49-F238E27FC236}">
-                  <a16:creationId xmlns="" xmlns:a16="http://schemas.microsoft.com/office/drawing/2014/main" id="{4158D98F-076B-4402-9749-88BCECE924B4}"/>
+                  <a16:creationId xmlns:a16="http://schemas.microsoft.com/office/drawing/2014/main" id="{4158D98F-076B-4402-9749-88BCECE924B4}"/>
                 </a:ext>
               </a:extLst>
             </p:cNvPr>
@@ -5087,7 +5394,7 @@
             <p:cNvPr id="19" name="Rectangle 18">
               <a:extLst>
                 <a:ext uri="{FF2B5EF4-FFF2-40B4-BE49-F238E27FC236}">
-                  <a16:creationId xmlns="" xmlns:a16="http://schemas.microsoft.com/office/drawing/2014/main" id="{E57021AD-6103-4808-9FBE-F98D2D1BB987}"/>
+                  <a16:creationId xmlns:a16="http://schemas.microsoft.com/office/drawing/2014/main" id="{E57021AD-6103-4808-9FBE-F98D2D1BB987}"/>
                 </a:ext>
               </a:extLst>
             </p:cNvPr>
@@ -5157,7 +5464,7 @@
             <p:cNvPr id="20" name="Rectangle 19">
               <a:extLst>
                 <a:ext uri="{FF2B5EF4-FFF2-40B4-BE49-F238E27FC236}">
-                  <a16:creationId xmlns="" xmlns:a16="http://schemas.microsoft.com/office/drawing/2014/main" id="{70C0C37B-4C9B-4CA2-AEDC-034BF8434790}"/>
+                  <a16:creationId xmlns:a16="http://schemas.microsoft.com/office/drawing/2014/main" id="{70C0C37B-4C9B-4CA2-AEDC-034BF8434790}"/>
                 </a:ext>
               </a:extLst>
             </p:cNvPr>
@@ -5247,7 +5554,7 @@
             <p:cNvPr id="21" name="Rectangle 20">
               <a:extLst>
                 <a:ext uri="{FF2B5EF4-FFF2-40B4-BE49-F238E27FC236}">
-                  <a16:creationId xmlns="" xmlns:a16="http://schemas.microsoft.com/office/drawing/2014/main" id="{12C08273-F047-4FEF-82F2-F9A25896D76C}"/>
+                  <a16:creationId xmlns:a16="http://schemas.microsoft.com/office/drawing/2014/main" id="{12C08273-F047-4FEF-82F2-F9A25896D76C}"/>
                 </a:ext>
               </a:extLst>
             </p:cNvPr>
@@ -5337,7 +5644,7 @@
             <p:cNvPr id="22" name="Rectangle 21">
               <a:extLst>
                 <a:ext uri="{FF2B5EF4-FFF2-40B4-BE49-F238E27FC236}">
-                  <a16:creationId xmlns="" xmlns:a16="http://schemas.microsoft.com/office/drawing/2014/main" id="{D0BEA56E-5F81-4A20-92AD-030084C76F62}"/>
+                  <a16:creationId xmlns:a16="http://schemas.microsoft.com/office/drawing/2014/main" id="{D0BEA56E-5F81-4A20-92AD-030084C76F62}"/>
                 </a:ext>
               </a:extLst>
             </p:cNvPr>
@@ -5427,7 +5734,7 @@
             <p:cNvPr id="23" name="Rectangle 22">
               <a:extLst>
                 <a:ext uri="{FF2B5EF4-FFF2-40B4-BE49-F238E27FC236}">
-                  <a16:creationId xmlns="" xmlns:a16="http://schemas.microsoft.com/office/drawing/2014/main" id="{C9C3C63E-D4ED-40C4-9282-25E99E7C30DB}"/>
+                  <a16:creationId xmlns:a16="http://schemas.microsoft.com/office/drawing/2014/main" id="{C9C3C63E-D4ED-40C4-9282-25E99E7C30DB}"/>
                 </a:ext>
               </a:extLst>
             </p:cNvPr>
@@ -5517,7 +5824,7 @@
             <p:cNvPr id="24" name="Connector: Elbow 23">
               <a:extLst>
                 <a:ext uri="{FF2B5EF4-FFF2-40B4-BE49-F238E27FC236}">
-                  <a16:creationId xmlns="" xmlns:a16="http://schemas.microsoft.com/office/drawing/2014/main" id="{6A57B689-630A-427D-A7F4-37D3DF3A0EE4}"/>
+                  <a16:creationId xmlns:a16="http://schemas.microsoft.com/office/drawing/2014/main" id="{6A57B689-630A-427D-A7F4-37D3DF3A0EE4}"/>
                 </a:ext>
               </a:extLst>
             </p:cNvPr>
@@ -5556,7 +5863,7 @@
             <p:cNvPr id="25" name="Rectangle 24">
               <a:extLst>
                 <a:ext uri="{FF2B5EF4-FFF2-40B4-BE49-F238E27FC236}">
-                  <a16:creationId xmlns="" xmlns:a16="http://schemas.microsoft.com/office/drawing/2014/main" id="{D1602DC2-22CE-4F84-B7C0-5C1E20DFE5AA}"/>
+                  <a16:creationId xmlns:a16="http://schemas.microsoft.com/office/drawing/2014/main" id="{D1602DC2-22CE-4F84-B7C0-5C1E20DFE5AA}"/>
                 </a:ext>
               </a:extLst>
             </p:cNvPr>
@@ -5644,7 +5951,7 @@
             <p:cNvPr id="26" name="Rectangle 25">
               <a:extLst>
                 <a:ext uri="{FF2B5EF4-FFF2-40B4-BE49-F238E27FC236}">
-                  <a16:creationId xmlns="" xmlns:a16="http://schemas.microsoft.com/office/drawing/2014/main" id="{6EA60613-0272-4017-AF0A-214C299B4646}"/>
+                  <a16:creationId xmlns:a16="http://schemas.microsoft.com/office/drawing/2014/main" id="{6EA60613-0272-4017-AF0A-214C299B4646}"/>
                 </a:ext>
               </a:extLst>
             </p:cNvPr>
@@ -5732,7 +6039,7 @@
             <p:cNvPr id="27" name="Rectangle 26">
               <a:extLst>
                 <a:ext uri="{FF2B5EF4-FFF2-40B4-BE49-F238E27FC236}">
-                  <a16:creationId xmlns="" xmlns:a16="http://schemas.microsoft.com/office/drawing/2014/main" id="{650FAB97-96AE-46C6-B7C8-945E2C3EFECF}"/>
+                  <a16:creationId xmlns:a16="http://schemas.microsoft.com/office/drawing/2014/main" id="{650FAB97-96AE-46C6-B7C8-945E2C3EFECF}"/>
                 </a:ext>
               </a:extLst>
             </p:cNvPr>
@@ -5820,7 +6127,7 @@
             <p:cNvPr id="28" name="Rectangle 27">
               <a:extLst>
                 <a:ext uri="{FF2B5EF4-FFF2-40B4-BE49-F238E27FC236}">
-                  <a16:creationId xmlns="" xmlns:a16="http://schemas.microsoft.com/office/drawing/2014/main" id="{53FE085F-1279-4C91-9D2A-2A665D7ACC41}"/>
+                  <a16:creationId xmlns:a16="http://schemas.microsoft.com/office/drawing/2014/main" id="{53FE085F-1279-4C91-9D2A-2A665D7ACC41}"/>
                 </a:ext>
               </a:extLst>
             </p:cNvPr>
@@ -5870,23 +6177,6 @@
                 <a:defRPr/>
               </a:pPr>
               <a:r>
-                <a:rPr kumimoji="0" lang="en-US" sz="1100" b="1" i="0" u="none" strike="noStrike" kern="0" cap="none" spc="0" normalizeH="0" baseline="0" noProof="0" dirty="0" smtClean="0">
-                  <a:ln>
-                    <a:noFill/>
-                  </a:ln>
-                  <a:solidFill>
-                    <a:srgbClr val="000000"/>
-                  </a:solidFill>
-                  <a:effectLst/>
-                  <a:uLnTx/>
-                  <a:uFillTx/>
-                  <a:latin typeface="Times New Roman" panose="02020603050405020304" pitchFamily="18" charset="0"/>
-                  <a:ea typeface="Calibri" panose="020F0502020204030204" pitchFamily="34" charset="0"/>
-                  <a:cs typeface="Times New Roman" panose="02020603050405020304" pitchFamily="18" charset="0"/>
-                </a:rPr>
-                <a:t>MRI  </a:t>
-              </a:r>
-              <a:r>
                 <a:rPr kumimoji="0" lang="en-US" sz="1100" b="1" i="0" u="none" strike="noStrike" kern="0" cap="none" spc="0" normalizeH="0" baseline="0" noProof="0" dirty="0">
                   <a:ln>
                     <a:noFill/>
@@ -5901,7 +6191,7 @@
                   <a:ea typeface="Calibri" panose="020F0502020204030204" pitchFamily="34" charset="0"/>
                   <a:cs typeface="Times New Roman" panose="02020603050405020304" pitchFamily="18" charset="0"/>
                 </a:rPr>
-                <a:t>Dataset</a:t>
+                <a:t>MRI  Dataset</a:t>
               </a:r>
               <a:endParaRPr kumimoji="0" lang="en-IN" sz="1100" b="0" i="0" u="none" strike="noStrike" kern="0" cap="none" spc="0" normalizeH="0" baseline="0" noProof="0" dirty="0">
                 <a:ln>
@@ -5925,7 +6215,7 @@
             <p:cNvPr id="29" name="Rectangle 28">
               <a:extLst>
                 <a:ext uri="{FF2B5EF4-FFF2-40B4-BE49-F238E27FC236}">
-                  <a16:creationId xmlns="" xmlns:a16="http://schemas.microsoft.com/office/drawing/2014/main" id="{F6B89F24-6171-4530-812C-EAFB89AB3304}"/>
+                  <a16:creationId xmlns:a16="http://schemas.microsoft.com/office/drawing/2014/main" id="{F6B89F24-6171-4530-812C-EAFB89AB3304}"/>
                 </a:ext>
               </a:extLst>
             </p:cNvPr>
@@ -5995,7 +6285,7 @@
             <p:cNvPr id="30" name="Rectangle 29">
               <a:extLst>
                 <a:ext uri="{FF2B5EF4-FFF2-40B4-BE49-F238E27FC236}">
-                  <a16:creationId xmlns="" xmlns:a16="http://schemas.microsoft.com/office/drawing/2014/main" id="{9307D917-5919-4BAC-9951-6906E132F127}"/>
+                  <a16:creationId xmlns:a16="http://schemas.microsoft.com/office/drawing/2014/main" id="{9307D917-5919-4BAC-9951-6906E132F127}"/>
                 </a:ext>
               </a:extLst>
             </p:cNvPr>
@@ -6071,7 +6361,7 @@
             <p:cNvPr id="31" name="Rectangle 30">
               <a:extLst>
                 <a:ext uri="{FF2B5EF4-FFF2-40B4-BE49-F238E27FC236}">
-                  <a16:creationId xmlns="" xmlns:a16="http://schemas.microsoft.com/office/drawing/2014/main" id="{02B953BB-740D-4EFB-BF6E-0D9467F53D30}"/>
+                  <a16:creationId xmlns:a16="http://schemas.microsoft.com/office/drawing/2014/main" id="{02B953BB-740D-4EFB-BF6E-0D9467F53D30}"/>
                 </a:ext>
               </a:extLst>
             </p:cNvPr>
@@ -6161,7 +6451,7 @@
             <p:cNvPr id="32" name="Rectangle 31">
               <a:extLst>
                 <a:ext uri="{FF2B5EF4-FFF2-40B4-BE49-F238E27FC236}">
-                  <a16:creationId xmlns="" xmlns:a16="http://schemas.microsoft.com/office/drawing/2014/main" id="{8D23207D-EC4A-4E20-8706-E60869D3CABE}"/>
+                  <a16:creationId xmlns:a16="http://schemas.microsoft.com/office/drawing/2014/main" id="{8D23207D-EC4A-4E20-8706-E60869D3CABE}"/>
                 </a:ext>
               </a:extLst>
             </p:cNvPr>
@@ -6249,7 +6539,7 @@
             <p:cNvPr id="33" name="Straight Arrow Connector 32">
               <a:extLst>
                 <a:ext uri="{FF2B5EF4-FFF2-40B4-BE49-F238E27FC236}">
-                  <a16:creationId xmlns="" xmlns:a16="http://schemas.microsoft.com/office/drawing/2014/main" id="{B8FC5923-4C4F-44A7-8651-A1B5E219F305}"/>
+                  <a16:creationId xmlns:a16="http://schemas.microsoft.com/office/drawing/2014/main" id="{B8FC5923-4C4F-44A7-8651-A1B5E219F305}"/>
                 </a:ext>
               </a:extLst>
             </p:cNvPr>
@@ -6284,7 +6574,7 @@
             <p:cNvPr id="34" name="Rectangle 33">
               <a:extLst>
                 <a:ext uri="{FF2B5EF4-FFF2-40B4-BE49-F238E27FC236}">
-                  <a16:creationId xmlns="" xmlns:a16="http://schemas.microsoft.com/office/drawing/2014/main" id="{F1F03B9A-D2DF-483C-966D-72BB9D78C5A3}"/>
+                  <a16:creationId xmlns:a16="http://schemas.microsoft.com/office/drawing/2014/main" id="{F1F03B9A-D2DF-483C-966D-72BB9D78C5A3}"/>
                 </a:ext>
               </a:extLst>
             </p:cNvPr>
@@ -6374,7 +6664,7 @@
             <p:cNvPr id="35" name="Straight Arrow Connector 34">
               <a:extLst>
                 <a:ext uri="{FF2B5EF4-FFF2-40B4-BE49-F238E27FC236}">
-                  <a16:creationId xmlns="" xmlns:a16="http://schemas.microsoft.com/office/drawing/2014/main" id="{5DF209C7-CF89-4268-A051-399E74EF87EB}"/>
+                  <a16:creationId xmlns:a16="http://schemas.microsoft.com/office/drawing/2014/main" id="{5DF209C7-CF89-4268-A051-399E74EF87EB}"/>
                 </a:ext>
               </a:extLst>
             </p:cNvPr>
@@ -6409,7 +6699,7 @@
             <p:cNvPr id="36" name="Cylinder 35">
               <a:extLst>
                 <a:ext uri="{FF2B5EF4-FFF2-40B4-BE49-F238E27FC236}">
-                  <a16:creationId xmlns="" xmlns:a16="http://schemas.microsoft.com/office/drawing/2014/main" id="{05FDCD06-6E68-4CC5-86A2-DCE518AA26A1}"/>
+                  <a16:creationId xmlns:a16="http://schemas.microsoft.com/office/drawing/2014/main" id="{05FDCD06-6E68-4CC5-86A2-DCE518AA26A1}"/>
                 </a:ext>
               </a:extLst>
             </p:cNvPr>
@@ -6484,7 +6774,7 @@
             <p:cNvPr id="37" name="Straight Arrow Connector 36">
               <a:extLst>
                 <a:ext uri="{FF2B5EF4-FFF2-40B4-BE49-F238E27FC236}">
-                  <a16:creationId xmlns="" xmlns:a16="http://schemas.microsoft.com/office/drawing/2014/main" id="{9D90F3E9-A87B-4B0F-92D0-1E680D69A604}"/>
+                  <a16:creationId xmlns:a16="http://schemas.microsoft.com/office/drawing/2014/main" id="{9D90F3E9-A87B-4B0F-92D0-1E680D69A604}"/>
                 </a:ext>
               </a:extLst>
             </p:cNvPr>
@@ -6516,7 +6806,7 @@
             <p:cNvPr id="38" name="Rectangle 37">
               <a:extLst>
                 <a:ext uri="{FF2B5EF4-FFF2-40B4-BE49-F238E27FC236}">
-                  <a16:creationId xmlns="" xmlns:a16="http://schemas.microsoft.com/office/drawing/2014/main" id="{EF5D5EBD-EF6C-4F5A-985A-21A794BB903A}"/>
+                  <a16:creationId xmlns:a16="http://schemas.microsoft.com/office/drawing/2014/main" id="{EF5D5EBD-EF6C-4F5A-985A-21A794BB903A}"/>
                 </a:ext>
               </a:extLst>
             </p:cNvPr>
@@ -6604,7 +6894,7 @@
             <p:cNvPr id="39" name="Rectangle 38">
               <a:extLst>
                 <a:ext uri="{FF2B5EF4-FFF2-40B4-BE49-F238E27FC236}">
-                  <a16:creationId xmlns="" xmlns:a16="http://schemas.microsoft.com/office/drawing/2014/main" id="{F35DBB6C-C6A9-424F-9EAC-D225008ACA55}"/>
+                  <a16:creationId xmlns:a16="http://schemas.microsoft.com/office/drawing/2014/main" id="{F35DBB6C-C6A9-424F-9EAC-D225008ACA55}"/>
                 </a:ext>
               </a:extLst>
             </p:cNvPr>
@@ -6674,7 +6964,7 @@
             <p:cNvPr id="40" name="Rectangle 39">
               <a:extLst>
                 <a:ext uri="{FF2B5EF4-FFF2-40B4-BE49-F238E27FC236}">
-                  <a16:creationId xmlns="" xmlns:a16="http://schemas.microsoft.com/office/drawing/2014/main" id="{F52F6E84-7E28-49E6-87BE-2162DEA66320}"/>
+                  <a16:creationId xmlns:a16="http://schemas.microsoft.com/office/drawing/2014/main" id="{F52F6E84-7E28-49E6-87BE-2162DEA66320}"/>
                 </a:ext>
               </a:extLst>
             </p:cNvPr>
@@ -6785,7 +7075,7 @@
     </p:spTree>
     <p:extLst>
       <p:ext uri="{BB962C8B-B14F-4D97-AF65-F5344CB8AC3E}">
-        <p14:creationId xmlns="" xmlns:p14="http://schemas.microsoft.com/office/powerpoint/2010/main" val="4096800634"/>
+        <p14:creationId xmlns:p14="http://schemas.microsoft.com/office/powerpoint/2010/main" val="4096800634"/>
       </p:ext>
     </p:extLst>
   </p:cSld>
@@ -6795,7 +7085,7 @@
 </p:sld>
 </file>
 
-<file path=ppt/slides/slide15.xml><?xml version="1.0" encoding="utf-8"?>
+<file path=ppt/slides/slide12.xml><?xml version="1.0" encoding="utf-8"?>
 <p:sld xmlns:a="http://schemas.openxmlformats.org/drawingml/2006/main" xmlns:r="http://schemas.openxmlformats.org/officeDocument/2006/relationships" xmlns:p="http://schemas.openxmlformats.org/presentationml/2006/main">
   <p:cSld>
     <p:spTree>
@@ -6817,7 +7107,7 @@
           <p:cNvPr id="2" name="Title 1">
             <a:extLst>
               <a:ext uri="{FF2B5EF4-FFF2-40B4-BE49-F238E27FC236}">
-                <a16:creationId xmlns="" xmlns:a16="http://schemas.microsoft.com/office/drawing/2014/main" id="{8BC28A98-3DA0-4D84-8A8B-609FDF550240}"/>
+                <a16:creationId xmlns:a16="http://schemas.microsoft.com/office/drawing/2014/main" id="{8BC28A98-3DA0-4D84-8A8B-609FDF550240}"/>
               </a:ext>
             </a:extLst>
           </p:cNvPr>
@@ -6856,7 +7146,7 @@
           <p:cNvPr id="3" name="Canvas 77">
             <a:extLst>
               <a:ext uri="{FF2B5EF4-FFF2-40B4-BE49-F238E27FC236}">
-                <a16:creationId xmlns="" xmlns:a16="http://schemas.microsoft.com/office/drawing/2014/main" id="{EFBCCBB7-1884-4DDD-9EBF-4CE7448A8B0B}"/>
+                <a16:creationId xmlns:a16="http://schemas.microsoft.com/office/drawing/2014/main" id="{EFBCCBB7-1884-4DDD-9EBF-4CE7448A8B0B}"/>
               </a:ext>
             </a:extLst>
           </p:cNvPr>
@@ -6876,7 +7166,7 @@
             <p:cNvPr id="4" name="Rectangle 3">
               <a:extLst>
                 <a:ext uri="{FF2B5EF4-FFF2-40B4-BE49-F238E27FC236}">
-                  <a16:creationId xmlns="" xmlns:a16="http://schemas.microsoft.com/office/drawing/2014/main" id="{46C9439B-CE97-47EA-B6D9-E94960A639A6}"/>
+                  <a16:creationId xmlns:a16="http://schemas.microsoft.com/office/drawing/2014/main" id="{46C9439B-CE97-47EA-B6D9-E94960A639A6}"/>
                 </a:ext>
               </a:extLst>
             </p:cNvPr>
@@ -6901,7 +7191,7 @@
             <p:cNvPr id="5" name="Straight Arrow Connector 4">
               <a:extLst>
                 <a:ext uri="{FF2B5EF4-FFF2-40B4-BE49-F238E27FC236}">
-                  <a16:creationId xmlns="" xmlns:a16="http://schemas.microsoft.com/office/drawing/2014/main" id="{2E40C6F8-F02F-432C-AF39-4361CF7DD986}"/>
+                  <a16:creationId xmlns:a16="http://schemas.microsoft.com/office/drawing/2014/main" id="{2E40C6F8-F02F-432C-AF39-4361CF7DD986}"/>
                 </a:ext>
               </a:extLst>
             </p:cNvPr>
@@ -6939,7 +7229,7 @@
             <p:cNvPr id="6" name="Rectangle 5">
               <a:extLst>
                 <a:ext uri="{FF2B5EF4-FFF2-40B4-BE49-F238E27FC236}">
-                  <a16:creationId xmlns="" xmlns:a16="http://schemas.microsoft.com/office/drawing/2014/main" id="{4DF30FF3-9AA9-4422-B682-9EC914CE8F68}"/>
+                  <a16:creationId xmlns:a16="http://schemas.microsoft.com/office/drawing/2014/main" id="{4DF30FF3-9AA9-4422-B682-9EC914CE8F68}"/>
                 </a:ext>
               </a:extLst>
             </p:cNvPr>
@@ -7009,7 +7299,7 @@
             <p:cNvPr id="7" name="Rectangle 6">
               <a:extLst>
                 <a:ext uri="{FF2B5EF4-FFF2-40B4-BE49-F238E27FC236}">
-                  <a16:creationId xmlns="" xmlns:a16="http://schemas.microsoft.com/office/drawing/2014/main" id="{A8AD7BA7-A515-48F6-BED6-7EE25C37D97C}"/>
+                  <a16:creationId xmlns:a16="http://schemas.microsoft.com/office/drawing/2014/main" id="{A8AD7BA7-A515-48F6-BED6-7EE25C37D97C}"/>
                 </a:ext>
               </a:extLst>
             </p:cNvPr>
@@ -7099,7 +7389,7 @@
             <p:cNvPr id="8" name="Rectangle 7">
               <a:extLst>
                 <a:ext uri="{FF2B5EF4-FFF2-40B4-BE49-F238E27FC236}">
-                  <a16:creationId xmlns="" xmlns:a16="http://schemas.microsoft.com/office/drawing/2014/main" id="{A666F94B-7802-4401-A34F-C9294ADFA7C1}"/>
+                  <a16:creationId xmlns:a16="http://schemas.microsoft.com/office/drawing/2014/main" id="{A666F94B-7802-4401-A34F-C9294ADFA7C1}"/>
                 </a:ext>
               </a:extLst>
             </p:cNvPr>
@@ -7189,7 +7479,7 @@
             <p:cNvPr id="9" name="Rectangle 8">
               <a:extLst>
                 <a:ext uri="{FF2B5EF4-FFF2-40B4-BE49-F238E27FC236}">
-                  <a16:creationId xmlns="" xmlns:a16="http://schemas.microsoft.com/office/drawing/2014/main" id="{61C09454-8CA4-4665-897C-557C08B736E6}"/>
+                  <a16:creationId xmlns:a16="http://schemas.microsoft.com/office/drawing/2014/main" id="{61C09454-8CA4-4665-897C-557C08B736E6}"/>
                 </a:ext>
               </a:extLst>
             </p:cNvPr>
@@ -7279,7 +7569,7 @@
             <p:cNvPr id="10" name="Rectangle 9">
               <a:extLst>
                 <a:ext uri="{FF2B5EF4-FFF2-40B4-BE49-F238E27FC236}">
-                  <a16:creationId xmlns="" xmlns:a16="http://schemas.microsoft.com/office/drawing/2014/main" id="{6A3AE164-7601-4764-B28E-4BDC12D10661}"/>
+                  <a16:creationId xmlns:a16="http://schemas.microsoft.com/office/drawing/2014/main" id="{6A3AE164-7601-4764-B28E-4BDC12D10661}"/>
                 </a:ext>
               </a:extLst>
             </p:cNvPr>
@@ -7369,7 +7659,7 @@
             <p:cNvPr id="11" name="Rectangle 10">
               <a:extLst>
                 <a:ext uri="{FF2B5EF4-FFF2-40B4-BE49-F238E27FC236}">
-                  <a16:creationId xmlns="" xmlns:a16="http://schemas.microsoft.com/office/drawing/2014/main" id="{9F63B89A-C924-4E24-BC66-40BFAFBDEB62}"/>
+                  <a16:creationId xmlns:a16="http://schemas.microsoft.com/office/drawing/2014/main" id="{9F63B89A-C924-4E24-BC66-40BFAFBDEB62}"/>
                 </a:ext>
               </a:extLst>
             </p:cNvPr>
@@ -7459,7 +7749,7 @@
             <p:cNvPr id="12" name="Connector: Elbow 11">
               <a:extLst>
                 <a:ext uri="{FF2B5EF4-FFF2-40B4-BE49-F238E27FC236}">
-                  <a16:creationId xmlns="" xmlns:a16="http://schemas.microsoft.com/office/drawing/2014/main" id="{207EDF80-C0A0-4EBC-969A-8571D867FFFF}"/>
+                  <a16:creationId xmlns:a16="http://schemas.microsoft.com/office/drawing/2014/main" id="{207EDF80-C0A0-4EBC-969A-8571D867FFFF}"/>
                 </a:ext>
               </a:extLst>
             </p:cNvPr>
@@ -7500,7 +7790,7 @@
             <p:cNvPr id="13" name="Rectangle 12">
               <a:extLst>
                 <a:ext uri="{FF2B5EF4-FFF2-40B4-BE49-F238E27FC236}">
-                  <a16:creationId xmlns="" xmlns:a16="http://schemas.microsoft.com/office/drawing/2014/main" id="{C8FEEA40-7B48-4E45-963D-359C74CB1D06}"/>
+                  <a16:creationId xmlns:a16="http://schemas.microsoft.com/office/drawing/2014/main" id="{C8FEEA40-7B48-4E45-963D-359C74CB1D06}"/>
                 </a:ext>
               </a:extLst>
             </p:cNvPr>
@@ -7570,7 +7860,7 @@
             <p:cNvPr id="14" name="Rectangle 13">
               <a:extLst>
                 <a:ext uri="{FF2B5EF4-FFF2-40B4-BE49-F238E27FC236}">
-                  <a16:creationId xmlns="" xmlns:a16="http://schemas.microsoft.com/office/drawing/2014/main" id="{89872E68-DA58-40B6-8E7D-4AB623C9755D}"/>
+                  <a16:creationId xmlns:a16="http://schemas.microsoft.com/office/drawing/2014/main" id="{89872E68-DA58-40B6-8E7D-4AB623C9755D}"/>
                 </a:ext>
               </a:extLst>
             </p:cNvPr>
@@ -7660,7 +7950,7 @@
             <p:cNvPr id="15" name="Rectangle 14">
               <a:extLst>
                 <a:ext uri="{FF2B5EF4-FFF2-40B4-BE49-F238E27FC236}">
-                  <a16:creationId xmlns="" xmlns:a16="http://schemas.microsoft.com/office/drawing/2014/main" id="{5EBFB758-AE91-445D-924A-009ABB331EF0}"/>
+                  <a16:creationId xmlns:a16="http://schemas.microsoft.com/office/drawing/2014/main" id="{5EBFB758-AE91-445D-924A-009ABB331EF0}"/>
                 </a:ext>
               </a:extLst>
             </p:cNvPr>
@@ -7750,7 +8040,7 @@
             <p:cNvPr id="16" name="Connector: Elbow 15">
               <a:extLst>
                 <a:ext uri="{FF2B5EF4-FFF2-40B4-BE49-F238E27FC236}">
-                  <a16:creationId xmlns="" xmlns:a16="http://schemas.microsoft.com/office/drawing/2014/main" id="{C3599C19-EE63-47BC-B32D-2B687154041E}"/>
+                  <a16:creationId xmlns:a16="http://schemas.microsoft.com/office/drawing/2014/main" id="{C3599C19-EE63-47BC-B32D-2B687154041E}"/>
                 </a:ext>
               </a:extLst>
             </p:cNvPr>
@@ -7789,7 +8079,7 @@
             <p:cNvPr id="17" name="Rectangle 16">
               <a:extLst>
                 <a:ext uri="{FF2B5EF4-FFF2-40B4-BE49-F238E27FC236}">
-                  <a16:creationId xmlns="" xmlns:a16="http://schemas.microsoft.com/office/drawing/2014/main" id="{D973F75E-9FBB-4412-8ADC-3B3F9ACBF828}"/>
+                  <a16:creationId xmlns:a16="http://schemas.microsoft.com/office/drawing/2014/main" id="{D973F75E-9FBB-4412-8ADC-3B3F9ACBF828}"/>
                 </a:ext>
               </a:extLst>
             </p:cNvPr>
@@ -7865,7 +8155,7 @@
             <p:cNvPr id="18" name="Rectangle 17">
               <a:extLst>
                 <a:ext uri="{FF2B5EF4-FFF2-40B4-BE49-F238E27FC236}">
-                  <a16:creationId xmlns="" xmlns:a16="http://schemas.microsoft.com/office/drawing/2014/main" id="{FEAC60A3-C728-4D6B-AFDA-9946DA9F9FAB}"/>
+                  <a16:creationId xmlns:a16="http://schemas.microsoft.com/office/drawing/2014/main" id="{FEAC60A3-C728-4D6B-AFDA-9946DA9F9FAB}"/>
                 </a:ext>
               </a:extLst>
             </p:cNvPr>
@@ -7955,7 +8245,7 @@
             <p:cNvPr id="19" name="Rectangle 18">
               <a:extLst>
                 <a:ext uri="{FF2B5EF4-FFF2-40B4-BE49-F238E27FC236}">
-                  <a16:creationId xmlns="" xmlns:a16="http://schemas.microsoft.com/office/drawing/2014/main" id="{34521649-AB89-4D6E-8037-9870427F4204}"/>
+                  <a16:creationId xmlns:a16="http://schemas.microsoft.com/office/drawing/2014/main" id="{34521649-AB89-4D6E-8037-9870427F4204}"/>
                 </a:ext>
               </a:extLst>
             </p:cNvPr>
@@ -8025,7 +8315,7 @@
             <p:cNvPr id="20" name="Rectangle 19">
               <a:extLst>
                 <a:ext uri="{FF2B5EF4-FFF2-40B4-BE49-F238E27FC236}">
-                  <a16:creationId xmlns="" xmlns:a16="http://schemas.microsoft.com/office/drawing/2014/main" id="{1187729F-8C40-4DDE-A924-A320FA42A2C5}"/>
+                  <a16:creationId xmlns:a16="http://schemas.microsoft.com/office/drawing/2014/main" id="{1187729F-8C40-4DDE-A924-A320FA42A2C5}"/>
                 </a:ext>
               </a:extLst>
             </p:cNvPr>
@@ -8115,7 +8405,7 @@
             <p:cNvPr id="21" name="Rectangle 20">
               <a:extLst>
                 <a:ext uri="{FF2B5EF4-FFF2-40B4-BE49-F238E27FC236}">
-                  <a16:creationId xmlns="" xmlns:a16="http://schemas.microsoft.com/office/drawing/2014/main" id="{5255EB1D-4594-4709-942F-9DB61EF23D99}"/>
+                  <a16:creationId xmlns:a16="http://schemas.microsoft.com/office/drawing/2014/main" id="{5255EB1D-4594-4709-942F-9DB61EF23D99}"/>
                 </a:ext>
               </a:extLst>
             </p:cNvPr>
@@ -8205,7 +8495,7 @@
             <p:cNvPr id="22" name="Rectangle 21">
               <a:extLst>
                 <a:ext uri="{FF2B5EF4-FFF2-40B4-BE49-F238E27FC236}">
-                  <a16:creationId xmlns="" xmlns:a16="http://schemas.microsoft.com/office/drawing/2014/main" id="{3A7E750D-683E-487A-AE2C-5C87FA9002F6}"/>
+                  <a16:creationId xmlns:a16="http://schemas.microsoft.com/office/drawing/2014/main" id="{3A7E750D-683E-487A-AE2C-5C87FA9002F6}"/>
                 </a:ext>
               </a:extLst>
             </p:cNvPr>
@@ -8295,7 +8585,7 @@
             <p:cNvPr id="23" name="Rectangle 22">
               <a:extLst>
                 <a:ext uri="{FF2B5EF4-FFF2-40B4-BE49-F238E27FC236}">
-                  <a16:creationId xmlns="" xmlns:a16="http://schemas.microsoft.com/office/drawing/2014/main" id="{419B262C-ABF6-4297-81BA-1A3750DC81A4}"/>
+                  <a16:creationId xmlns:a16="http://schemas.microsoft.com/office/drawing/2014/main" id="{419B262C-ABF6-4297-81BA-1A3750DC81A4}"/>
                 </a:ext>
               </a:extLst>
             </p:cNvPr>
@@ -8385,7 +8675,7 @@
             <p:cNvPr id="24" name="Connector: Elbow 23">
               <a:extLst>
                 <a:ext uri="{FF2B5EF4-FFF2-40B4-BE49-F238E27FC236}">
-                  <a16:creationId xmlns="" xmlns:a16="http://schemas.microsoft.com/office/drawing/2014/main" id="{36C84349-94A5-4FFC-9118-513DE198C94F}"/>
+                  <a16:creationId xmlns:a16="http://schemas.microsoft.com/office/drawing/2014/main" id="{36C84349-94A5-4FFC-9118-513DE198C94F}"/>
                 </a:ext>
               </a:extLst>
             </p:cNvPr>
@@ -8424,7 +8714,7 @@
             <p:cNvPr id="25" name="Rectangle 24">
               <a:extLst>
                 <a:ext uri="{FF2B5EF4-FFF2-40B4-BE49-F238E27FC236}">
-                  <a16:creationId xmlns="" xmlns:a16="http://schemas.microsoft.com/office/drawing/2014/main" id="{6E161C8A-8A86-42D0-A361-453BDD660923}"/>
+                  <a16:creationId xmlns:a16="http://schemas.microsoft.com/office/drawing/2014/main" id="{6E161C8A-8A86-42D0-A361-453BDD660923}"/>
                 </a:ext>
               </a:extLst>
             </p:cNvPr>
@@ -8512,7 +8802,7 @@
             <p:cNvPr id="26" name="Rectangle 25">
               <a:extLst>
                 <a:ext uri="{FF2B5EF4-FFF2-40B4-BE49-F238E27FC236}">
-                  <a16:creationId xmlns="" xmlns:a16="http://schemas.microsoft.com/office/drawing/2014/main" id="{878A82A2-AC58-4F24-91B9-DB30CEA64ECC}"/>
+                  <a16:creationId xmlns:a16="http://schemas.microsoft.com/office/drawing/2014/main" id="{878A82A2-AC58-4F24-91B9-DB30CEA64ECC}"/>
                 </a:ext>
               </a:extLst>
             </p:cNvPr>
@@ -8600,7 +8890,7 @@
             <p:cNvPr id="27" name="Rectangle 26">
               <a:extLst>
                 <a:ext uri="{FF2B5EF4-FFF2-40B4-BE49-F238E27FC236}">
-                  <a16:creationId xmlns="" xmlns:a16="http://schemas.microsoft.com/office/drawing/2014/main" id="{EB93387E-7CDB-4F26-AFE9-CC8187769015}"/>
+                  <a16:creationId xmlns:a16="http://schemas.microsoft.com/office/drawing/2014/main" id="{EB93387E-7CDB-4F26-AFE9-CC8187769015}"/>
                 </a:ext>
               </a:extLst>
             </p:cNvPr>
@@ -8688,7 +8978,7 @@
             <p:cNvPr id="28" name="Rectangle 27">
               <a:extLst>
                 <a:ext uri="{FF2B5EF4-FFF2-40B4-BE49-F238E27FC236}">
-                  <a16:creationId xmlns="" xmlns:a16="http://schemas.microsoft.com/office/drawing/2014/main" id="{1C2B41A1-6B7D-4683-ADBD-E7F442E62D05}"/>
+                  <a16:creationId xmlns:a16="http://schemas.microsoft.com/office/drawing/2014/main" id="{1C2B41A1-6B7D-4683-ADBD-E7F442E62D05}"/>
                 </a:ext>
               </a:extLst>
             </p:cNvPr>
@@ -8738,23 +9028,6 @@
                 <a:defRPr/>
               </a:pPr>
               <a:r>
-                <a:rPr kumimoji="0" lang="en-US" sz="1100" b="1" i="0" u="none" strike="noStrike" kern="0" cap="none" spc="0" normalizeH="0" baseline="0" noProof="0" dirty="0" smtClean="0">
-                  <a:ln>
-                    <a:noFill/>
-                  </a:ln>
-                  <a:solidFill>
-                    <a:srgbClr val="000000"/>
-                  </a:solidFill>
-                  <a:effectLst/>
-                  <a:uLnTx/>
-                  <a:uFillTx/>
-                  <a:latin typeface="Times New Roman" panose="02020603050405020304" pitchFamily="18" charset="0"/>
-                  <a:ea typeface="Calibri" panose="020F0502020204030204" pitchFamily="34" charset="0"/>
-                  <a:cs typeface="Times New Roman" panose="02020603050405020304" pitchFamily="18" charset="0"/>
-                </a:rPr>
-                <a:t>MRI </a:t>
-              </a:r>
-              <a:r>
                 <a:rPr kumimoji="0" lang="en-US" sz="1100" b="1" i="0" u="none" strike="noStrike" kern="0" cap="none" spc="0" normalizeH="0" baseline="0" noProof="0" dirty="0">
                   <a:ln>
                     <a:noFill/>
@@ -8769,7 +9042,7 @@
                   <a:ea typeface="Calibri" panose="020F0502020204030204" pitchFamily="34" charset="0"/>
                   <a:cs typeface="Times New Roman" panose="02020603050405020304" pitchFamily="18" charset="0"/>
                 </a:rPr>
-                <a:t>Image</a:t>
+                <a:t>MRI Image</a:t>
               </a:r>
               <a:endParaRPr kumimoji="0" lang="en-IN" sz="1100" b="0" i="0" u="none" strike="noStrike" kern="0" cap="none" spc="0" normalizeH="0" baseline="0" noProof="0" dirty="0">
                 <a:ln>
@@ -8793,7 +9066,7 @@
             <p:cNvPr id="29" name="Straight Arrow Connector 28">
               <a:extLst>
                 <a:ext uri="{FF2B5EF4-FFF2-40B4-BE49-F238E27FC236}">
-                  <a16:creationId xmlns="" xmlns:a16="http://schemas.microsoft.com/office/drawing/2014/main" id="{B3BFBF99-E737-404B-83FF-048EFF576630}"/>
+                  <a16:creationId xmlns:a16="http://schemas.microsoft.com/office/drawing/2014/main" id="{B3BFBF99-E737-404B-83FF-048EFF576630}"/>
                 </a:ext>
               </a:extLst>
             </p:cNvPr>
@@ -8828,7 +9101,7 @@
             <p:cNvPr id="30" name="Rectangle 29">
               <a:extLst>
                 <a:ext uri="{FF2B5EF4-FFF2-40B4-BE49-F238E27FC236}">
-                  <a16:creationId xmlns="" xmlns:a16="http://schemas.microsoft.com/office/drawing/2014/main" id="{72CC4081-A714-4A28-BA86-57CD0D7D79D0}"/>
+                  <a16:creationId xmlns:a16="http://schemas.microsoft.com/office/drawing/2014/main" id="{72CC4081-A714-4A28-BA86-57CD0D7D79D0}"/>
                 </a:ext>
               </a:extLst>
             </p:cNvPr>
@@ -8900,7 +9173,7 @@
                 <a:t>Disease </a:t>
               </a:r>
               <a:r>
-                <a:rPr kumimoji="0" lang="en-US" sz="1200" b="1" i="0" u="none" strike="noStrike" kern="0" cap="none" spc="0" normalizeH="0" baseline="0" noProof="0" dirty="0" smtClean="0">
+                <a:rPr kumimoji="0" lang="en-US" sz="1200" b="1" i="0" u="none" strike="noStrike" kern="0" cap="none" spc="0" normalizeH="0" baseline="0" noProof="0" dirty="0">
                   <a:ln>
                     <a:noFill/>
                   </a:ln>
@@ -8938,7 +9211,7 @@
             <p:cNvPr id="31" name="Rectangle 30">
               <a:extLst>
                 <a:ext uri="{FF2B5EF4-FFF2-40B4-BE49-F238E27FC236}">
-                  <a16:creationId xmlns="" xmlns:a16="http://schemas.microsoft.com/office/drawing/2014/main" id="{59DA572F-22D3-4CC4-96C6-8231D6046935}"/>
+                  <a16:creationId xmlns:a16="http://schemas.microsoft.com/office/drawing/2014/main" id="{59DA572F-22D3-4CC4-96C6-8231D6046935}"/>
                 </a:ext>
               </a:extLst>
             </p:cNvPr>
@@ -9028,7 +9301,7 @@
             <p:cNvPr id="32" name="Cylinder 31">
               <a:extLst>
                 <a:ext uri="{FF2B5EF4-FFF2-40B4-BE49-F238E27FC236}">
-                  <a16:creationId xmlns="" xmlns:a16="http://schemas.microsoft.com/office/drawing/2014/main" id="{D2271DFF-9EE3-48D0-8A1D-94CF935AB82A}"/>
+                  <a16:creationId xmlns:a16="http://schemas.microsoft.com/office/drawing/2014/main" id="{D2271DFF-9EE3-48D0-8A1D-94CF935AB82A}"/>
                 </a:ext>
               </a:extLst>
             </p:cNvPr>
@@ -9103,7 +9376,7 @@
             <p:cNvPr id="33" name="Rectangle 32">
               <a:extLst>
                 <a:ext uri="{FF2B5EF4-FFF2-40B4-BE49-F238E27FC236}">
-                  <a16:creationId xmlns="" xmlns:a16="http://schemas.microsoft.com/office/drawing/2014/main" id="{7AF29949-E644-452E-9ED6-EF355BDE2307}"/>
+                  <a16:creationId xmlns:a16="http://schemas.microsoft.com/office/drawing/2014/main" id="{7AF29949-E644-452E-9ED6-EF355BDE2307}"/>
                 </a:ext>
               </a:extLst>
             </p:cNvPr>
@@ -9193,7 +9466,7 @@
             <p:cNvPr id="34" name="Straight Arrow Connector 33">
               <a:extLst>
                 <a:ext uri="{FF2B5EF4-FFF2-40B4-BE49-F238E27FC236}">
-                  <a16:creationId xmlns="" xmlns:a16="http://schemas.microsoft.com/office/drawing/2014/main" id="{B5D1048C-4A98-4640-AD3B-FFF06E747555}"/>
+                  <a16:creationId xmlns:a16="http://schemas.microsoft.com/office/drawing/2014/main" id="{B5D1048C-4A98-4640-AD3B-FFF06E747555}"/>
                 </a:ext>
               </a:extLst>
             </p:cNvPr>
@@ -9231,7 +9504,7 @@
             <p:cNvPr id="35" name="Straight Arrow Connector 34">
               <a:extLst>
                 <a:ext uri="{FF2B5EF4-FFF2-40B4-BE49-F238E27FC236}">
-                  <a16:creationId xmlns="" xmlns:a16="http://schemas.microsoft.com/office/drawing/2014/main" id="{25EC46D3-F110-44A1-B13B-0A121BEBE04F}"/>
+                  <a16:creationId xmlns:a16="http://schemas.microsoft.com/office/drawing/2014/main" id="{25EC46D3-F110-44A1-B13B-0A121BEBE04F}"/>
                 </a:ext>
               </a:extLst>
             </p:cNvPr>
@@ -9269,7 +9542,7 @@
             <p:cNvPr id="36" name="Diamond 35">
               <a:extLst>
                 <a:ext uri="{FF2B5EF4-FFF2-40B4-BE49-F238E27FC236}">
-                  <a16:creationId xmlns="" xmlns:a16="http://schemas.microsoft.com/office/drawing/2014/main" id="{F69154FB-C41B-4509-A897-FDAABF6B016A}"/>
+                  <a16:creationId xmlns:a16="http://schemas.microsoft.com/office/drawing/2014/main" id="{F69154FB-C41B-4509-A897-FDAABF6B016A}"/>
                 </a:ext>
               </a:extLst>
             </p:cNvPr>
@@ -9359,7 +9632,7 @@
             <p:cNvPr id="37" name="Straight Arrow Connector 36">
               <a:extLst>
                 <a:ext uri="{FF2B5EF4-FFF2-40B4-BE49-F238E27FC236}">
-                  <a16:creationId xmlns="" xmlns:a16="http://schemas.microsoft.com/office/drawing/2014/main" id="{F88AD23C-F330-484D-A12B-EF31034888BD}"/>
+                  <a16:creationId xmlns:a16="http://schemas.microsoft.com/office/drawing/2014/main" id="{F88AD23C-F330-484D-A12B-EF31034888BD}"/>
                 </a:ext>
               </a:extLst>
             </p:cNvPr>
@@ -9397,7 +9670,7 @@
             <p:cNvPr id="38" name="Rectangle 37">
               <a:extLst>
                 <a:ext uri="{FF2B5EF4-FFF2-40B4-BE49-F238E27FC236}">
-                  <a16:creationId xmlns="" xmlns:a16="http://schemas.microsoft.com/office/drawing/2014/main" id="{4BE823FA-7D8B-4089-82C1-978828C07DB3}"/>
+                  <a16:creationId xmlns:a16="http://schemas.microsoft.com/office/drawing/2014/main" id="{4BE823FA-7D8B-4089-82C1-978828C07DB3}"/>
                 </a:ext>
               </a:extLst>
             </p:cNvPr>
@@ -9441,7 +9714,7 @@
                 <a:defRPr/>
               </a:pPr>
               <a:r>
-                <a:rPr kumimoji="0" lang="en-US" sz="1000" b="0" i="0" u="none" strike="noStrike" kern="0" cap="none" spc="0" normalizeH="0" baseline="0" noProof="0" dirty="0" smtClean="0">
+                <a:rPr kumimoji="0" lang="en-US" sz="1000" b="0" i="0" u="none" strike="noStrike" kern="0" cap="none" spc="0" normalizeH="0" baseline="0" noProof="0" dirty="0">
                   <a:ln>
                     <a:noFill/>
                   </a:ln>
@@ -9490,7 +9763,7 @@
             <p:cNvPr id="39" name="Rectangle 38">
               <a:extLst>
                 <a:ext uri="{FF2B5EF4-FFF2-40B4-BE49-F238E27FC236}">
-                  <a16:creationId xmlns="" xmlns:a16="http://schemas.microsoft.com/office/drawing/2014/main" id="{1463AEBD-AFFA-4E1E-8FF6-9096EE2D0D22}"/>
+                  <a16:creationId xmlns:a16="http://schemas.microsoft.com/office/drawing/2014/main" id="{1463AEBD-AFFA-4E1E-8FF6-9096EE2D0D22}"/>
                 </a:ext>
               </a:extLst>
             </p:cNvPr>
@@ -9580,7 +9853,7 @@
             <p:cNvPr id="40" name="Rectangle 39">
               <a:extLst>
                 <a:ext uri="{FF2B5EF4-FFF2-40B4-BE49-F238E27FC236}">
-                  <a16:creationId xmlns="" xmlns:a16="http://schemas.microsoft.com/office/drawing/2014/main" id="{D403C62B-5319-4BAB-BDEA-2DE50B813169}"/>
+                  <a16:creationId xmlns:a16="http://schemas.microsoft.com/office/drawing/2014/main" id="{D403C62B-5319-4BAB-BDEA-2DE50B813169}"/>
                 </a:ext>
               </a:extLst>
             </p:cNvPr>
@@ -9656,7 +9929,7 @@
             <p:cNvPr id="41" name="Rectangle 40">
               <a:extLst>
                 <a:ext uri="{FF2B5EF4-FFF2-40B4-BE49-F238E27FC236}">
-                  <a16:creationId xmlns="" xmlns:a16="http://schemas.microsoft.com/office/drawing/2014/main" id="{4C43ABFD-10ED-43B2-9E67-FD63D3B8DD23}"/>
+                  <a16:creationId xmlns:a16="http://schemas.microsoft.com/office/drawing/2014/main" id="{4C43ABFD-10ED-43B2-9E67-FD63D3B8DD23}"/>
                 </a:ext>
               </a:extLst>
             </p:cNvPr>
@@ -9746,7 +10019,7 @@
             <p:cNvPr id="42" name="Rectangle 41">
               <a:extLst>
                 <a:ext uri="{FF2B5EF4-FFF2-40B4-BE49-F238E27FC236}">
-                  <a16:creationId xmlns="" xmlns:a16="http://schemas.microsoft.com/office/drawing/2014/main" id="{813D8977-430F-4902-AE97-A16320A96815}"/>
+                  <a16:creationId xmlns:a16="http://schemas.microsoft.com/office/drawing/2014/main" id="{813D8977-430F-4902-AE97-A16320A96815}"/>
                 </a:ext>
               </a:extLst>
             </p:cNvPr>
@@ -9836,7 +10109,7 @@
             <p:cNvPr id="43" name="Connector: Elbow 42">
               <a:extLst>
                 <a:ext uri="{FF2B5EF4-FFF2-40B4-BE49-F238E27FC236}">
-                  <a16:creationId xmlns="" xmlns:a16="http://schemas.microsoft.com/office/drawing/2014/main" id="{FDD9D469-9B96-434C-B185-3C9C2651D761}"/>
+                  <a16:creationId xmlns:a16="http://schemas.microsoft.com/office/drawing/2014/main" id="{FDD9D469-9B96-434C-B185-3C9C2651D761}"/>
                 </a:ext>
               </a:extLst>
             </p:cNvPr>
@@ -9874,7 +10147,7 @@
             <p:cNvPr id="44" name="Connector: Elbow 43">
               <a:extLst>
                 <a:ext uri="{FF2B5EF4-FFF2-40B4-BE49-F238E27FC236}">
-                  <a16:creationId xmlns="" xmlns:a16="http://schemas.microsoft.com/office/drawing/2014/main" id="{96DE1616-4F4B-41D4-A095-3945106AA188}"/>
+                  <a16:creationId xmlns:a16="http://schemas.microsoft.com/office/drawing/2014/main" id="{96DE1616-4F4B-41D4-A095-3945106AA188}"/>
                 </a:ext>
               </a:extLst>
             </p:cNvPr>
@@ -9912,7 +10185,7 @@
             <p:cNvPr id="45" name="Rectangle 44">
               <a:extLst>
                 <a:ext uri="{FF2B5EF4-FFF2-40B4-BE49-F238E27FC236}">
-                  <a16:creationId xmlns="" xmlns:a16="http://schemas.microsoft.com/office/drawing/2014/main" id="{A222877B-5C32-4666-BECC-7B5636953FBC}"/>
+                  <a16:creationId xmlns:a16="http://schemas.microsoft.com/office/drawing/2014/main" id="{A222877B-5C32-4666-BECC-7B5636953FBC}"/>
                 </a:ext>
               </a:extLst>
             </p:cNvPr>
@@ -9982,7 +10255,7 @@
             <p:cNvPr id="46" name="Straight Arrow Connector 45">
               <a:extLst>
                 <a:ext uri="{FF2B5EF4-FFF2-40B4-BE49-F238E27FC236}">
-                  <a16:creationId xmlns="" xmlns:a16="http://schemas.microsoft.com/office/drawing/2014/main" id="{DD993095-AB1A-4952-9F25-73B4FD430CC6}"/>
+                  <a16:creationId xmlns:a16="http://schemas.microsoft.com/office/drawing/2014/main" id="{DD993095-AB1A-4952-9F25-73B4FD430CC6}"/>
                 </a:ext>
               </a:extLst>
             </p:cNvPr>
@@ -10043,7 +10316,7 @@
     </p:spTree>
     <p:extLst>
       <p:ext uri="{BB962C8B-B14F-4D97-AF65-F5344CB8AC3E}">
-        <p14:creationId xmlns="" xmlns:p14="http://schemas.microsoft.com/office/powerpoint/2010/main" val="313410987"/>
+        <p14:creationId xmlns:p14="http://schemas.microsoft.com/office/powerpoint/2010/main" val="313410987"/>
       </p:ext>
     </p:extLst>
   </p:cSld>
@@ -10053,7 +10326,7 @@
 </p:sld>
 </file>
 
-<file path=ppt/slides/slide16.xml><?xml version="1.0" encoding="utf-8"?>
+<file path=ppt/slides/slide13.xml><?xml version="1.0" encoding="utf-8"?>
 <p:sld xmlns:a="http://schemas.openxmlformats.org/drawingml/2006/main" xmlns:r="http://schemas.openxmlformats.org/officeDocument/2006/relationships" xmlns:p="http://schemas.openxmlformats.org/presentationml/2006/main">
   <p:cSld>
     <p:spTree>
@@ -10075,7 +10348,7 @@
           <p:cNvPr id="2" name="Title 1">
             <a:extLst>
               <a:ext uri="{FF2B5EF4-FFF2-40B4-BE49-F238E27FC236}">
-                <a16:creationId xmlns="" xmlns:a16="http://schemas.microsoft.com/office/drawing/2014/main" id="{07268329-1DFC-4842-93C0-CF2C5E1DA0A7}"/>
+                <a16:creationId xmlns:a16="http://schemas.microsoft.com/office/drawing/2014/main" id="{07268329-1DFC-4842-93C0-CF2C5E1DA0A7}"/>
               </a:ext>
             </a:extLst>
           </p:cNvPr>
@@ -10092,7 +10365,7 @@
           <a:lstStyle/>
           <a:p>
             <a:r>
-              <a:rPr lang="en-US" b="1" dirty="0" smtClean="0">
+              <a:rPr lang="en-US" b="1" dirty="0">
                 <a:latin typeface="Times New Roman" panose="02020603050405020304" pitchFamily="18" charset="0"/>
                 <a:cs typeface="Times New Roman" panose="02020603050405020304" pitchFamily="18" charset="0"/>
               </a:rPr>
@@ -10110,7 +10383,7 @@
           <p:cNvPr id="3" name="Content Placeholder 2">
             <a:extLst>
               <a:ext uri="{FF2B5EF4-FFF2-40B4-BE49-F238E27FC236}">
-                <a16:creationId xmlns="" xmlns:a16="http://schemas.microsoft.com/office/drawing/2014/main" id="{FAC72066-4815-4C55-926A-5E73BE97EE90}"/>
+                <a16:creationId xmlns:a16="http://schemas.microsoft.com/office/drawing/2014/main" id="{FAC72066-4815-4C55-926A-5E73BE97EE90}"/>
               </a:ext>
             </a:extLst>
           </p:cNvPr>
@@ -10138,21 +10411,7 @@
                 <a:latin typeface="Times New Roman" panose="02020603050405020304" pitchFamily="18" charset="0"/>
                 <a:cs typeface="Times New Roman" panose="02020603050405020304" pitchFamily="18" charset="0"/>
               </a:rPr>
-              <a:t>Server </a:t>
-            </a:r>
-            <a:r>
-              <a:rPr lang="en-IN" sz="2400" dirty="0" smtClean="0">
-                <a:latin typeface="Times New Roman" panose="02020603050405020304" pitchFamily="18" charset="0"/>
-                <a:cs typeface="Times New Roman" panose="02020603050405020304" pitchFamily="18" charset="0"/>
-              </a:rPr>
-              <a:t>Side   : </a:t>
-            </a:r>
-            <a:r>
-              <a:rPr lang="en-IN" sz="2400" dirty="0">
-                <a:latin typeface="Times New Roman" panose="02020603050405020304" pitchFamily="18" charset="0"/>
-                <a:cs typeface="Times New Roman" panose="02020603050405020304" pitchFamily="18" charset="0"/>
-              </a:rPr>
-              <a:t>Python 3.7.4(64-bit) or (32-bit)</a:t>
+              <a:t>Server Side   : Python 3.7.4(64-bit) or (32-bit)</a:t>
             </a:r>
           </a:p>
           <a:p>
@@ -10266,24 +10525,17 @@
     </p:spTree>
     <p:extLst>
       <p:ext uri="{BB962C8B-B14F-4D97-AF65-F5344CB8AC3E}">
-        <p14:creationId xmlns="" xmlns:p14="http://schemas.microsoft.com/office/powerpoint/2010/main" val="4203473369"/>
+        <p14:creationId xmlns:p14="http://schemas.microsoft.com/office/powerpoint/2010/main" val="4203473369"/>
       </p:ext>
     </p:extLst>
   </p:cSld>
   <p:clrMapOvr>
     <a:masterClrMapping/>
   </p:clrMapOvr>
-  <p:timing>
-    <p:tnLst>
-      <p:par>
-        <p:cTn id="1" dur="indefinite" restart="never" nodeType="tmRoot"/>
-      </p:par>
-    </p:tnLst>
-  </p:timing>
 </p:sld>
 </file>
 
-<file path=ppt/slides/slide17.xml><?xml version="1.0" encoding="utf-8"?>
+<file path=ppt/slides/slide14.xml><?xml version="1.0" encoding="utf-8"?>
 <p:sld xmlns:a="http://schemas.openxmlformats.org/drawingml/2006/main" xmlns:r="http://schemas.openxmlformats.org/officeDocument/2006/relationships" xmlns:p="http://schemas.openxmlformats.org/presentationml/2006/main">
   <p:cSld>
     <p:spTree>
@@ -10305,7 +10557,7 @@
           <p:cNvPr id="2" name="Title 1">
             <a:extLst>
               <a:ext uri="{FF2B5EF4-FFF2-40B4-BE49-F238E27FC236}">
-                <a16:creationId xmlns="" xmlns:a16="http://schemas.microsoft.com/office/drawing/2014/main" id="{6BE9CA49-8849-46D1-B5DD-4DDE26FC78E7}"/>
+                <a16:creationId xmlns:a16="http://schemas.microsoft.com/office/drawing/2014/main" id="{6BE9CA49-8849-46D1-B5DD-4DDE26FC78E7}"/>
               </a:ext>
             </a:extLst>
           </p:cNvPr>
@@ -10348,7 +10600,7 @@
           <p:cNvPr id="3" name="Content Placeholder 2">
             <a:extLst>
               <a:ext uri="{FF2B5EF4-FFF2-40B4-BE49-F238E27FC236}">
-                <a16:creationId xmlns="" xmlns:a16="http://schemas.microsoft.com/office/drawing/2014/main" id="{C7383AA2-BBC6-47E3-A6B3-4BA8F33F4E6E}"/>
+                <a16:creationId xmlns:a16="http://schemas.microsoft.com/office/drawing/2014/main" id="{C7383AA2-BBC6-47E3-A6B3-4BA8F33F4E6E}"/>
               </a:ext>
             </a:extLst>
           </p:cNvPr>
@@ -10367,7 +10619,7 @@
         </p:spPr>
         <p:txBody>
           <a:bodyPr>
-            <a:normAutofit fontScale="92500" lnSpcReduction="10000"/>
+            <a:normAutofit/>
           </a:bodyPr>
           <a:lstStyle/>
           <a:p>
@@ -10377,11 +10629,69 @@
                 <a:latin typeface="Times New Roman" panose="02020603050405020304" pitchFamily="18" charset="0"/>
                 <a:cs typeface="Times New Roman" panose="02020603050405020304" pitchFamily="18" charset="0"/>
               </a:rPr>
-              <a:t>N. M. Selby et al., ‘‘Magnetic resonance imaging biomarkers for chronic kidney disease: A position paper from the European cooperation in science and technology action PARENCHIMA,’’ Nephrol. Dial. Transplantation, vol. 33, no. 2, pp. 4–14, Sep. 2018.</a:t>
-            </a:r>
-          </a:p>
-          <a:p>
-            <a:pPr algn="just"/>
+              <a:t>[1] R. Manne, S.C. </a:t>
+            </a:r>
+            <a:r>
+              <a:rPr lang="en-IN" sz="2000" dirty="0" err="1">
+                <a:latin typeface="Times New Roman" panose="02020603050405020304" pitchFamily="18" charset="0"/>
+                <a:cs typeface="Times New Roman" panose="02020603050405020304" pitchFamily="18" charset="0"/>
+              </a:rPr>
+              <a:t>Kantheti</a:t>
+            </a:r>
+            <a:r>
+              <a:rPr lang="en-IN" sz="2000" dirty="0">
+                <a:latin typeface="Times New Roman" panose="02020603050405020304" pitchFamily="18" charset="0"/>
+                <a:cs typeface="Times New Roman" panose="02020603050405020304" pitchFamily="18" charset="0"/>
+              </a:rPr>
+              <a:t>, Application of artificial intelligence in healthcare: chances and challenges, </a:t>
+            </a:r>
+            <a:r>
+              <a:rPr lang="en-IN" sz="2000" dirty="0" err="1">
+                <a:latin typeface="Times New Roman" panose="02020603050405020304" pitchFamily="18" charset="0"/>
+                <a:cs typeface="Times New Roman" panose="02020603050405020304" pitchFamily="18" charset="0"/>
+              </a:rPr>
+              <a:t>Curr</a:t>
+            </a:r>
+            <a:r>
+              <a:rPr lang="en-IN" sz="2000" dirty="0">
+                <a:latin typeface="Times New Roman" panose="02020603050405020304" pitchFamily="18" charset="0"/>
+                <a:cs typeface="Times New Roman" panose="02020603050405020304" pitchFamily="18" charset="0"/>
+              </a:rPr>
+              <a:t>. J. Appl. Sci. Technol. 40 (6) (2021) 78–89, https:// </a:t>
+            </a:r>
+            <a:r>
+              <a:rPr lang="en-IN" sz="2000" dirty="0" err="1">
+                <a:latin typeface="Times New Roman" panose="02020603050405020304" pitchFamily="18" charset="0"/>
+                <a:cs typeface="Times New Roman" panose="02020603050405020304" pitchFamily="18" charset="0"/>
+              </a:rPr>
+              <a:t>doi.org</a:t>
+            </a:r>
+            <a:r>
+              <a:rPr lang="en-IN" sz="2000" dirty="0">
+                <a:latin typeface="Times New Roman" panose="02020603050405020304" pitchFamily="18" charset="0"/>
+                <a:cs typeface="Times New Roman" panose="02020603050405020304" pitchFamily="18" charset="0"/>
+              </a:rPr>
+              <a:t>/10.9734/</a:t>
+            </a:r>
+            <a:r>
+              <a:rPr lang="en-IN" sz="2000" dirty="0" err="1">
+                <a:latin typeface="Times New Roman" panose="02020603050405020304" pitchFamily="18" charset="0"/>
+                <a:cs typeface="Times New Roman" panose="02020603050405020304" pitchFamily="18" charset="0"/>
+              </a:rPr>
+              <a:t>cjast</a:t>
+            </a:r>
+            <a:r>
+              <a:rPr lang="en-IN" sz="2000" dirty="0">
+                <a:latin typeface="Times New Roman" panose="02020603050405020304" pitchFamily="18" charset="0"/>
+                <a:cs typeface="Times New Roman" panose="02020603050405020304" pitchFamily="18" charset="0"/>
+              </a:rPr>
+              <a:t>/2021/v40i631320.</a:t>
+            </a:r>
+          </a:p>
+          <a:p>
+            <a:pPr marL="0" indent="0" algn="just">
+              <a:buNone/>
+            </a:pPr>
             <a:endParaRPr lang="en-IN" sz="2000" dirty="0">
               <a:latin typeface="Times New Roman" panose="02020603050405020304" pitchFamily="18" charset="0"/>
               <a:cs typeface="Times New Roman" panose="02020603050405020304" pitchFamily="18" charset="0"/>
@@ -10390,225 +10700,262 @@
           <a:p>
             <a:pPr algn="just"/>
             <a:r>
-              <a:rPr lang="en-US" sz="2000" dirty="0">
-                <a:latin typeface="Times New Roman" panose="02020603050405020304" pitchFamily="18" charset="0"/>
-                <a:cs typeface="Times New Roman" panose="02020603050405020304" pitchFamily="18" charset="0"/>
-              </a:rPr>
-              <a:t> N. Wake, J. S. </a:t>
-            </a:r>
-            <a:r>
-              <a:rPr lang="en-US" sz="2000" dirty="0" err="1">
-                <a:latin typeface="Times New Roman" panose="02020603050405020304" pitchFamily="18" charset="0"/>
-                <a:cs typeface="Times New Roman" panose="02020603050405020304" pitchFamily="18" charset="0"/>
-              </a:rPr>
-              <a:t>Wysock</a:t>
-            </a:r>
-            <a:r>
-              <a:rPr lang="en-US" sz="2000" dirty="0">
-                <a:latin typeface="Times New Roman" panose="02020603050405020304" pitchFamily="18" charset="0"/>
-                <a:cs typeface="Times New Roman" panose="02020603050405020304" pitchFamily="18" charset="0"/>
-              </a:rPr>
-              <a:t>, M. A. </a:t>
-            </a:r>
-            <a:r>
-              <a:rPr lang="en-US" sz="2000" dirty="0" err="1">
-                <a:latin typeface="Times New Roman" panose="02020603050405020304" pitchFamily="18" charset="0"/>
-                <a:cs typeface="Times New Roman" panose="02020603050405020304" pitchFamily="18" charset="0"/>
-              </a:rPr>
-              <a:t>Bjurlin</a:t>
-            </a:r>
-            <a:r>
-              <a:rPr lang="en-US" sz="2000" dirty="0">
-                <a:latin typeface="Times New Roman" panose="02020603050405020304" pitchFamily="18" charset="0"/>
-                <a:cs typeface="Times New Roman" panose="02020603050405020304" pitchFamily="18" charset="0"/>
-              </a:rPr>
-              <a:t>, H. </a:t>
-            </a:r>
-            <a:r>
-              <a:rPr lang="en-US" sz="2000" dirty="0" err="1">
-                <a:latin typeface="Times New Roman" panose="02020603050405020304" pitchFamily="18" charset="0"/>
-                <a:cs typeface="Times New Roman" panose="02020603050405020304" pitchFamily="18" charset="0"/>
-              </a:rPr>
-              <a:t>Chandarana</a:t>
-            </a:r>
-            <a:r>
-              <a:rPr lang="en-US" sz="2000" dirty="0">
-                <a:latin typeface="Times New Roman" panose="02020603050405020304" pitchFamily="18" charset="0"/>
-                <a:cs typeface="Times New Roman" panose="02020603050405020304" pitchFamily="18" charset="0"/>
-              </a:rPr>
-              <a:t>, and W. C. Huang, ‘‘‘Pin the tumor on the kidney’: An evaluation of how surgeons translate CT and MRI data to 3D models,’’ Urology, vol. 131, pp. 255–261, Sep. 2019.</a:t>
-            </a:r>
-          </a:p>
-          <a:p>
-            <a:pPr algn="just"/>
-            <a:endParaRPr lang="en-US" sz="2000" dirty="0">
-              <a:latin typeface="Times New Roman" panose="02020603050405020304" pitchFamily="18" charset="0"/>
-              <a:cs typeface="Times New Roman" panose="02020603050405020304" pitchFamily="18" charset="0"/>
-            </a:endParaRPr>
-          </a:p>
-          <a:p>
-            <a:pPr algn="just"/>
-            <a:r>
               <a:rPr lang="en-IN" sz="2000" dirty="0">
                 <a:latin typeface="Times New Roman" panose="02020603050405020304" pitchFamily="18" charset="0"/>
                 <a:cs typeface="Times New Roman" panose="02020603050405020304" pitchFamily="18" charset="0"/>
               </a:rPr>
-              <a:t> F. G. </a:t>
+              <a:t>[2] M. </a:t>
             </a:r>
             <a:r>
               <a:rPr lang="en-IN" sz="2000" dirty="0" err="1">
                 <a:latin typeface="Times New Roman" panose="02020603050405020304" pitchFamily="18" charset="0"/>
                 <a:cs typeface="Times New Roman" panose="02020603050405020304" pitchFamily="18" charset="0"/>
               </a:rPr>
-              <a:t>Zöllner</a:t>
+              <a:t>Sivakami</a:t>
             </a:r>
             <a:r>
               <a:rPr lang="en-IN" sz="2000" dirty="0">
                 <a:latin typeface="Times New Roman" panose="02020603050405020304" pitchFamily="18" charset="0"/>
                 <a:cs typeface="Times New Roman" panose="02020603050405020304" pitchFamily="18" charset="0"/>
               </a:rPr>
-              <a:t>, A. </a:t>
+              <a:t>, P. Prabhu. Classification of algorithms supported factual knowledge recovery from cardiac data set, Int. J. </a:t>
             </a:r>
             <a:r>
               <a:rPr lang="en-IN" sz="2000" dirty="0" err="1">
                 <a:latin typeface="Times New Roman" panose="02020603050405020304" pitchFamily="18" charset="0"/>
                 <a:cs typeface="Times New Roman" panose="02020603050405020304" pitchFamily="18" charset="0"/>
               </a:rPr>
-              <a:t>Šerifović-Trbali</a:t>
+              <a:t>Curr</a:t>
             </a:r>
             <a:r>
               <a:rPr lang="en-IN" sz="2000" dirty="0">
                 <a:latin typeface="Times New Roman" panose="02020603050405020304" pitchFamily="18" charset="0"/>
                 <a:cs typeface="Times New Roman" panose="02020603050405020304" pitchFamily="18" charset="0"/>
               </a:rPr>
-              <a:t>, G. </a:t>
-            </a:r>
-            <a:r>
-              <a:rPr lang="en-IN" sz="2000" dirty="0" err="1">
-                <a:latin typeface="Times New Roman" panose="02020603050405020304" pitchFamily="18" charset="0"/>
-                <a:cs typeface="Times New Roman" panose="02020603050405020304" pitchFamily="18" charset="0"/>
-              </a:rPr>
-              <a:t>Kabelitz</a:t>
-            </a:r>
-            <a:r>
-              <a:rPr lang="en-IN" sz="2000" dirty="0">
-                <a:latin typeface="Times New Roman" panose="02020603050405020304" pitchFamily="18" charset="0"/>
-                <a:cs typeface="Times New Roman" panose="02020603050405020304" pitchFamily="18" charset="0"/>
-              </a:rPr>
-              <a:t>, M. </a:t>
-            </a:r>
-            <a:r>
-              <a:rPr lang="en-IN" sz="2000" dirty="0" err="1">
-                <a:latin typeface="Times New Roman" panose="02020603050405020304" pitchFamily="18" charset="0"/>
-                <a:cs typeface="Times New Roman" panose="02020603050405020304" pitchFamily="18" charset="0"/>
-              </a:rPr>
-              <a:t>Kociäski</a:t>
-            </a:r>
-            <a:r>
-              <a:rPr lang="en-IN" sz="2000" dirty="0">
-                <a:latin typeface="Times New Roman" panose="02020603050405020304" pitchFamily="18" charset="0"/>
-                <a:cs typeface="Times New Roman" panose="02020603050405020304" pitchFamily="18" charset="0"/>
-              </a:rPr>
-              <a:t>, A. </a:t>
-            </a:r>
-            <a:r>
-              <a:rPr lang="en-IN" sz="2000" dirty="0" err="1">
-                <a:latin typeface="Times New Roman" panose="02020603050405020304" pitchFamily="18" charset="0"/>
-                <a:cs typeface="Times New Roman" panose="02020603050405020304" pitchFamily="18" charset="0"/>
-              </a:rPr>
-              <a:t>Materka</a:t>
-            </a:r>
-            <a:r>
-              <a:rPr lang="en-IN" sz="2000" dirty="0">
-                <a:latin typeface="Times New Roman" panose="02020603050405020304" pitchFamily="18" charset="0"/>
-                <a:cs typeface="Times New Roman" panose="02020603050405020304" pitchFamily="18" charset="0"/>
-              </a:rPr>
-              <a:t>, and P. </a:t>
-            </a:r>
-            <a:r>
-              <a:rPr lang="en-IN" sz="2000" dirty="0" err="1">
-                <a:latin typeface="Times New Roman" panose="02020603050405020304" pitchFamily="18" charset="0"/>
-                <a:cs typeface="Times New Roman" panose="02020603050405020304" pitchFamily="18" charset="0"/>
-              </a:rPr>
-              <a:t>Rogelj</a:t>
-            </a:r>
-            <a:r>
-              <a:rPr lang="en-IN" sz="2000" dirty="0">
-                <a:latin typeface="Times New Roman" panose="02020603050405020304" pitchFamily="18" charset="0"/>
-                <a:cs typeface="Times New Roman" panose="02020603050405020304" pitchFamily="18" charset="0"/>
-              </a:rPr>
-              <a:t>, ‘‘Image registration in dynamic renal MRI—Current status and prospects,’’ </a:t>
-            </a:r>
-            <a:r>
-              <a:rPr lang="en-IN" sz="2000" dirty="0" err="1">
-                <a:latin typeface="Times New Roman" panose="02020603050405020304" pitchFamily="18" charset="0"/>
-                <a:cs typeface="Times New Roman" panose="02020603050405020304" pitchFamily="18" charset="0"/>
-              </a:rPr>
-              <a:t>Magn</a:t>
-            </a:r>
-            <a:r>
-              <a:rPr lang="en-IN" sz="2000" dirty="0">
-                <a:latin typeface="Times New Roman" panose="02020603050405020304" pitchFamily="18" charset="0"/>
-                <a:cs typeface="Times New Roman" panose="02020603050405020304" pitchFamily="18" charset="0"/>
-              </a:rPr>
-              <a:t>. </a:t>
-            </a:r>
-            <a:r>
-              <a:rPr lang="en-IN" sz="2000" dirty="0" err="1">
-                <a:latin typeface="Times New Roman" panose="02020603050405020304" pitchFamily="18" charset="0"/>
-                <a:cs typeface="Times New Roman" panose="02020603050405020304" pitchFamily="18" charset="0"/>
-              </a:rPr>
-              <a:t>Reson</a:t>
-            </a:r>
-            <a:r>
-              <a:rPr lang="en-IN" sz="2000" dirty="0">
-                <a:latin typeface="Times New Roman" panose="02020603050405020304" pitchFamily="18" charset="0"/>
-                <a:cs typeface="Times New Roman" panose="02020603050405020304" pitchFamily="18" charset="0"/>
-              </a:rPr>
-              <a:t>. Mater. Phys., Biol. Med., vol. 33, no. 1, pp. 33–48, Feb. 2020.</a:t>
-            </a:r>
-          </a:p>
-          <a:p>
-            <a:pPr algn="just"/>
-            <a:endParaRPr lang="en-IN" sz="2000" dirty="0">
-              <a:latin typeface="Times New Roman" panose="02020603050405020304" pitchFamily="18" charset="0"/>
-              <a:cs typeface="Times New Roman" panose="02020603050405020304" pitchFamily="18" charset="0"/>
-            </a:endParaRPr>
-          </a:p>
-          <a:p>
-            <a:pPr algn="just"/>
-            <a:r>
-              <a:rPr lang="en-US" sz="2000" dirty="0">
-                <a:latin typeface="Times New Roman" panose="02020603050405020304" pitchFamily="18" charset="0"/>
-                <a:cs typeface="Times New Roman" panose="02020603050405020304" pitchFamily="18" charset="0"/>
-              </a:rPr>
-              <a:t> A. E. </a:t>
-            </a:r>
-            <a:r>
-              <a:rPr lang="en-US" sz="2000" dirty="0" err="1">
-                <a:latin typeface="Times New Roman" panose="02020603050405020304" pitchFamily="18" charset="0"/>
-                <a:cs typeface="Times New Roman" panose="02020603050405020304" pitchFamily="18" charset="0"/>
-              </a:rPr>
-              <a:t>Kavur</a:t>
-            </a:r>
-            <a:r>
-              <a:rPr lang="en-US" sz="2000" dirty="0">
-                <a:latin typeface="Times New Roman" panose="02020603050405020304" pitchFamily="18" charset="0"/>
-                <a:cs typeface="Times New Roman" panose="02020603050405020304" pitchFamily="18" charset="0"/>
-              </a:rPr>
-              <a:t> et al., ‘‘CHAOS challenge-combined (CT-MR) healthy abdominal organ segmentation,’’ Med. Image Anal., vol. 69, Apr. 2021, Art. no. 101950</a:t>
-            </a:r>
-            <a:endParaRPr lang="en-IN" sz="2000" dirty="0">
-              <a:latin typeface="Times New Roman" panose="02020603050405020304" pitchFamily="18" charset="0"/>
-              <a:cs typeface="Times New Roman" panose="02020603050405020304" pitchFamily="18" charset="0"/>
-            </a:endParaRPr>
+              <a:t>. Res. Rev. 13(6) 161- 166. ISSN: 2231-2196 (Print) ISSN: 0975-5241 (Online).</a:t>
+            </a:r>
           </a:p>
         </p:txBody>
       </p:sp>
     </p:spTree>
     <p:extLst>
       <p:ext uri="{BB962C8B-B14F-4D97-AF65-F5344CB8AC3E}">
-        <p14:creationId xmlns="" xmlns:p14="http://schemas.microsoft.com/office/powerpoint/2010/main" val="376006251"/>
+        <p14:creationId xmlns:p14="http://schemas.microsoft.com/office/powerpoint/2010/main" val="376006251"/>
+      </p:ext>
+    </p:extLst>
+  </p:cSld>
+  <p:clrMapOvr>
+    <a:masterClrMapping/>
+  </p:clrMapOvr>
+</p:sld>
+</file>
+
+<file path=ppt/slides/slide15.xml><?xml version="1.0" encoding="utf-8"?>
+<p:sld xmlns:a="http://schemas.openxmlformats.org/drawingml/2006/main" xmlns:r="http://schemas.openxmlformats.org/officeDocument/2006/relationships" xmlns:p="http://schemas.openxmlformats.org/presentationml/2006/main">
+  <p:cSld>
+    <p:spTree>
+      <p:nvGrpSpPr>
+        <p:cNvPr id="1" name=""/>
+        <p:cNvGrpSpPr/>
+        <p:nvPr/>
+      </p:nvGrpSpPr>
+      <p:grpSpPr>
+        <a:xfrm>
+          <a:off x="0" y="0"/>
+          <a:ext cx="0" cy="0"/>
+          <a:chOff x="0" y="0"/>
+          <a:chExt cx="0" cy="0"/>
+        </a:xfrm>
+      </p:grpSpPr>
+      <p:sp>
+        <p:nvSpPr>
+          <p:cNvPr id="2" name="Title 1">
+            <a:extLst>
+              <a:ext uri="{FF2B5EF4-FFF2-40B4-BE49-F238E27FC236}">
+                <a16:creationId xmlns:a16="http://schemas.microsoft.com/office/drawing/2014/main" id="{6BE9CA49-8849-46D1-B5DD-4DDE26FC78E7}"/>
+              </a:ext>
+            </a:extLst>
+          </p:cNvPr>
+          <p:cNvSpPr>
+            <a:spLocks noGrp="1"/>
+          </p:cNvSpPr>
+          <p:nvPr>
+            <p:ph type="title"/>
+          </p:nvPr>
+        </p:nvSpPr>
+        <p:spPr>
+          <a:xfrm>
+            <a:off x="628650" y="365126"/>
+            <a:ext cx="7886700" cy="576571"/>
+          </a:xfrm>
+        </p:spPr>
+        <p:txBody>
+          <a:bodyPr>
+            <a:normAutofit fontScale="90000"/>
+          </a:bodyPr>
+          <a:lstStyle/>
+          <a:p>
+            <a:pPr algn="ctr"/>
+            <a:r>
+              <a:rPr lang="en-US" sz="4000" b="1" dirty="0">
+                <a:latin typeface="Times New Roman" panose="02020603050405020304" pitchFamily="18" charset="0"/>
+                <a:cs typeface="Times New Roman" panose="02020603050405020304" pitchFamily="18" charset="0"/>
+              </a:rPr>
+              <a:t>References</a:t>
+            </a:r>
+            <a:endParaRPr lang="en-IN" sz="4000" b="1" dirty="0">
+              <a:latin typeface="Times New Roman" panose="02020603050405020304" pitchFamily="18" charset="0"/>
+              <a:cs typeface="Times New Roman" panose="02020603050405020304" pitchFamily="18" charset="0"/>
+            </a:endParaRPr>
+          </a:p>
+        </p:txBody>
+      </p:sp>
+      <p:sp>
+        <p:nvSpPr>
+          <p:cNvPr id="3" name="Content Placeholder 2">
+            <a:extLst>
+              <a:ext uri="{FF2B5EF4-FFF2-40B4-BE49-F238E27FC236}">
+                <a16:creationId xmlns:a16="http://schemas.microsoft.com/office/drawing/2014/main" id="{C7383AA2-BBC6-47E3-A6B3-4BA8F33F4E6E}"/>
+              </a:ext>
+            </a:extLst>
+          </p:cNvPr>
+          <p:cNvSpPr>
+            <a:spLocks noGrp="1"/>
+          </p:cNvSpPr>
+          <p:nvPr>
+            <p:ph idx="1"/>
+          </p:nvPr>
+        </p:nvSpPr>
+        <p:spPr>
+          <a:xfrm>
+            <a:off x="628650" y="1241947"/>
+            <a:ext cx="7886700" cy="4935017"/>
+          </a:xfrm>
+        </p:spPr>
+        <p:txBody>
+          <a:bodyPr>
+            <a:normAutofit/>
+          </a:bodyPr>
+          <a:lstStyle/>
+          <a:p>
+            <a:pPr algn="just"/>
+            <a:r>
+              <a:rPr lang="en-IN" sz="2000" dirty="0">
+                <a:latin typeface="Times New Roman" panose="02020603050405020304" pitchFamily="18" charset="0"/>
+                <a:cs typeface="Times New Roman" panose="02020603050405020304" pitchFamily="18" charset="0"/>
+              </a:rPr>
+              <a:t>[1] R. Manne, S.C. </a:t>
+            </a:r>
+            <a:r>
+              <a:rPr lang="en-IN" sz="2000" dirty="0" err="1">
+                <a:latin typeface="Times New Roman" panose="02020603050405020304" pitchFamily="18" charset="0"/>
+                <a:cs typeface="Times New Roman" panose="02020603050405020304" pitchFamily="18" charset="0"/>
+              </a:rPr>
+              <a:t>Kantheti</a:t>
+            </a:r>
+            <a:r>
+              <a:rPr lang="en-IN" sz="2000" dirty="0">
+                <a:latin typeface="Times New Roman" panose="02020603050405020304" pitchFamily="18" charset="0"/>
+                <a:cs typeface="Times New Roman" panose="02020603050405020304" pitchFamily="18" charset="0"/>
+              </a:rPr>
+              <a:t>, Application of artificial intelligence in healthcare: chances and challenges, </a:t>
+            </a:r>
+            <a:r>
+              <a:rPr lang="en-IN" sz="2000" dirty="0" err="1">
+                <a:latin typeface="Times New Roman" panose="02020603050405020304" pitchFamily="18" charset="0"/>
+                <a:cs typeface="Times New Roman" panose="02020603050405020304" pitchFamily="18" charset="0"/>
+              </a:rPr>
+              <a:t>Curr</a:t>
+            </a:r>
+            <a:r>
+              <a:rPr lang="en-IN" sz="2000" dirty="0">
+                <a:latin typeface="Times New Roman" panose="02020603050405020304" pitchFamily="18" charset="0"/>
+                <a:cs typeface="Times New Roman" panose="02020603050405020304" pitchFamily="18" charset="0"/>
+              </a:rPr>
+              <a:t>. J. Appl. Sci. Technol. 40 (6) (2021) 78–89, https:// </a:t>
+            </a:r>
+            <a:r>
+              <a:rPr lang="en-IN" sz="2000" dirty="0" err="1">
+                <a:latin typeface="Times New Roman" panose="02020603050405020304" pitchFamily="18" charset="0"/>
+                <a:cs typeface="Times New Roman" panose="02020603050405020304" pitchFamily="18" charset="0"/>
+              </a:rPr>
+              <a:t>doi.org</a:t>
+            </a:r>
+            <a:r>
+              <a:rPr lang="en-IN" sz="2000" dirty="0">
+                <a:latin typeface="Times New Roman" panose="02020603050405020304" pitchFamily="18" charset="0"/>
+                <a:cs typeface="Times New Roman" panose="02020603050405020304" pitchFamily="18" charset="0"/>
+              </a:rPr>
+              <a:t>/10.9734/</a:t>
+            </a:r>
+            <a:r>
+              <a:rPr lang="en-IN" sz="2000" dirty="0" err="1">
+                <a:latin typeface="Times New Roman" panose="02020603050405020304" pitchFamily="18" charset="0"/>
+                <a:cs typeface="Times New Roman" panose="02020603050405020304" pitchFamily="18" charset="0"/>
+              </a:rPr>
+              <a:t>cjast</a:t>
+            </a:r>
+            <a:r>
+              <a:rPr lang="en-IN" sz="2000" dirty="0">
+                <a:latin typeface="Times New Roman" panose="02020603050405020304" pitchFamily="18" charset="0"/>
+                <a:cs typeface="Times New Roman" panose="02020603050405020304" pitchFamily="18" charset="0"/>
+              </a:rPr>
+              <a:t>/2021/v40i631320.</a:t>
+            </a:r>
+          </a:p>
+          <a:p>
+            <a:pPr marL="0" indent="0" algn="just">
+              <a:buNone/>
+            </a:pPr>
+            <a:endParaRPr lang="en-IN" sz="2000" dirty="0">
+              <a:latin typeface="Times New Roman" panose="02020603050405020304" pitchFamily="18" charset="0"/>
+              <a:cs typeface="Times New Roman" panose="02020603050405020304" pitchFamily="18" charset="0"/>
+            </a:endParaRPr>
+          </a:p>
+          <a:p>
+            <a:pPr algn="just"/>
+            <a:r>
+              <a:rPr lang="en-IN" sz="2000" dirty="0">
+                <a:latin typeface="Times New Roman" panose="02020603050405020304" pitchFamily="18" charset="0"/>
+                <a:cs typeface="Times New Roman" panose="02020603050405020304" pitchFamily="18" charset="0"/>
+              </a:rPr>
+              <a:t>[2] M. </a:t>
+            </a:r>
+            <a:r>
+              <a:rPr lang="en-IN" sz="2000" dirty="0" err="1">
+                <a:latin typeface="Times New Roman" panose="02020603050405020304" pitchFamily="18" charset="0"/>
+                <a:cs typeface="Times New Roman" panose="02020603050405020304" pitchFamily="18" charset="0"/>
+              </a:rPr>
+              <a:t>Sivakami</a:t>
+            </a:r>
+            <a:r>
+              <a:rPr lang="en-IN" sz="2000" dirty="0">
+                <a:latin typeface="Times New Roman" panose="02020603050405020304" pitchFamily="18" charset="0"/>
+                <a:cs typeface="Times New Roman" panose="02020603050405020304" pitchFamily="18" charset="0"/>
+              </a:rPr>
+              <a:t>, P. Prabhu. Classification of algorithms supported factual knowledge recovery from cardiac data set, Int. J. </a:t>
+            </a:r>
+            <a:r>
+              <a:rPr lang="en-IN" sz="2000" dirty="0" err="1">
+                <a:latin typeface="Times New Roman" panose="02020603050405020304" pitchFamily="18" charset="0"/>
+                <a:cs typeface="Times New Roman" panose="02020603050405020304" pitchFamily="18" charset="0"/>
+              </a:rPr>
+              <a:t>Curr</a:t>
+            </a:r>
+            <a:r>
+              <a:rPr lang="en-IN" sz="2000" dirty="0">
+                <a:latin typeface="Times New Roman" panose="02020603050405020304" pitchFamily="18" charset="0"/>
+                <a:cs typeface="Times New Roman" panose="02020603050405020304" pitchFamily="18" charset="0"/>
+              </a:rPr>
+              <a:t>. Res. Rev. 13(6) 161- 166. ISSN: 2231-2196 (Print) ISSN: 0975-5241 (Online).</a:t>
+            </a:r>
+          </a:p>
+        </p:txBody>
+      </p:sp>
+    </p:spTree>
+    <p:extLst>
+      <p:ext uri="{BB962C8B-B14F-4D97-AF65-F5344CB8AC3E}">
+        <p14:creationId xmlns:p14="http://schemas.microsoft.com/office/powerpoint/2010/main" val="707957161"/>
       </p:ext>
     </p:extLst>
   </p:cSld>
@@ -10656,10 +11003,6 @@
               <a:rPr lang="en-US" b="1" dirty="0"/>
               <a:t>Abstract</a:t>
             </a:r>
-            <a:r>
-              <a:rPr lang="en-US" dirty="0"/>
-              <a:t/>
-            </a:r>
             <a:br>
               <a:rPr lang="en-US" dirty="0"/>
             </a:br>
@@ -10685,7 +11028,7 @@
         </p:spPr>
         <p:txBody>
           <a:bodyPr>
-            <a:normAutofit fontScale="85000" lnSpcReduction="10000"/>
+            <a:normAutofit fontScale="92500" lnSpcReduction="20000"/>
           </a:bodyPr>
           <a:lstStyle/>
           <a:p>
@@ -10699,14 +11042,7 @@
                 <a:latin typeface="Times New Roman" pitchFamily="18" charset="0"/>
                 <a:cs typeface="Times New Roman" pitchFamily="18" charset="0"/>
               </a:rPr>
-              <a:t>Machine learning has various applications and one of them is healthcare</a:t>
-            </a:r>
-            <a:r>
-              <a:rPr lang="en-US" sz="2400" dirty="0" smtClean="0">
-                <a:latin typeface="Times New Roman" pitchFamily="18" charset="0"/>
-                <a:cs typeface="Times New Roman" pitchFamily="18" charset="0"/>
-              </a:rPr>
-              <a:t>.</a:t>
+              <a:t>Machine learning has various applications and one of them is healthcare.</a:t>
             </a:r>
           </a:p>
           <a:p>
@@ -10716,25 +11052,11 @@
               </a:lnSpc>
             </a:pPr>
             <a:r>
-              <a:rPr lang="en-US" sz="2400" dirty="0" smtClean="0">
-                <a:latin typeface="Times New Roman" pitchFamily="18" charset="0"/>
-                <a:cs typeface="Times New Roman" pitchFamily="18" charset="0"/>
-              </a:rPr>
-              <a:t> </a:t>
-            </a:r>
-            <a:r>
               <a:rPr lang="en-US" sz="2400" dirty="0">
                 <a:latin typeface="Times New Roman" pitchFamily="18" charset="0"/>
                 <a:cs typeface="Times New Roman" pitchFamily="18" charset="0"/>
               </a:rPr>
-              <a:t>There should be much more advanced medical facilities so as to provide the best possible treatment for the </a:t>
-            </a:r>
-            <a:r>
-              <a:rPr lang="en-US" sz="2400" dirty="0" smtClean="0">
-                <a:latin typeface="Times New Roman" pitchFamily="18" charset="0"/>
-                <a:cs typeface="Times New Roman" pitchFamily="18" charset="0"/>
-              </a:rPr>
-              <a:t>patients.</a:t>
+              <a:t> There should be much more advanced medical facilities so as to provide the best possible treatment for the patients.</a:t>
             </a:r>
           </a:p>
           <a:p>
@@ -10748,14 +11070,7 @@
                 <a:latin typeface="Times New Roman" pitchFamily="18" charset="0"/>
                 <a:cs typeface="Times New Roman" pitchFamily="18" charset="0"/>
               </a:rPr>
-              <a:t>Multi Disease Prediction” system based on predictive modeling predicts the disease of the user on the basis of the symptoms that user provides as an input to the system</a:t>
-            </a:r>
-            <a:r>
-              <a:rPr lang="en-US" sz="2400" dirty="0" smtClean="0">
-                <a:latin typeface="Times New Roman" pitchFamily="18" charset="0"/>
-                <a:cs typeface="Times New Roman" pitchFamily="18" charset="0"/>
-              </a:rPr>
-              <a:t>.</a:t>
+              <a:t>Multi Disease Prediction” system based on predictive modeling predicts the disease of the user on the basis of the symptoms that user provides as an input to the system.</a:t>
             </a:r>
           </a:p>
           <a:p>
@@ -10783,12 +11098,8 @@
                 <a:latin typeface="Times New Roman" pitchFamily="18" charset="0"/>
                 <a:cs typeface="Times New Roman" pitchFamily="18" charset="0"/>
               </a:rPr>
-              <a:t> Diabetes analysis, Diabetes Retinopathy analysis, Heart disease. </a:t>
-            </a:r>
-            <a:endParaRPr lang="en-US" sz="2400" dirty="0" smtClean="0">
-              <a:latin typeface="Times New Roman" pitchFamily="18" charset="0"/>
-              <a:cs typeface="Times New Roman" pitchFamily="18" charset="0"/>
-            </a:endParaRPr>
+              <a:t> Diabetes analysis and Heart disease. </a:t>
+            </a:r>
           </a:p>
           <a:p>
             <a:pPr algn="just">
@@ -10797,18 +11108,11 @@
               </a:lnSpc>
             </a:pPr>
             <a:r>
-              <a:rPr lang="en-US" sz="2400" dirty="0" smtClean="0">
-                <a:latin typeface="Times New Roman" pitchFamily="18" charset="0"/>
-                <a:cs typeface="Times New Roman" pitchFamily="18" charset="0"/>
-              </a:rPr>
-              <a:t>Later </a:t>
-            </a:r>
-            <a:r>
               <a:rPr lang="en-US" sz="2400" dirty="0">
                 <a:latin typeface="Times New Roman" pitchFamily="18" charset="0"/>
                 <a:cs typeface="Times New Roman" pitchFamily="18" charset="0"/>
               </a:rPr>
-              <a:t>other diseases like skin diseases, fever analysis and many more diseases can be included.</a:t>
+              <a:t>Later other diseases like skin diseases, fever analysis and many more diseases can be included.</a:t>
             </a:r>
           </a:p>
         </p:txBody>
@@ -10859,10 +11163,6 @@
               <a:rPr lang="en-US" b="1" dirty="0"/>
               <a:t>INTRODUCTION</a:t>
             </a:r>
-            <a:r>
-              <a:rPr lang="en-US" dirty="0"/>
-              <a:t/>
-            </a:r>
             <a:br>
               <a:rPr lang="en-US" dirty="0"/>
             </a:br>
@@ -10898,7 +11198,7 @@
               </a:lnSpc>
             </a:pPr>
             <a:r>
-              <a:rPr lang="en-US" sz="2000" dirty="0" smtClean="0">
+              <a:rPr lang="en-US" sz="2000" dirty="0">
                 <a:latin typeface="Times New Roman" pitchFamily="18" charset="0"/>
                 <a:cs typeface="Times New Roman" pitchFamily="18" charset="0"/>
               </a:rPr>
@@ -10912,7 +11212,7 @@
               </a:lnSpc>
             </a:pPr>
             <a:r>
-              <a:rPr lang="en-US" sz="2000" dirty="0" smtClean="0">
+              <a:rPr lang="en-US" sz="2000" dirty="0">
                 <a:latin typeface="Times New Roman" pitchFamily="18" charset="0"/>
                 <a:cs typeface="Times New Roman" pitchFamily="18" charset="0"/>
               </a:rPr>
@@ -10932,7 +11232,7 @@
               </a:rPr>
               <a:t>Diabetes is considered as a chronic disease associated with an abnormal state of the human body where the level of blood glucose is inconsistent due to some pancreas dysfunction </a:t>
             </a:r>
-            <a:endParaRPr lang="en-US" sz="2000" dirty="0" smtClean="0">
+            <a:endParaRPr lang="en-US" sz="2000" dirty="0">
               <a:latin typeface="Times New Roman" pitchFamily="18" charset="0"/>
               <a:cs typeface="Times New Roman" pitchFamily="18" charset="0"/>
             </a:endParaRPr>
@@ -10976,7 +11276,7 @@
           <p:cNvPr id="2" name="Title 1">
             <a:extLst>
               <a:ext uri="{FF2B5EF4-FFF2-40B4-BE49-F238E27FC236}">
-                <a16:creationId xmlns="" xmlns:a16="http://schemas.microsoft.com/office/drawing/2014/main" id="{2E1ACEB5-5C45-49D0-BAE9-3B398A4FCD4C}"/>
+                <a16:creationId xmlns:a16="http://schemas.microsoft.com/office/drawing/2014/main" id="{2E1ACEB5-5C45-49D0-BAE9-3B398A4FCD4C}"/>
               </a:ext>
             </a:extLst>
           </p:cNvPr>
@@ -11005,7 +11305,7 @@
                 <a:latin typeface="Times New Roman" panose="02020603050405020304" pitchFamily="18" charset="0"/>
                 <a:cs typeface="Times New Roman" panose="02020603050405020304" pitchFamily="18" charset="0"/>
               </a:rPr>
-              <a:t>Problems Identified</a:t>
+              <a:t>Problems Identified in other system</a:t>
             </a:r>
             <a:endParaRPr lang="en-IN" sz="4000" b="1" dirty="0">
               <a:latin typeface="Times New Roman" panose="02020603050405020304" pitchFamily="18" charset="0"/>
@@ -11019,7 +11319,7 @@
           <p:cNvPr id="3" name="Content Placeholder 2">
             <a:extLst>
               <a:ext uri="{FF2B5EF4-FFF2-40B4-BE49-F238E27FC236}">
-                <a16:creationId xmlns="" xmlns:a16="http://schemas.microsoft.com/office/drawing/2014/main" id="{49C00BA3-FF7B-4531-BD64-74798147E751}"/>
+                <a16:creationId xmlns:a16="http://schemas.microsoft.com/office/drawing/2014/main" id="{49C00BA3-FF7B-4531-BD64-74798147E751}"/>
               </a:ext>
             </a:extLst>
           </p:cNvPr>
@@ -11033,7 +11333,7 @@
         <p:spPr>
           <a:xfrm>
             <a:off x="628650" y="1214423"/>
-            <a:ext cx="7886700" cy="5278452"/>
+            <a:ext cx="7886700" cy="4158793"/>
           </a:xfrm>
         </p:spPr>
         <p:txBody>
@@ -11048,16 +11348,12 @@
               </a:lnSpc>
             </a:pPr>
             <a:r>
-              <a:rPr lang="en-US" sz="2000" dirty="0">
+              <a:rPr lang="en-IN" sz="2400" dirty="0">
                 <a:latin typeface="Times New Roman" pitchFamily="18" charset="0"/>
                 <a:cs typeface="Times New Roman" pitchFamily="18" charset="0"/>
               </a:rPr>
-              <a:t>It's a major challenge in the medical or healthcare industries to offer the highest quality services to all patients, and only those who can afford it can benefit from it. </a:t>
-            </a:r>
-            <a:endParaRPr lang="en-US" sz="2000" dirty="0" smtClean="0">
-              <a:latin typeface="Times New Roman" pitchFamily="18" charset="0"/>
-              <a:cs typeface="Times New Roman" pitchFamily="18" charset="0"/>
-            </a:endParaRPr>
+              <a:t>Have to traverse between two different sites to forecast multiple disease.</a:t>
+            </a:r>
           </a:p>
           <a:p>
             <a:pPr algn="just">
@@ -11066,25 +11362,11 @@
               </a:lnSpc>
             </a:pPr>
             <a:r>
-              <a:rPr lang="en-US" sz="2000" dirty="0" smtClean="0">
+              <a:rPr lang="en-IN" sz="2400" dirty="0">
                 <a:latin typeface="Times New Roman" pitchFamily="18" charset="0"/>
                 <a:cs typeface="Times New Roman" pitchFamily="18" charset="0"/>
               </a:rPr>
-              <a:t>There </a:t>
-            </a:r>
-            <a:r>
-              <a:rPr lang="en-US" sz="2000" dirty="0">
-                <a:latin typeface="Times New Roman" pitchFamily="18" charset="0"/>
-                <a:cs typeface="Times New Roman" pitchFamily="18" charset="0"/>
-              </a:rPr>
-              <a:t>is a vast amount of healthcare data available that is not being mined in a more efficient and reliable manner to uncover secret knowledge for successful decision-making There are instruments available which can predict heart disease but either it is expensive or are not efficient to calculate chance of heart disease in human</a:t>
-            </a:r>
-            <a:r>
-              <a:rPr lang="en-US" sz="2000" dirty="0" smtClean="0">
-                <a:latin typeface="Times New Roman" pitchFamily="18" charset="0"/>
-                <a:cs typeface="Times New Roman" pitchFamily="18" charset="0"/>
-              </a:rPr>
-              <a:t>.</a:t>
+              <a:t>The usage of Naïve Bayes algorithm in other system were slow</a:t>
             </a:r>
           </a:p>
           <a:p>
@@ -11094,30 +11376,33 @@
               </a:lnSpc>
             </a:pPr>
             <a:r>
-              <a:rPr lang="en-US" sz="2000" dirty="0" smtClean="0">
+              <a:rPr lang="en-IN" sz="2400" dirty="0">
                 <a:latin typeface="Times New Roman" pitchFamily="18" charset="0"/>
                 <a:cs typeface="Times New Roman" pitchFamily="18" charset="0"/>
               </a:rPr>
-              <a:t> </a:t>
-            </a:r>
-            <a:r>
-              <a:rPr lang="en-US" sz="2000" dirty="0">
+              <a:t>Doesn’t have the functionality where admin can able to train their own ML model</a:t>
+            </a:r>
+          </a:p>
+          <a:p>
+            <a:pPr algn="just">
+              <a:lnSpc>
+                <a:spcPct val="150000"/>
+              </a:lnSpc>
+            </a:pPr>
+            <a:r>
+              <a:rPr lang="en-IN" sz="2400" dirty="0">
                 <a:latin typeface="Times New Roman" pitchFamily="18" charset="0"/>
                 <a:cs typeface="Times New Roman" pitchFamily="18" charset="0"/>
               </a:rPr>
-              <a:t>Early detection of cardiac diseases can decrease the mortality rate and overall complications</a:t>
-            </a:r>
-            <a:endParaRPr lang="en-IN" sz="2000" dirty="0">
-              <a:latin typeface="Times New Roman" pitchFamily="18" charset="0"/>
-              <a:cs typeface="Times New Roman" pitchFamily="18" charset="0"/>
-            </a:endParaRPr>
+              <a:t>The accuracy of the project is low.</a:t>
+            </a:r>
           </a:p>
         </p:txBody>
       </p:sp>
     </p:spTree>
     <p:extLst>
       <p:ext uri="{BB962C8B-B14F-4D97-AF65-F5344CB8AC3E}">
-        <p14:creationId xmlns="" xmlns:p14="http://schemas.microsoft.com/office/powerpoint/2010/main" val="315093119"/>
+        <p14:creationId xmlns:p14="http://schemas.microsoft.com/office/powerpoint/2010/main" val="315093119"/>
       </p:ext>
     </p:extLst>
   </p:cSld>
@@ -11160,7 +11445,7 @@
           <a:lstStyle/>
           <a:p>
             <a:r>
-              <a:rPr lang="en-US" b="1" dirty="0" smtClean="0">
+              <a:rPr lang="en-US" b="1" dirty="0">
                 <a:latin typeface="Times New Roman" panose="02020603050405020304" pitchFamily="18" charset="0"/>
                 <a:cs typeface="Times New Roman" panose="02020603050405020304" pitchFamily="18" charset="0"/>
               </a:rPr>
@@ -11213,10 +11498,6 @@
               </a:rPr>
               <a:t> more than one disease on a single website. </a:t>
             </a:r>
-            <a:endParaRPr lang="en-US" sz="2400" dirty="0" smtClean="0">
-              <a:latin typeface="Times New Roman" pitchFamily="18" charset="0"/>
-              <a:cs typeface="Times New Roman" pitchFamily="18" charset="0"/>
-            </a:endParaRPr>
           </a:p>
           <a:p>
             <a:pPr algn="just">
@@ -11225,25 +11506,11 @@
               </a:lnSpc>
             </a:pPr>
             <a:r>
-              <a:rPr lang="en-US" sz="2400" dirty="0" smtClean="0">
-                <a:latin typeface="Times New Roman" pitchFamily="18" charset="0"/>
-                <a:cs typeface="Times New Roman" pitchFamily="18" charset="0"/>
-              </a:rPr>
-              <a:t>The </a:t>
-            </a:r>
-            <a:r>
               <a:rPr lang="en-US" sz="2400" dirty="0">
                 <a:latin typeface="Times New Roman" pitchFamily="18" charset="0"/>
                 <a:cs typeface="Times New Roman" pitchFamily="18" charset="0"/>
               </a:rPr>
-              <a:t>user doesn’t need to traverse different places in order to predict whether he/she has a particular disease or not</a:t>
-            </a:r>
-            <a:r>
-              <a:rPr lang="en-US" sz="2400" dirty="0" smtClean="0">
-                <a:latin typeface="Times New Roman" pitchFamily="18" charset="0"/>
-                <a:cs typeface="Times New Roman" pitchFamily="18" charset="0"/>
-              </a:rPr>
-              <a:t>.</a:t>
+              <a:t>The user doesn’t need to traverse different places in order to predict whether he/she has a particular disease or not.</a:t>
             </a:r>
           </a:p>
           <a:p>
@@ -11253,18 +11520,11 @@
               </a:lnSpc>
             </a:pPr>
             <a:r>
-              <a:rPr lang="en-US" sz="2400" dirty="0" smtClean="0">
-                <a:latin typeface="Times New Roman" pitchFamily="18" charset="0"/>
-                <a:cs typeface="Times New Roman" pitchFamily="18" charset="0"/>
-              </a:rPr>
-              <a:t> </a:t>
-            </a:r>
-            <a:r>
               <a:rPr lang="en-US" sz="2400" dirty="0">
                 <a:latin typeface="Times New Roman" pitchFamily="18" charset="0"/>
                 <a:cs typeface="Times New Roman" pitchFamily="18" charset="0"/>
               </a:rPr>
-              <a:t>In multiple diseases prediction system, the user needs to select the name of the particular disease, enter its parameters and just click on submit.</a:t>
+              <a:t> In multiple diseases prediction system, the user needs to select the name of the particular disease, enter its parameters and just click on submit.</a:t>
             </a:r>
           </a:p>
         </p:txBody>
@@ -11296,13 +11556,7 @@
       </p:grpSpPr>
       <p:sp>
         <p:nvSpPr>
-          <p:cNvPr id="2" name="Title 1">
-            <a:extLst>
-              <a:ext uri="{FF2B5EF4-FFF2-40B4-BE49-F238E27FC236}">
-                <a16:creationId xmlns="" xmlns:a16="http://schemas.microsoft.com/office/drawing/2014/main" id="{F61ED157-09FD-45AF-99D0-10877808A628}"/>
-              </a:ext>
-            </a:extLst>
-          </p:cNvPr>
+          <p:cNvPr id="2" name="Title 1"/>
           <p:cNvSpPr>
             <a:spLocks noGrp="1"/>
           </p:cNvSpPr>
@@ -11310,592 +11564,98 @@
             <p:ph type="title"/>
           </p:nvPr>
         </p:nvSpPr>
-        <p:spPr>
-          <a:xfrm>
-            <a:off x="628649" y="0"/>
-            <a:ext cx="7886700" cy="559558"/>
-          </a:xfrm>
-        </p:spPr>
+        <p:spPr/>
         <p:txBody>
-          <a:bodyPr>
-            <a:normAutofit fontScale="90000"/>
-          </a:bodyPr>
+          <a:bodyPr/>
           <a:lstStyle/>
           <a:p>
-            <a:pPr algn="ctr"/>
-            <a:r>
-              <a:rPr lang="en-US" sz="4000" b="1" dirty="0">
+            <a:r>
+              <a:rPr lang="en-US" b="1" dirty="0">
                 <a:latin typeface="Times New Roman" panose="02020603050405020304" pitchFamily="18" charset="0"/>
                 <a:cs typeface="Times New Roman" panose="02020603050405020304" pitchFamily="18" charset="0"/>
               </a:rPr>
-              <a:t>Literature Survey</a:t>
-            </a:r>
-            <a:endParaRPr lang="en-IN" sz="4000" b="1" dirty="0">
-              <a:latin typeface="Times New Roman" panose="02020603050405020304" pitchFamily="18" charset="0"/>
-              <a:cs typeface="Times New Roman" panose="02020603050405020304" pitchFamily="18" charset="0"/>
-            </a:endParaRPr>
+              <a:t>Existing System</a:t>
+            </a:r>
+            <a:endParaRPr lang="en-US" dirty="0"/>
           </a:p>
         </p:txBody>
       </p:sp>
-      <p:graphicFrame>
-        <p:nvGraphicFramePr>
-          <p:cNvPr id="4" name="Table 4">
-            <a:extLst>
-              <a:ext uri="{FF2B5EF4-FFF2-40B4-BE49-F238E27FC236}">
-                <a16:creationId xmlns="" xmlns:a16="http://schemas.microsoft.com/office/drawing/2014/main" id="{94EBF70E-F359-4A77-8FC1-FF1DD20A80B8}"/>
-              </a:ext>
-            </a:extLst>
-          </p:cNvPr>
-          <p:cNvGraphicFramePr>
-            <a:graphicFrameLocks noGrp="1"/>
-          </p:cNvGraphicFramePr>
+      <p:sp>
+        <p:nvSpPr>
+          <p:cNvPr id="3" name="Content Placeholder 2"/>
+          <p:cNvSpPr>
+            <a:spLocks noGrp="1"/>
+          </p:cNvSpPr>
           <p:nvPr>
-            <p:extLst>
-              <p:ext uri="{D42A27DB-BD31-4B8C-83A1-F6EECF244321}">
-                <p14:modId xmlns="" xmlns:p14="http://schemas.microsoft.com/office/powerpoint/2010/main" val="2158544785"/>
-              </p:ext>
-            </p:extLst>
+            <p:ph idx="1"/>
           </p:nvPr>
-        </p:nvGraphicFramePr>
-        <p:xfrm>
-          <a:off x="129085" y="559559"/>
-          <a:ext cx="8885831" cy="9052560"/>
-        </p:xfrm>
-        <a:graphic>
-          <a:graphicData uri="http://schemas.openxmlformats.org/drawingml/2006/table">
-            <a:tbl>
-              <a:tblPr firstRow="1" bandRow="1">
-                <a:tableStyleId>{5C22544A-7EE6-4342-B048-85BDC9FD1C3A}</a:tableStyleId>
-              </a:tblPr>
-              <a:tblGrid>
-                <a:gridCol w="362235">
-                  <a:extLst>
-                    <a:ext uri="{9D8B030D-6E8A-4147-A177-3AD203B41FA5}">
-                      <a16:colId xmlns="" xmlns:a16="http://schemas.microsoft.com/office/drawing/2014/main" val="3702754956"/>
-                    </a:ext>
-                  </a:extLst>
-                </a:gridCol>
-                <a:gridCol w="1289713">
-                  <a:extLst>
-                    <a:ext uri="{9D8B030D-6E8A-4147-A177-3AD203B41FA5}">
-                      <a16:colId xmlns="" xmlns:a16="http://schemas.microsoft.com/office/drawing/2014/main" val="1382000786"/>
-                    </a:ext>
-                  </a:extLst>
-                </a:gridCol>
-                <a:gridCol w="1852684">
-                  <a:extLst>
-                    <a:ext uri="{9D8B030D-6E8A-4147-A177-3AD203B41FA5}">
-                      <a16:colId xmlns="" xmlns:a16="http://schemas.microsoft.com/office/drawing/2014/main" val="1039511687"/>
-                    </a:ext>
-                  </a:extLst>
-                </a:gridCol>
-                <a:gridCol w="1340893">
-                  <a:extLst>
-                    <a:ext uri="{9D8B030D-6E8A-4147-A177-3AD203B41FA5}">
-                      <a16:colId xmlns="" xmlns:a16="http://schemas.microsoft.com/office/drawing/2014/main" val="3781313462"/>
-                    </a:ext>
-                  </a:extLst>
-                </a:gridCol>
-                <a:gridCol w="1668439">
-                  <a:extLst>
-                    <a:ext uri="{9D8B030D-6E8A-4147-A177-3AD203B41FA5}">
-                      <a16:colId xmlns="" xmlns:a16="http://schemas.microsoft.com/office/drawing/2014/main" val="2044445065"/>
-                    </a:ext>
-                  </a:extLst>
-                </a:gridCol>
-                <a:gridCol w="1238534">
-                  <a:extLst>
-                    <a:ext uri="{9D8B030D-6E8A-4147-A177-3AD203B41FA5}">
-                      <a16:colId xmlns="" xmlns:a16="http://schemas.microsoft.com/office/drawing/2014/main" val="362676574"/>
-                    </a:ext>
-                  </a:extLst>
-                </a:gridCol>
-                <a:gridCol w="1133333">
-                  <a:extLst>
-                    <a:ext uri="{9D8B030D-6E8A-4147-A177-3AD203B41FA5}">
-                      <a16:colId xmlns="" xmlns:a16="http://schemas.microsoft.com/office/drawing/2014/main" val="962441384"/>
-                    </a:ext>
-                  </a:extLst>
-                </a:gridCol>
-              </a:tblGrid>
-              <a:tr h="655093">
-                <a:tc>
-                  <a:txBody>
-                    <a:bodyPr/>
-                    <a:lstStyle/>
-                    <a:p>
-                      <a:pPr algn="ctr"/>
-                      <a:r>
-                        <a:rPr lang="en-US" dirty="0">
-                          <a:latin typeface="Times New Roman" panose="02020603050405020304" pitchFamily="18" charset="0"/>
-                          <a:cs typeface="Times New Roman" panose="02020603050405020304" pitchFamily="18" charset="0"/>
-                        </a:rPr>
-                        <a:t>No</a:t>
-                      </a:r>
-                      <a:endParaRPr lang="en-IN" dirty="0">
-                        <a:latin typeface="Times New Roman" panose="02020603050405020304" pitchFamily="18" charset="0"/>
-                        <a:cs typeface="Times New Roman" panose="02020603050405020304" pitchFamily="18" charset="0"/>
-                      </a:endParaRPr>
-                    </a:p>
-                  </a:txBody>
-                  <a:tcPr marL="68580" marR="68580"/>
-                </a:tc>
-                <a:tc>
-                  <a:txBody>
-                    <a:bodyPr/>
-                    <a:lstStyle/>
-                    <a:p>
-                      <a:pPr algn="ctr"/>
-                      <a:r>
-                        <a:rPr lang="en-US" dirty="0">
-                          <a:latin typeface="Times New Roman" panose="02020603050405020304" pitchFamily="18" charset="0"/>
-                          <a:cs typeface="Times New Roman" panose="02020603050405020304" pitchFamily="18" charset="0"/>
-                        </a:rPr>
-                        <a:t>Title, Author &amp; Year</a:t>
-                      </a:r>
-                      <a:endParaRPr lang="en-IN" dirty="0">
-                        <a:latin typeface="Times New Roman" panose="02020603050405020304" pitchFamily="18" charset="0"/>
-                        <a:cs typeface="Times New Roman" panose="02020603050405020304" pitchFamily="18" charset="0"/>
-                      </a:endParaRPr>
-                    </a:p>
-                  </a:txBody>
-                  <a:tcPr marL="68580" marR="68580"/>
-                </a:tc>
-                <a:tc>
-                  <a:txBody>
-                    <a:bodyPr/>
-                    <a:lstStyle/>
-                    <a:p>
-                      <a:pPr algn="ctr"/>
-                      <a:r>
-                        <a:rPr lang="en-US" dirty="0">
-                          <a:latin typeface="Times New Roman" panose="02020603050405020304" pitchFamily="18" charset="0"/>
-                          <a:cs typeface="Times New Roman" panose="02020603050405020304" pitchFamily="18" charset="0"/>
-                        </a:rPr>
-                        <a:t>Objective</a:t>
-                      </a:r>
-                      <a:endParaRPr lang="en-IN" dirty="0">
-                        <a:latin typeface="Times New Roman" panose="02020603050405020304" pitchFamily="18" charset="0"/>
-                        <a:cs typeface="Times New Roman" panose="02020603050405020304" pitchFamily="18" charset="0"/>
-                      </a:endParaRPr>
-                    </a:p>
-                  </a:txBody>
-                  <a:tcPr marL="68580" marR="68580"/>
-                </a:tc>
-                <a:tc>
-                  <a:txBody>
-                    <a:bodyPr/>
-                    <a:lstStyle/>
-                    <a:p>
-                      <a:pPr algn="ctr"/>
-                      <a:r>
-                        <a:rPr lang="en-US" dirty="0">
-                          <a:latin typeface="Times New Roman" panose="02020603050405020304" pitchFamily="18" charset="0"/>
-                          <a:cs typeface="Times New Roman" panose="02020603050405020304" pitchFamily="18" charset="0"/>
-                        </a:rPr>
-                        <a:t>Algorithms/Techniques</a:t>
-                      </a:r>
-                      <a:endParaRPr lang="en-IN" dirty="0">
-                        <a:latin typeface="Times New Roman" panose="02020603050405020304" pitchFamily="18" charset="0"/>
-                        <a:cs typeface="Times New Roman" panose="02020603050405020304" pitchFamily="18" charset="0"/>
-                      </a:endParaRPr>
-                    </a:p>
-                  </a:txBody>
-                  <a:tcPr marL="68580" marR="68580"/>
-                </a:tc>
-                <a:tc>
-                  <a:txBody>
-                    <a:bodyPr/>
-                    <a:lstStyle/>
-                    <a:p>
-                      <a:pPr algn="ctr"/>
-                      <a:r>
-                        <a:rPr lang="en-US" dirty="0">
-                          <a:latin typeface="Times New Roman" panose="02020603050405020304" pitchFamily="18" charset="0"/>
-                          <a:cs typeface="Times New Roman" panose="02020603050405020304" pitchFamily="18" charset="0"/>
-                        </a:rPr>
-                        <a:t>Dataset</a:t>
-                      </a:r>
-                      <a:endParaRPr lang="en-IN" dirty="0">
-                        <a:latin typeface="Times New Roman" panose="02020603050405020304" pitchFamily="18" charset="0"/>
-                        <a:cs typeface="Times New Roman" panose="02020603050405020304" pitchFamily="18" charset="0"/>
-                      </a:endParaRPr>
-                    </a:p>
-                  </a:txBody>
-                  <a:tcPr marL="68580" marR="68580"/>
-                </a:tc>
-                <a:tc>
-                  <a:txBody>
-                    <a:bodyPr/>
-                    <a:lstStyle/>
-                    <a:p>
-                      <a:pPr algn="ctr"/>
-                      <a:r>
-                        <a:rPr lang="en-US" dirty="0">
-                          <a:latin typeface="Times New Roman" panose="02020603050405020304" pitchFamily="18" charset="0"/>
-                          <a:cs typeface="Times New Roman" panose="02020603050405020304" pitchFamily="18" charset="0"/>
-                        </a:rPr>
-                        <a:t>Findings</a:t>
-                      </a:r>
-                      <a:endParaRPr lang="en-IN" dirty="0">
-                        <a:latin typeface="Times New Roman" panose="02020603050405020304" pitchFamily="18" charset="0"/>
-                        <a:cs typeface="Times New Roman" panose="02020603050405020304" pitchFamily="18" charset="0"/>
-                      </a:endParaRPr>
-                    </a:p>
-                  </a:txBody>
-                  <a:tcPr marL="68580" marR="68580"/>
-                </a:tc>
-                <a:tc>
-                  <a:txBody>
-                    <a:bodyPr/>
-                    <a:lstStyle/>
-                    <a:p>
-                      <a:pPr algn="ctr"/>
-                      <a:r>
-                        <a:rPr lang="en-US" dirty="0">
-                          <a:latin typeface="Times New Roman" panose="02020603050405020304" pitchFamily="18" charset="0"/>
-                          <a:cs typeface="Times New Roman" panose="02020603050405020304" pitchFamily="18" charset="0"/>
-                        </a:rPr>
-                        <a:t>Doi</a:t>
-                      </a:r>
-                      <a:endParaRPr lang="en-IN" dirty="0">
-                        <a:latin typeface="Times New Roman" panose="02020603050405020304" pitchFamily="18" charset="0"/>
-                        <a:cs typeface="Times New Roman" panose="02020603050405020304" pitchFamily="18" charset="0"/>
-                      </a:endParaRPr>
-                    </a:p>
-                  </a:txBody>
-                  <a:tcPr marL="68580" marR="68580"/>
-                </a:tc>
-                <a:extLst>
-                  <a:ext uri="{0D108BD9-81ED-4DB2-BD59-A6C34878D82A}">
-                    <a16:rowId xmlns="" xmlns:a16="http://schemas.microsoft.com/office/drawing/2014/main" val="4016232433"/>
-                  </a:ext>
-                </a:extLst>
-              </a:tr>
-              <a:tr h="827052">
-                <a:tc>
-                  <a:txBody>
-                    <a:bodyPr/>
-                    <a:lstStyle/>
-                    <a:p>
-                      <a:r>
-                        <a:rPr lang="en-US" dirty="0">
-                          <a:latin typeface="Times New Roman" panose="02020603050405020304" pitchFamily="18" charset="0"/>
-                          <a:cs typeface="Times New Roman" panose="02020603050405020304" pitchFamily="18" charset="0"/>
-                        </a:rPr>
-                        <a:t>1</a:t>
-                      </a:r>
-                      <a:endParaRPr lang="en-IN" dirty="0">
-                        <a:latin typeface="Times New Roman" panose="02020603050405020304" pitchFamily="18" charset="0"/>
-                        <a:cs typeface="Times New Roman" panose="02020603050405020304" pitchFamily="18" charset="0"/>
-                      </a:endParaRPr>
-                    </a:p>
-                  </a:txBody>
-                  <a:tcPr marL="68580" marR="68580"/>
-                </a:tc>
-                <a:tc>
-                  <a:txBody>
-                    <a:bodyPr/>
-                    <a:lstStyle/>
-                    <a:p>
-                      <a:r>
-                        <a:rPr lang="en-US" dirty="0">
-                          <a:latin typeface="Times New Roman" panose="02020603050405020304" pitchFamily="18" charset="0"/>
-                          <a:cs typeface="Times New Roman" panose="02020603050405020304" pitchFamily="18" charset="0"/>
-                        </a:rPr>
-                        <a:t>Usefulness of Functional MRI Textures in the Evaluation of Renal Function, </a:t>
-                      </a:r>
-                      <a:r>
-                        <a:rPr lang="en-US" dirty="0" err="1">
-                          <a:latin typeface="Times New Roman" panose="02020603050405020304" pitchFamily="18" charset="0"/>
-                          <a:cs typeface="Times New Roman" panose="02020603050405020304" pitchFamily="18" charset="0"/>
-                        </a:rPr>
-                        <a:t>Israa</a:t>
-                      </a:r>
-                      <a:r>
-                        <a:rPr lang="en-US" dirty="0">
-                          <a:latin typeface="Times New Roman" panose="02020603050405020304" pitchFamily="18" charset="0"/>
-                          <a:cs typeface="Times New Roman" panose="02020603050405020304" pitchFamily="18" charset="0"/>
-                        </a:rPr>
-                        <a:t> Alnazer,2021</a:t>
-                      </a:r>
-                    </a:p>
-                  </a:txBody>
-                  <a:tcPr marL="68580" marR="68580"/>
-                </a:tc>
-                <a:tc>
-                  <a:txBody>
-                    <a:bodyPr/>
-                    <a:lstStyle/>
-                    <a:p>
-                      <a:r>
-                        <a:rPr lang="en-US" dirty="0">
-                          <a:latin typeface="Times New Roman" panose="02020603050405020304" pitchFamily="18" charset="0"/>
-                          <a:cs typeface="Times New Roman" panose="02020603050405020304" pitchFamily="18" charset="0"/>
-                        </a:rPr>
-                        <a:t>This work aims to evaluate the role of textures extracted from functional magnetic resonance imaging in renal dysfunction detection by differentiating healthy and chronic kidney disease patients.</a:t>
-                      </a:r>
-                      <a:endParaRPr lang="en-IN" dirty="0">
-                        <a:latin typeface="Times New Roman" panose="02020603050405020304" pitchFamily="18" charset="0"/>
-                        <a:cs typeface="Times New Roman" panose="02020603050405020304" pitchFamily="18" charset="0"/>
-                      </a:endParaRPr>
-                    </a:p>
-                  </a:txBody>
-                  <a:tcPr marL="68580" marR="68580"/>
-                </a:tc>
-                <a:tc>
-                  <a:txBody>
-                    <a:bodyPr/>
-                    <a:lstStyle/>
-                    <a:p>
-                      <a:r>
-                        <a:rPr lang="en-US" dirty="0">
-                          <a:latin typeface="Times New Roman" panose="02020603050405020304" pitchFamily="18" charset="0"/>
-                          <a:cs typeface="Times New Roman" panose="02020603050405020304" pitchFamily="18" charset="0"/>
-                        </a:rPr>
-                        <a:t>Principal component analysis projection is applied to eliminate irrelevant features and compact the dataset.</a:t>
-                      </a:r>
-                      <a:endParaRPr lang="en-IN" dirty="0">
-                        <a:latin typeface="Times New Roman" panose="02020603050405020304" pitchFamily="18" charset="0"/>
-                        <a:cs typeface="Times New Roman" panose="02020603050405020304" pitchFamily="18" charset="0"/>
-                      </a:endParaRPr>
-                    </a:p>
-                  </a:txBody>
-                  <a:tcPr marL="68580" marR="68580"/>
-                </a:tc>
-                <a:tc>
-                  <a:txBody>
-                    <a:bodyPr/>
-                    <a:lstStyle/>
-                    <a:p>
-                      <a:r>
-                        <a:rPr lang="en-US" dirty="0">
-                          <a:latin typeface="Times New Roman" panose="02020603050405020304" pitchFamily="18" charset="0"/>
-                          <a:cs typeface="Times New Roman" panose="02020603050405020304" pitchFamily="18" charset="0"/>
-                        </a:rPr>
-                        <a:t>CKD MRI Dataset</a:t>
-                      </a:r>
-                      <a:endParaRPr lang="en-IN" dirty="0">
-                        <a:latin typeface="Times New Roman" panose="02020603050405020304" pitchFamily="18" charset="0"/>
-                        <a:cs typeface="Times New Roman" panose="02020603050405020304" pitchFamily="18" charset="0"/>
-                      </a:endParaRPr>
-                    </a:p>
-                  </a:txBody>
-                  <a:tcPr marL="68580" marR="68580"/>
-                </a:tc>
-                <a:tc>
-                  <a:txBody>
-                    <a:bodyPr/>
-                    <a:lstStyle/>
-                    <a:p>
-                      <a:r>
-                        <a:rPr lang="en-US" dirty="0">
-                          <a:latin typeface="Times New Roman" panose="02020603050405020304" pitchFamily="18" charset="0"/>
-                          <a:cs typeface="Times New Roman" panose="02020603050405020304" pitchFamily="18" charset="0"/>
-                        </a:rPr>
-                        <a:t>chronic kidney disease affects texture parameters significantly.</a:t>
-                      </a:r>
-                      <a:endParaRPr lang="en-IN" dirty="0">
-                        <a:latin typeface="Times New Roman" panose="02020603050405020304" pitchFamily="18" charset="0"/>
-                        <a:cs typeface="Times New Roman" panose="02020603050405020304" pitchFamily="18" charset="0"/>
-                      </a:endParaRPr>
-                    </a:p>
-                  </a:txBody>
-                  <a:tcPr marL="68580" marR="68580"/>
-                </a:tc>
-                <a:tc>
-                  <a:txBody>
-                    <a:bodyPr/>
-                    <a:lstStyle/>
-                    <a:p>
-                      <a:r>
-                        <a:rPr lang="en-IN" dirty="0">
-                          <a:latin typeface="Times New Roman" panose="02020603050405020304" pitchFamily="18" charset="0"/>
-                          <a:cs typeface="Times New Roman" panose="02020603050405020304" pitchFamily="18" charset="0"/>
-                        </a:rPr>
-                        <a:t>https://ieeexplore.ieee.org/document/9604879</a:t>
-                      </a:r>
-                    </a:p>
-                  </a:txBody>
-                  <a:tcPr marL="68580" marR="68580"/>
-                </a:tc>
-                <a:extLst>
-                  <a:ext uri="{0D108BD9-81ED-4DB2-BD59-A6C34878D82A}">
-                    <a16:rowId xmlns="" xmlns:a16="http://schemas.microsoft.com/office/drawing/2014/main" val="3313132835"/>
-                  </a:ext>
-                </a:extLst>
-              </a:tr>
-              <a:tr h="1166884">
-                <a:tc>
-                  <a:txBody>
-                    <a:bodyPr/>
-                    <a:lstStyle/>
-                    <a:p>
-                      <a:r>
-                        <a:rPr lang="en-US" dirty="0">
-                          <a:latin typeface="Times New Roman" panose="02020603050405020304" pitchFamily="18" charset="0"/>
-                          <a:cs typeface="Times New Roman" panose="02020603050405020304" pitchFamily="18" charset="0"/>
-                        </a:rPr>
-                        <a:t>2. </a:t>
-                      </a:r>
-                      <a:endParaRPr lang="en-IN" dirty="0">
-                        <a:latin typeface="Times New Roman" panose="02020603050405020304" pitchFamily="18" charset="0"/>
-                        <a:cs typeface="Times New Roman" panose="02020603050405020304" pitchFamily="18" charset="0"/>
-                      </a:endParaRPr>
-                    </a:p>
-                  </a:txBody>
-                  <a:tcPr marL="68580" marR="68580"/>
-                </a:tc>
-                <a:tc>
-                  <a:txBody>
-                    <a:bodyPr/>
-                    <a:lstStyle/>
-                    <a:p>
-                      <a:r>
-                        <a:rPr lang="en-US" dirty="0">
-                          <a:latin typeface="Times New Roman" panose="02020603050405020304" pitchFamily="18" charset="0"/>
-                          <a:cs typeface="Times New Roman" panose="02020603050405020304" pitchFamily="18" charset="0"/>
-                        </a:rPr>
-                        <a:t>Kidney Segmentation in Renal Magnetic Resonance Imaging - Current Status and Prospects, Frank G. Zöllner,2021.</a:t>
-                      </a:r>
-                      <a:endParaRPr lang="en-IN" dirty="0">
-                        <a:latin typeface="Times New Roman" panose="02020603050405020304" pitchFamily="18" charset="0"/>
-                        <a:cs typeface="Times New Roman" panose="02020603050405020304" pitchFamily="18" charset="0"/>
-                      </a:endParaRPr>
-                    </a:p>
-                  </a:txBody>
-                  <a:tcPr marL="68580" marR="68580"/>
-                </a:tc>
-                <a:tc>
-                  <a:txBody>
-                    <a:bodyPr/>
-                    <a:lstStyle/>
-                    <a:p>
-                      <a:pPr algn="just"/>
-                      <a:r>
-                        <a:rPr lang="en-US" dirty="0">
-                          <a:latin typeface="Times New Roman" panose="02020603050405020304" pitchFamily="18" charset="0"/>
-                          <a:cs typeface="Times New Roman" panose="02020603050405020304" pitchFamily="18" charset="0"/>
-                        </a:rPr>
-                        <a:t>The aim of the present article is to discuss the recent existing literature on renal image segmentation techniques and show today's limitations of the proposed techniques that might hinder clinical translation. </a:t>
-                      </a:r>
-                      <a:endParaRPr lang="en-IN" dirty="0">
-                        <a:latin typeface="Times New Roman" panose="02020603050405020304" pitchFamily="18" charset="0"/>
-                        <a:cs typeface="Times New Roman" panose="02020603050405020304" pitchFamily="18" charset="0"/>
-                      </a:endParaRPr>
-                    </a:p>
-                  </a:txBody>
-                  <a:tcPr marL="68580" marR="68580"/>
-                </a:tc>
-                <a:tc>
-                  <a:txBody>
-                    <a:bodyPr/>
-                    <a:lstStyle/>
-                    <a:p>
-                      <a:r>
-                        <a:rPr lang="en-IN" dirty="0">
-                          <a:latin typeface="Times New Roman" panose="02020603050405020304" pitchFamily="18" charset="0"/>
-                          <a:cs typeface="Times New Roman" panose="02020603050405020304" pitchFamily="18" charset="0"/>
-                        </a:rPr>
-                        <a:t>ROI -  regions of interest</a:t>
-                      </a:r>
-                    </a:p>
-                  </a:txBody>
-                  <a:tcPr marL="68580" marR="68580"/>
-                </a:tc>
-                <a:tc>
-                  <a:txBody>
-                    <a:bodyPr/>
-                    <a:lstStyle/>
-                    <a:p>
-                      <a:pPr algn="just"/>
-                      <a:r>
-                        <a:rPr lang="en-US" dirty="0">
-                          <a:latin typeface="Times New Roman" panose="02020603050405020304" pitchFamily="18" charset="0"/>
-                          <a:cs typeface="Times New Roman" panose="02020603050405020304" pitchFamily="18" charset="0"/>
-                        </a:rPr>
-                        <a:t>In the US, the National Institute of</a:t>
-                      </a:r>
-                    </a:p>
-                    <a:p>
-                      <a:pPr algn="just"/>
-                      <a:r>
-                        <a:rPr lang="en-US" dirty="0">
-                          <a:latin typeface="Times New Roman" panose="02020603050405020304" pitchFamily="18" charset="0"/>
-                          <a:cs typeface="Times New Roman" panose="02020603050405020304" pitchFamily="18" charset="0"/>
-                        </a:rPr>
-                        <a:t>Diabetes and Digestive and Kidney Diseases (NIDDK) has</a:t>
-                      </a:r>
-                    </a:p>
-                    <a:p>
-                      <a:pPr algn="just"/>
-                      <a:r>
-                        <a:rPr lang="en-US" dirty="0">
-                          <a:latin typeface="Times New Roman" panose="02020603050405020304" pitchFamily="18" charset="0"/>
-                          <a:cs typeface="Times New Roman" panose="02020603050405020304" pitchFamily="18" charset="0"/>
-                        </a:rPr>
-                        <a:t>compiled a large database of T1w and T2w MRI images</a:t>
-                      </a:r>
-                      <a:endParaRPr lang="en-IN" dirty="0">
-                        <a:latin typeface="Times New Roman" panose="02020603050405020304" pitchFamily="18" charset="0"/>
-                        <a:cs typeface="Times New Roman" panose="02020603050405020304" pitchFamily="18" charset="0"/>
-                      </a:endParaRPr>
-                    </a:p>
-                  </a:txBody>
-                  <a:tcPr marL="68580" marR="68580"/>
-                </a:tc>
-                <a:tc>
-                  <a:txBody>
-                    <a:bodyPr/>
-                    <a:lstStyle/>
-                    <a:p>
-                      <a:r>
-                        <a:rPr lang="en-US" dirty="0">
-                          <a:latin typeface="Times New Roman" panose="02020603050405020304" pitchFamily="18" charset="0"/>
-                          <a:cs typeface="Times New Roman" panose="02020603050405020304" pitchFamily="18" charset="0"/>
-                        </a:rPr>
-                        <a:t>Improper segmentation.</a:t>
-                      </a:r>
-                      <a:endParaRPr lang="en-IN" dirty="0">
-                        <a:latin typeface="Times New Roman" panose="02020603050405020304" pitchFamily="18" charset="0"/>
-                        <a:cs typeface="Times New Roman" panose="02020603050405020304" pitchFamily="18" charset="0"/>
-                      </a:endParaRPr>
-                    </a:p>
-                  </a:txBody>
-                  <a:tcPr marL="68580" marR="68580"/>
-                </a:tc>
-                <a:tc>
-                  <a:txBody>
-                    <a:bodyPr/>
-                    <a:lstStyle/>
-                    <a:p>
-                      <a:r>
-                        <a:rPr lang="en-IN" dirty="0">
-                          <a:latin typeface="Times New Roman" panose="02020603050405020304" pitchFamily="18" charset="0"/>
-                          <a:cs typeface="Times New Roman" panose="02020603050405020304" pitchFamily="18" charset="0"/>
-                        </a:rPr>
-                        <a:t>https://ieeexplore.ieee.org/document/9427136</a:t>
-                      </a:r>
-                    </a:p>
-                  </a:txBody>
-                  <a:tcPr marL="68580" marR="68580"/>
-                </a:tc>
-                <a:extLst>
-                  <a:ext uri="{0D108BD9-81ED-4DB2-BD59-A6C34878D82A}">
-                    <a16:rowId xmlns="" xmlns:a16="http://schemas.microsoft.com/office/drawing/2014/main" val="3997075702"/>
-                  </a:ext>
-                </a:extLst>
-              </a:tr>
-            </a:tbl>
-          </a:graphicData>
-        </a:graphic>
-      </p:graphicFrame>
+        </p:nvSpPr>
+        <p:spPr/>
+        <p:txBody>
+          <a:bodyPr>
+            <a:normAutofit/>
+          </a:bodyPr>
+          <a:lstStyle/>
+          <a:p>
+            <a:pPr algn="just">
+              <a:buNone/>
+            </a:pPr>
+            <a:r>
+              <a:rPr lang="en-US" sz="2400" b="1" dirty="0">
+                <a:latin typeface="Times New Roman" pitchFamily="18" charset="0"/>
+                <a:cs typeface="Times New Roman" pitchFamily="18" charset="0"/>
+              </a:rPr>
+              <a:t>Naive </a:t>
+            </a:r>
+            <a:r>
+              <a:rPr lang="en-US" sz="2400" b="1" dirty="0" err="1">
+                <a:latin typeface="Times New Roman" pitchFamily="18" charset="0"/>
+                <a:cs typeface="Times New Roman" pitchFamily="18" charset="0"/>
+              </a:rPr>
+              <a:t>Bayes</a:t>
+            </a:r>
+            <a:endParaRPr lang="en-US" sz="2400" dirty="0">
+              <a:latin typeface="Times New Roman" pitchFamily="18" charset="0"/>
+              <a:cs typeface="Times New Roman" pitchFamily="18" charset="0"/>
+            </a:endParaRPr>
+          </a:p>
+          <a:p>
+            <a:pPr algn="just"/>
+            <a:r>
+              <a:rPr lang="en-US" sz="2400" dirty="0">
+                <a:latin typeface="Times New Roman" pitchFamily="18" charset="0"/>
+                <a:cs typeface="Times New Roman" pitchFamily="18" charset="0"/>
+              </a:rPr>
+              <a:t>The Naïve </a:t>
+            </a:r>
+            <a:r>
+              <a:rPr lang="en-US" sz="2400" dirty="0" err="1">
+                <a:latin typeface="Times New Roman" pitchFamily="18" charset="0"/>
+                <a:cs typeface="Times New Roman" pitchFamily="18" charset="0"/>
+              </a:rPr>
+              <a:t>Bayes</a:t>
+            </a:r>
+            <a:r>
+              <a:rPr lang="en-US" sz="2400" dirty="0">
+                <a:latin typeface="Times New Roman" pitchFamily="18" charset="0"/>
+                <a:cs typeface="Times New Roman" pitchFamily="18" charset="0"/>
+              </a:rPr>
+              <a:t> Classifier technique is mainly applicable when the dimensionality of the inputs is high. </a:t>
+            </a:r>
+          </a:p>
+          <a:p>
+            <a:pPr algn="just"/>
+            <a:r>
+              <a:rPr lang="en-US" sz="2400" dirty="0">
+                <a:latin typeface="Times New Roman" pitchFamily="18" charset="0"/>
+                <a:cs typeface="Times New Roman" pitchFamily="18" charset="0"/>
+              </a:rPr>
+              <a:t>Despite its simplicity, Naive Bayes can often out perform more sophisticated classification methods. </a:t>
+            </a:r>
+          </a:p>
+        </p:txBody>
+      </p:sp>
     </p:spTree>
-    <p:extLst>
-      <p:ext uri="{BB962C8B-B14F-4D97-AF65-F5344CB8AC3E}">
-        <p14:creationId xmlns="" xmlns:p14="http://schemas.microsoft.com/office/powerpoint/2010/main" val="1326259327"/>
-      </p:ext>
-    </p:extLst>
   </p:cSld>
   <p:clrMapOvr>
     <a:masterClrMapping/>
@@ -11922,13 +11682,7 @@
       </p:grpSpPr>
       <p:sp>
         <p:nvSpPr>
-          <p:cNvPr id="2" name="Title 1">
-            <a:extLst>
-              <a:ext uri="{FF2B5EF4-FFF2-40B4-BE49-F238E27FC236}">
-                <a16:creationId xmlns="" xmlns:a16="http://schemas.microsoft.com/office/drawing/2014/main" id="{F61ED157-09FD-45AF-99D0-10877808A628}"/>
-              </a:ext>
-            </a:extLst>
-          </p:cNvPr>
+          <p:cNvPr id="2" name="Title 1"/>
           <p:cNvSpPr>
             <a:spLocks noGrp="1"/>
           </p:cNvSpPr>
@@ -11936,635 +11690,105 @@
             <p:ph type="title"/>
           </p:nvPr>
         </p:nvSpPr>
-        <p:spPr>
-          <a:xfrm>
-            <a:off x="628649" y="0"/>
-            <a:ext cx="7886700" cy="559558"/>
-          </a:xfrm>
-        </p:spPr>
+        <p:spPr/>
+        <p:txBody>
+          <a:bodyPr/>
+          <a:lstStyle/>
+          <a:p>
+            <a:r>
+              <a:rPr lang="en-US" b="1" dirty="0"/>
+              <a:t>Disadvantages</a:t>
+            </a:r>
+            <a:endParaRPr lang="en-US" dirty="0"/>
+          </a:p>
+        </p:txBody>
+      </p:sp>
+      <p:sp>
+        <p:nvSpPr>
+          <p:cNvPr id="3" name="Content Placeholder 2"/>
+          <p:cNvSpPr>
+            <a:spLocks noGrp="1"/>
+          </p:cNvSpPr>
+          <p:nvPr>
+            <p:ph idx="1"/>
+          </p:nvPr>
+        </p:nvSpPr>
+        <p:spPr/>
         <p:txBody>
           <a:bodyPr>
-            <a:normAutofit fontScale="90000"/>
+            <a:normAutofit/>
           </a:bodyPr>
           <a:lstStyle/>
           <a:p>
-            <a:pPr algn="ctr"/>
-            <a:r>
-              <a:rPr lang="en-US" sz="4000" b="1" dirty="0">
-                <a:latin typeface="Times New Roman" panose="02020603050405020304" pitchFamily="18" charset="0"/>
-                <a:cs typeface="Times New Roman" panose="02020603050405020304" pitchFamily="18" charset="0"/>
+            <a:pPr lvl="0" algn="just">
+              <a:lnSpc>
+                <a:spcPct val="150000"/>
+              </a:lnSpc>
+            </a:pPr>
+            <a:r>
+              <a:rPr lang="en-US" sz="2400" dirty="0">
+                <a:latin typeface="Times New Roman" pitchFamily="18" charset="0"/>
+                <a:cs typeface="Times New Roman" pitchFamily="18" charset="0"/>
               </a:rPr>
-              <a:t>Literature Survey</a:t>
-            </a:r>
-            <a:endParaRPr lang="en-IN" sz="4000" b="1" dirty="0">
-              <a:latin typeface="Times New Roman" panose="02020603050405020304" pitchFamily="18" charset="0"/>
-              <a:cs typeface="Times New Roman" panose="02020603050405020304" pitchFamily="18" charset="0"/>
+              <a:t>One algorithm may work well on a specific dataset while it cannot show a good performance on some others. </a:t>
+            </a:r>
+          </a:p>
+          <a:p>
+            <a:pPr lvl="0" algn="just">
+              <a:lnSpc>
+                <a:spcPct val="150000"/>
+              </a:lnSpc>
+            </a:pPr>
+            <a:r>
+              <a:rPr lang="en-US" sz="2400" dirty="0">
+                <a:latin typeface="Times New Roman" pitchFamily="18" charset="0"/>
+                <a:cs typeface="Times New Roman" pitchFamily="18" charset="0"/>
+              </a:rPr>
+              <a:t>So, selecting a suitable algorithm for a specific dataset is a big challenge in bioinformatics.</a:t>
+            </a:r>
+          </a:p>
+          <a:p>
+            <a:pPr lvl="0" algn="just">
+              <a:lnSpc>
+                <a:spcPct val="150000"/>
+              </a:lnSpc>
+            </a:pPr>
+            <a:r>
+              <a:rPr lang="en-US" sz="2400" dirty="0">
+                <a:latin typeface="Times New Roman" pitchFamily="18" charset="0"/>
+                <a:cs typeface="Times New Roman" pitchFamily="18" charset="0"/>
+              </a:rPr>
+              <a:t>Consequently, selecting good feature selection or classification algorithms is also a big challenge in this field.</a:t>
+            </a:r>
+          </a:p>
+          <a:p>
+            <a:pPr lvl="0" algn="just">
+              <a:lnSpc>
+                <a:spcPct val="150000"/>
+              </a:lnSpc>
+            </a:pPr>
+            <a:r>
+              <a:rPr lang="en-US" sz="2400" dirty="0">
+                <a:latin typeface="Times New Roman" pitchFamily="18" charset="0"/>
+                <a:cs typeface="Times New Roman" pitchFamily="18" charset="0"/>
+              </a:rPr>
+              <a:t>The  classification performance is slightly worst.</a:t>
+            </a:r>
+          </a:p>
+          <a:p>
+            <a:pPr algn="just">
+              <a:lnSpc>
+                <a:spcPct val="150000"/>
+              </a:lnSpc>
+            </a:pPr>
+            <a:endParaRPr lang="en-US" sz="2400" dirty="0">
+              <a:latin typeface="Times New Roman" pitchFamily="18" charset="0"/>
+              <a:cs typeface="Times New Roman" pitchFamily="18" charset="0"/>
             </a:endParaRPr>
           </a:p>
         </p:txBody>
       </p:sp>
-      <p:graphicFrame>
-        <p:nvGraphicFramePr>
-          <p:cNvPr id="4" name="Table 4">
-            <a:extLst>
-              <a:ext uri="{FF2B5EF4-FFF2-40B4-BE49-F238E27FC236}">
-                <a16:creationId xmlns="" xmlns:a16="http://schemas.microsoft.com/office/drawing/2014/main" id="{94EBF70E-F359-4A77-8FC1-FF1DD20A80B8}"/>
-              </a:ext>
-            </a:extLst>
-          </p:cNvPr>
-          <p:cNvGraphicFramePr>
-            <a:graphicFrameLocks noGrp="1"/>
-          </p:cNvGraphicFramePr>
-          <p:nvPr>
-            <p:extLst>
-              <p:ext uri="{D42A27DB-BD31-4B8C-83A1-F6EECF244321}">
-                <p14:modId xmlns="" xmlns:p14="http://schemas.microsoft.com/office/powerpoint/2010/main" val="3844780091"/>
-              </p:ext>
-            </p:extLst>
-          </p:nvPr>
-        </p:nvGraphicFramePr>
-        <p:xfrm>
-          <a:off x="129085" y="559558"/>
-          <a:ext cx="8885830" cy="8778240"/>
-        </p:xfrm>
-        <a:graphic>
-          <a:graphicData uri="http://schemas.openxmlformats.org/drawingml/2006/table">
-            <a:tbl>
-              <a:tblPr firstRow="1" bandRow="1">
-                <a:tableStyleId>{5C22544A-7EE6-4342-B048-85BDC9FD1C3A}</a:tableStyleId>
-              </a:tblPr>
-              <a:tblGrid>
-                <a:gridCol w="362235">
-                  <a:extLst>
-                    <a:ext uri="{9D8B030D-6E8A-4147-A177-3AD203B41FA5}">
-                      <a16:colId xmlns="" xmlns:a16="http://schemas.microsoft.com/office/drawing/2014/main" val="3702754956"/>
-                    </a:ext>
-                  </a:extLst>
-                </a:gridCol>
-                <a:gridCol w="1566080">
-                  <a:extLst>
-                    <a:ext uri="{9D8B030D-6E8A-4147-A177-3AD203B41FA5}">
-                      <a16:colId xmlns="" xmlns:a16="http://schemas.microsoft.com/office/drawing/2014/main" val="1382000786"/>
-                    </a:ext>
-                  </a:extLst>
-                </a:gridCol>
-                <a:gridCol w="1678675">
-                  <a:extLst>
-                    <a:ext uri="{9D8B030D-6E8A-4147-A177-3AD203B41FA5}">
-                      <a16:colId xmlns="" xmlns:a16="http://schemas.microsoft.com/office/drawing/2014/main" val="1039511687"/>
-                    </a:ext>
-                  </a:extLst>
-                </a:gridCol>
-                <a:gridCol w="1064525">
-                  <a:extLst>
-                    <a:ext uri="{9D8B030D-6E8A-4147-A177-3AD203B41FA5}">
-                      <a16:colId xmlns="" xmlns:a16="http://schemas.microsoft.com/office/drawing/2014/main" val="3781313462"/>
-                    </a:ext>
-                  </a:extLst>
-                </a:gridCol>
-                <a:gridCol w="1842448">
-                  <a:extLst>
-                    <a:ext uri="{9D8B030D-6E8A-4147-A177-3AD203B41FA5}">
-                      <a16:colId xmlns="" xmlns:a16="http://schemas.microsoft.com/office/drawing/2014/main" val="2044445065"/>
-                    </a:ext>
-                  </a:extLst>
-                </a:gridCol>
-                <a:gridCol w="1238534">
-                  <a:extLst>
-                    <a:ext uri="{9D8B030D-6E8A-4147-A177-3AD203B41FA5}">
-                      <a16:colId xmlns="" xmlns:a16="http://schemas.microsoft.com/office/drawing/2014/main" val="362676574"/>
-                    </a:ext>
-                  </a:extLst>
-                </a:gridCol>
-                <a:gridCol w="1133333">
-                  <a:extLst>
-                    <a:ext uri="{9D8B030D-6E8A-4147-A177-3AD203B41FA5}">
-                      <a16:colId xmlns="" xmlns:a16="http://schemas.microsoft.com/office/drawing/2014/main" val="962441384"/>
-                    </a:ext>
-                  </a:extLst>
-                </a:gridCol>
-              </a:tblGrid>
-              <a:tr h="655093">
-                <a:tc>
-                  <a:txBody>
-                    <a:bodyPr/>
-                    <a:lstStyle/>
-                    <a:p>
-                      <a:pPr algn="ctr"/>
-                      <a:r>
-                        <a:rPr lang="en-US" dirty="0">
-                          <a:latin typeface="Times New Roman" panose="02020603050405020304" pitchFamily="18" charset="0"/>
-                          <a:cs typeface="Times New Roman" panose="02020603050405020304" pitchFamily="18" charset="0"/>
-                        </a:rPr>
-                        <a:t>No</a:t>
-                      </a:r>
-                      <a:endParaRPr lang="en-IN" dirty="0">
-                        <a:latin typeface="Times New Roman" panose="02020603050405020304" pitchFamily="18" charset="0"/>
-                        <a:cs typeface="Times New Roman" panose="02020603050405020304" pitchFamily="18" charset="0"/>
-                      </a:endParaRPr>
-                    </a:p>
-                  </a:txBody>
-                  <a:tcPr marL="68580" marR="68580"/>
-                </a:tc>
-                <a:tc>
-                  <a:txBody>
-                    <a:bodyPr/>
-                    <a:lstStyle/>
-                    <a:p>
-                      <a:pPr algn="ctr"/>
-                      <a:r>
-                        <a:rPr lang="en-US" dirty="0">
-                          <a:latin typeface="Times New Roman" panose="02020603050405020304" pitchFamily="18" charset="0"/>
-                          <a:cs typeface="Times New Roman" panose="02020603050405020304" pitchFamily="18" charset="0"/>
-                        </a:rPr>
-                        <a:t>Title, Author &amp; Year</a:t>
-                      </a:r>
-                      <a:endParaRPr lang="en-IN" dirty="0">
-                        <a:latin typeface="Times New Roman" panose="02020603050405020304" pitchFamily="18" charset="0"/>
-                        <a:cs typeface="Times New Roman" panose="02020603050405020304" pitchFamily="18" charset="0"/>
-                      </a:endParaRPr>
-                    </a:p>
-                  </a:txBody>
-                  <a:tcPr marL="68580" marR="68580"/>
-                </a:tc>
-                <a:tc>
-                  <a:txBody>
-                    <a:bodyPr/>
-                    <a:lstStyle/>
-                    <a:p>
-                      <a:pPr algn="ctr"/>
-                      <a:r>
-                        <a:rPr lang="en-US" dirty="0">
-                          <a:latin typeface="Times New Roman" panose="02020603050405020304" pitchFamily="18" charset="0"/>
-                          <a:cs typeface="Times New Roman" panose="02020603050405020304" pitchFamily="18" charset="0"/>
-                        </a:rPr>
-                        <a:t>Objective</a:t>
-                      </a:r>
-                      <a:endParaRPr lang="en-IN" dirty="0">
-                        <a:latin typeface="Times New Roman" panose="02020603050405020304" pitchFamily="18" charset="0"/>
-                        <a:cs typeface="Times New Roman" panose="02020603050405020304" pitchFamily="18" charset="0"/>
-                      </a:endParaRPr>
-                    </a:p>
-                  </a:txBody>
-                  <a:tcPr marL="68580" marR="68580"/>
-                </a:tc>
-                <a:tc>
-                  <a:txBody>
-                    <a:bodyPr/>
-                    <a:lstStyle/>
-                    <a:p>
-                      <a:pPr algn="ctr"/>
-                      <a:r>
-                        <a:rPr lang="en-US" dirty="0">
-                          <a:latin typeface="Times New Roman" panose="02020603050405020304" pitchFamily="18" charset="0"/>
-                          <a:cs typeface="Times New Roman" panose="02020603050405020304" pitchFamily="18" charset="0"/>
-                        </a:rPr>
-                        <a:t>Algorithms/Techniques</a:t>
-                      </a:r>
-                      <a:endParaRPr lang="en-IN" dirty="0">
-                        <a:latin typeface="Times New Roman" panose="02020603050405020304" pitchFamily="18" charset="0"/>
-                        <a:cs typeface="Times New Roman" panose="02020603050405020304" pitchFamily="18" charset="0"/>
-                      </a:endParaRPr>
-                    </a:p>
-                  </a:txBody>
-                  <a:tcPr marL="68580" marR="68580"/>
-                </a:tc>
-                <a:tc>
-                  <a:txBody>
-                    <a:bodyPr/>
-                    <a:lstStyle/>
-                    <a:p>
-                      <a:pPr algn="ctr"/>
-                      <a:r>
-                        <a:rPr lang="en-US" dirty="0">
-                          <a:latin typeface="Times New Roman" panose="02020603050405020304" pitchFamily="18" charset="0"/>
-                          <a:cs typeface="Times New Roman" panose="02020603050405020304" pitchFamily="18" charset="0"/>
-                        </a:rPr>
-                        <a:t>Dataset</a:t>
-                      </a:r>
-                      <a:endParaRPr lang="en-IN" dirty="0">
-                        <a:latin typeface="Times New Roman" panose="02020603050405020304" pitchFamily="18" charset="0"/>
-                        <a:cs typeface="Times New Roman" panose="02020603050405020304" pitchFamily="18" charset="0"/>
-                      </a:endParaRPr>
-                    </a:p>
-                  </a:txBody>
-                  <a:tcPr marL="68580" marR="68580"/>
-                </a:tc>
-                <a:tc>
-                  <a:txBody>
-                    <a:bodyPr/>
-                    <a:lstStyle/>
-                    <a:p>
-                      <a:pPr algn="ctr"/>
-                      <a:r>
-                        <a:rPr lang="en-US" dirty="0">
-                          <a:latin typeface="Times New Roman" panose="02020603050405020304" pitchFamily="18" charset="0"/>
-                          <a:cs typeface="Times New Roman" panose="02020603050405020304" pitchFamily="18" charset="0"/>
-                        </a:rPr>
-                        <a:t>Findings</a:t>
-                      </a:r>
-                      <a:endParaRPr lang="en-IN" dirty="0">
-                        <a:latin typeface="Times New Roman" panose="02020603050405020304" pitchFamily="18" charset="0"/>
-                        <a:cs typeface="Times New Roman" panose="02020603050405020304" pitchFamily="18" charset="0"/>
-                      </a:endParaRPr>
-                    </a:p>
-                  </a:txBody>
-                  <a:tcPr marL="68580" marR="68580"/>
-                </a:tc>
-                <a:tc>
-                  <a:txBody>
-                    <a:bodyPr/>
-                    <a:lstStyle/>
-                    <a:p>
-                      <a:pPr algn="ctr"/>
-                      <a:r>
-                        <a:rPr lang="en-US" dirty="0">
-                          <a:latin typeface="Times New Roman" panose="02020603050405020304" pitchFamily="18" charset="0"/>
-                          <a:cs typeface="Times New Roman" panose="02020603050405020304" pitchFamily="18" charset="0"/>
-                        </a:rPr>
-                        <a:t>Doi</a:t>
-                      </a:r>
-                      <a:endParaRPr lang="en-IN" dirty="0">
-                        <a:latin typeface="Times New Roman" panose="02020603050405020304" pitchFamily="18" charset="0"/>
-                        <a:cs typeface="Times New Roman" panose="02020603050405020304" pitchFamily="18" charset="0"/>
-                      </a:endParaRPr>
-                    </a:p>
-                  </a:txBody>
-                  <a:tcPr marL="68580" marR="68580"/>
-                </a:tc>
-                <a:extLst>
-                  <a:ext uri="{0D108BD9-81ED-4DB2-BD59-A6C34878D82A}">
-                    <a16:rowId xmlns="" xmlns:a16="http://schemas.microsoft.com/office/drawing/2014/main" val="4016232433"/>
-                  </a:ext>
-                </a:extLst>
-              </a:tr>
-              <a:tr h="827052">
-                <a:tc>
-                  <a:txBody>
-                    <a:bodyPr/>
-                    <a:lstStyle/>
-                    <a:p>
-                      <a:r>
-                        <a:rPr lang="en-US" dirty="0">
-                          <a:latin typeface="Times New Roman" panose="02020603050405020304" pitchFamily="18" charset="0"/>
-                          <a:cs typeface="Times New Roman" panose="02020603050405020304" pitchFamily="18" charset="0"/>
-                        </a:rPr>
-                        <a:t>3</a:t>
-                      </a:r>
-                      <a:endParaRPr lang="en-IN" dirty="0">
-                        <a:latin typeface="Times New Roman" panose="02020603050405020304" pitchFamily="18" charset="0"/>
-                        <a:cs typeface="Times New Roman" panose="02020603050405020304" pitchFamily="18" charset="0"/>
-                      </a:endParaRPr>
-                    </a:p>
-                  </a:txBody>
-                  <a:tcPr marL="68580" marR="68580"/>
-                </a:tc>
-                <a:tc>
-                  <a:txBody>
-                    <a:bodyPr/>
-                    <a:lstStyle/>
-                    <a:p>
-                      <a:r>
-                        <a:rPr lang="en-US" dirty="0">
-                          <a:latin typeface="Times New Roman" panose="02020603050405020304" pitchFamily="18" charset="0"/>
-                          <a:cs typeface="Times New Roman" panose="02020603050405020304" pitchFamily="18" charset="0"/>
-                        </a:rPr>
-                        <a:t>Cascaded Regression Neural Nets for Kidney Localization and Segmentation-free Volume Estimation, Mohammad Arafat Hussain,2021</a:t>
-                      </a:r>
-                    </a:p>
-                  </a:txBody>
-                  <a:tcPr marL="68580" marR="68580"/>
-                </a:tc>
-                <a:tc>
-                  <a:txBody>
-                    <a:bodyPr/>
-                    <a:lstStyle/>
-                    <a:p>
-                      <a:r>
-                        <a:rPr lang="en-US" dirty="0">
-                          <a:latin typeface="Times New Roman" panose="02020603050405020304" pitchFamily="18" charset="0"/>
-                          <a:cs typeface="Times New Roman" panose="02020603050405020304" pitchFamily="18" charset="0"/>
-                        </a:rPr>
-                        <a:t>This paper proposes an integrated deep learning approach for (</a:t>
-                      </a:r>
-                      <a:r>
-                        <a:rPr lang="en-US" dirty="0" err="1">
-                          <a:latin typeface="Times New Roman" panose="02020603050405020304" pitchFamily="18" charset="0"/>
-                          <a:cs typeface="Times New Roman" panose="02020603050405020304" pitchFamily="18" charset="0"/>
-                        </a:rPr>
-                        <a:t>i</a:t>
-                      </a:r>
-                      <a:r>
-                        <a:rPr lang="en-US" dirty="0">
-                          <a:latin typeface="Times New Roman" panose="02020603050405020304" pitchFamily="18" charset="0"/>
-                          <a:cs typeface="Times New Roman" panose="02020603050405020304" pitchFamily="18" charset="0"/>
-                        </a:rPr>
-                        <a:t>) kidney localization in computed tomography scans and (ii) segmentation-free renal volume estimation. </a:t>
-                      </a:r>
-                      <a:endParaRPr lang="en-IN" dirty="0">
-                        <a:latin typeface="Times New Roman" panose="02020603050405020304" pitchFamily="18" charset="0"/>
-                        <a:cs typeface="Times New Roman" panose="02020603050405020304" pitchFamily="18" charset="0"/>
-                      </a:endParaRPr>
-                    </a:p>
-                  </a:txBody>
-                  <a:tcPr marL="68580" marR="68580"/>
-                </a:tc>
-                <a:tc>
-                  <a:txBody>
-                    <a:bodyPr/>
-                    <a:lstStyle/>
-                    <a:p>
-                      <a:r>
-                        <a:rPr lang="en-IN" dirty="0">
-                          <a:latin typeface="Times New Roman" panose="02020603050405020304" pitchFamily="18" charset="0"/>
-                          <a:cs typeface="Times New Roman" panose="02020603050405020304" pitchFamily="18" charset="0"/>
-                        </a:rPr>
-                        <a:t>sagittal-axial Mask-RCNN</a:t>
-                      </a:r>
-                    </a:p>
-                  </a:txBody>
-                  <a:tcPr marL="68580" marR="68580"/>
-                </a:tc>
-                <a:tc>
-                  <a:txBody>
-                    <a:bodyPr/>
-                    <a:lstStyle/>
-                    <a:p>
-                      <a:r>
-                        <a:rPr lang="en-US" dirty="0">
-                          <a:latin typeface="Times New Roman" panose="02020603050405020304" pitchFamily="18" charset="0"/>
-                          <a:cs typeface="Times New Roman" panose="02020603050405020304" pitchFamily="18" charset="0"/>
-                        </a:rPr>
-                        <a:t>100 patients' CT scans from the Vancouver General Hospital records and obtained 210 patients' CT scans from the 2019 Kidney Tumor Segmentation Challenge </a:t>
-                      </a:r>
-                      <a:endParaRPr lang="en-IN" dirty="0">
-                        <a:latin typeface="Times New Roman" panose="02020603050405020304" pitchFamily="18" charset="0"/>
-                        <a:cs typeface="Times New Roman" panose="02020603050405020304" pitchFamily="18" charset="0"/>
-                      </a:endParaRPr>
-                    </a:p>
-                  </a:txBody>
-                  <a:tcPr marL="68580" marR="68580"/>
-                </a:tc>
-                <a:tc>
-                  <a:txBody>
-                    <a:bodyPr/>
-                    <a:lstStyle/>
-                    <a:p>
-                      <a:r>
-                        <a:rPr lang="en-US" dirty="0">
-                          <a:latin typeface="Times New Roman" panose="02020603050405020304" pitchFamily="18" charset="0"/>
-                          <a:cs typeface="Times New Roman" panose="02020603050405020304" pitchFamily="18" charset="0"/>
-                        </a:rPr>
-                        <a:t>proposed kidney localization approach would further</a:t>
-                      </a:r>
-                    </a:p>
-                    <a:p>
-                      <a:r>
-                        <a:rPr lang="en-US" dirty="0">
-                          <a:latin typeface="Times New Roman" panose="02020603050405020304" pitchFamily="18" charset="0"/>
-                          <a:cs typeface="Times New Roman" panose="02020603050405020304" pitchFamily="18" charset="0"/>
-                        </a:rPr>
-                        <a:t>contribute to improve the outcomes</a:t>
-                      </a:r>
-                      <a:endParaRPr lang="en-IN" dirty="0">
-                        <a:latin typeface="Times New Roman" panose="02020603050405020304" pitchFamily="18" charset="0"/>
-                        <a:cs typeface="Times New Roman" panose="02020603050405020304" pitchFamily="18" charset="0"/>
-                      </a:endParaRPr>
-                    </a:p>
-                  </a:txBody>
-                  <a:tcPr marL="68580" marR="68580"/>
-                </a:tc>
-                <a:tc>
-                  <a:txBody>
-                    <a:bodyPr/>
-                    <a:lstStyle/>
-                    <a:p>
-                      <a:r>
-                        <a:rPr lang="en-IN" dirty="0">
-                          <a:latin typeface="Times New Roman" panose="02020603050405020304" pitchFamily="18" charset="0"/>
-                          <a:cs typeface="Times New Roman" panose="02020603050405020304" pitchFamily="18" charset="0"/>
-                        </a:rPr>
-                        <a:t>https://ieeexplore.ieee.org/document/9358223</a:t>
-                      </a:r>
-                    </a:p>
-                  </a:txBody>
-                  <a:tcPr marL="68580" marR="68580"/>
-                </a:tc>
-                <a:extLst>
-                  <a:ext uri="{0D108BD9-81ED-4DB2-BD59-A6C34878D82A}">
-                    <a16:rowId xmlns="" xmlns:a16="http://schemas.microsoft.com/office/drawing/2014/main" val="3313132835"/>
-                  </a:ext>
-                </a:extLst>
-              </a:tr>
-              <a:tr h="1166884">
-                <a:tc>
-                  <a:txBody>
-                    <a:bodyPr/>
-                    <a:lstStyle/>
-                    <a:p>
-                      <a:r>
-                        <a:rPr lang="en-US" dirty="0">
-                          <a:latin typeface="Times New Roman" panose="02020603050405020304" pitchFamily="18" charset="0"/>
-                          <a:cs typeface="Times New Roman" panose="02020603050405020304" pitchFamily="18" charset="0"/>
-                        </a:rPr>
-                        <a:t>4 </a:t>
-                      </a:r>
-                      <a:endParaRPr lang="en-IN" dirty="0">
-                        <a:latin typeface="Times New Roman" panose="02020603050405020304" pitchFamily="18" charset="0"/>
-                        <a:cs typeface="Times New Roman" panose="02020603050405020304" pitchFamily="18" charset="0"/>
-                      </a:endParaRPr>
-                    </a:p>
-                  </a:txBody>
-                  <a:tcPr marL="68580" marR="68580"/>
-                </a:tc>
-                <a:tc>
-                  <a:txBody>
-                    <a:bodyPr/>
-                    <a:lstStyle/>
-                    <a:p>
-                      <a:r>
-                        <a:rPr lang="en-US" dirty="0">
-                          <a:latin typeface="Times New Roman" panose="02020603050405020304" pitchFamily="18" charset="0"/>
-                          <a:cs typeface="Times New Roman" panose="02020603050405020304" pitchFamily="18" charset="0"/>
-                        </a:rPr>
-                        <a:t>Correlation-Guided Network for Fine-Grained Classification of Glomerular lesions in Kidney Histopathology Images, </a:t>
-                      </a:r>
-                      <a:r>
-                        <a:rPr lang="en-US" dirty="0" err="1">
-                          <a:latin typeface="Times New Roman" panose="02020603050405020304" pitchFamily="18" charset="0"/>
-                          <a:cs typeface="Times New Roman" panose="02020603050405020304" pitchFamily="18" charset="0"/>
-                        </a:rPr>
-                        <a:t>Fengyi</a:t>
-                      </a:r>
-                      <a:r>
-                        <a:rPr lang="en-US" dirty="0">
-                          <a:latin typeface="Times New Roman" panose="02020603050405020304" pitchFamily="18" charset="0"/>
-                          <a:cs typeface="Times New Roman" panose="02020603050405020304" pitchFamily="18" charset="0"/>
-                        </a:rPr>
-                        <a:t> Li</a:t>
-                      </a:r>
-                      <a:r>
-                        <a:rPr lang="en-IN" dirty="0" smtClean="0">
-                          <a:latin typeface="Times New Roman" panose="02020603050405020304" pitchFamily="18" charset="0"/>
-                          <a:cs typeface="Times New Roman" panose="02020603050405020304" pitchFamily="18" charset="0"/>
-                        </a:rPr>
-                        <a:t>,2021.</a:t>
-                      </a:r>
-                      <a:endParaRPr lang="en-US" dirty="0">
-                        <a:latin typeface="Times New Roman" panose="02020603050405020304" pitchFamily="18" charset="0"/>
-                        <a:cs typeface="Times New Roman" panose="02020603050405020304" pitchFamily="18" charset="0"/>
-                      </a:endParaRPr>
-                    </a:p>
-                  </a:txBody>
-                  <a:tcPr marL="68580" marR="68580"/>
-                </a:tc>
-                <a:tc>
-                  <a:txBody>
-                    <a:bodyPr/>
-                    <a:lstStyle/>
-                    <a:p>
-                      <a:pPr algn="just"/>
-                      <a:r>
-                        <a:rPr lang="en-US" dirty="0">
-                          <a:latin typeface="Times New Roman" panose="02020603050405020304" pitchFamily="18" charset="0"/>
-                          <a:cs typeface="Times New Roman" panose="02020603050405020304" pitchFamily="18" charset="0"/>
-                        </a:rPr>
-                        <a:t>In this paper, the author propose a novel architecture for fine-grained classification of glomerular lesions in renal pathology images sampling from patients with IgA nephropathy.</a:t>
-                      </a:r>
-                      <a:endParaRPr lang="en-IN" dirty="0">
-                        <a:latin typeface="Times New Roman" panose="02020603050405020304" pitchFamily="18" charset="0"/>
-                        <a:cs typeface="Times New Roman" panose="02020603050405020304" pitchFamily="18" charset="0"/>
-                      </a:endParaRPr>
-                    </a:p>
-                  </a:txBody>
-                  <a:tcPr marL="68580" marR="68580"/>
-                </a:tc>
-                <a:tc>
-                  <a:txBody>
-                    <a:bodyPr/>
-                    <a:lstStyle/>
-                    <a:p>
-                      <a:r>
-                        <a:rPr lang="en-IN" dirty="0">
-                          <a:latin typeface="Times New Roman" panose="02020603050405020304" pitchFamily="18" charset="0"/>
-                          <a:cs typeface="Times New Roman" panose="02020603050405020304" pitchFamily="18" charset="0"/>
-                        </a:rPr>
-                        <a:t>parallel convolutional neural network</a:t>
-                      </a:r>
-                    </a:p>
-                  </a:txBody>
-                  <a:tcPr marL="68580" marR="68580"/>
-                </a:tc>
-                <a:tc>
-                  <a:txBody>
-                    <a:bodyPr/>
-                    <a:lstStyle/>
-                    <a:p>
-                      <a:pPr algn="just"/>
-                      <a:r>
-                        <a:rPr lang="en-US" dirty="0">
-                          <a:latin typeface="Times New Roman" panose="02020603050405020304" pitchFamily="18" charset="0"/>
-                          <a:cs typeface="Times New Roman" panose="02020603050405020304" pitchFamily="18" charset="0"/>
-                        </a:rPr>
-                        <a:t>A total of 17551 instances</a:t>
-                      </a:r>
-                    </a:p>
-                    <a:p>
-                      <a:pPr algn="just"/>
-                      <a:r>
-                        <a:rPr lang="en-US" dirty="0">
-                          <a:latin typeface="Times New Roman" panose="02020603050405020304" pitchFamily="18" charset="0"/>
-                          <a:cs typeface="Times New Roman" panose="02020603050405020304" pitchFamily="18" charset="0"/>
-                        </a:rPr>
-                        <a:t>were cropped by pathologists, while 16513 of them</a:t>
-                      </a:r>
-                    </a:p>
-                    <a:p>
-                      <a:pPr algn="just"/>
-                      <a:r>
-                        <a:rPr lang="en-US" dirty="0">
-                          <a:latin typeface="Times New Roman" panose="02020603050405020304" pitchFamily="18" charset="0"/>
-                          <a:cs typeface="Times New Roman" panose="02020603050405020304" pitchFamily="18" charset="0"/>
-                        </a:rPr>
-                        <a:t>were used for training and validation, and 1038 for testing. </a:t>
-                      </a:r>
-                    </a:p>
-                    <a:p>
-                      <a:pPr algn="just"/>
-                      <a:endParaRPr lang="en-IN" dirty="0">
-                        <a:latin typeface="Times New Roman" panose="02020603050405020304" pitchFamily="18" charset="0"/>
-                        <a:cs typeface="Times New Roman" panose="02020603050405020304" pitchFamily="18" charset="0"/>
-                      </a:endParaRPr>
-                    </a:p>
-                  </a:txBody>
-                  <a:tcPr marL="68580" marR="68580"/>
-                </a:tc>
-                <a:tc>
-                  <a:txBody>
-                    <a:bodyPr/>
-                    <a:lstStyle/>
-                    <a:p>
-                      <a:r>
-                        <a:rPr lang="en-US" dirty="0">
-                          <a:latin typeface="Times New Roman" panose="02020603050405020304" pitchFamily="18" charset="0"/>
-                          <a:cs typeface="Times New Roman" panose="02020603050405020304" pitchFamily="18" charset="0"/>
-                        </a:rPr>
-                        <a:t>Need to a lighter architecture to deal with the </a:t>
-                      </a:r>
-                      <a:r>
-                        <a:rPr lang="en-US" dirty="0" err="1">
-                          <a:latin typeface="Times New Roman" panose="02020603050405020304" pitchFamily="18" charset="0"/>
-                          <a:cs typeface="Times New Roman" panose="02020603050405020304" pitchFamily="18" charset="0"/>
-                        </a:rPr>
-                        <a:t>finegrained</a:t>
-                      </a:r>
-                      <a:r>
-                        <a:rPr lang="en-US" dirty="0">
-                          <a:latin typeface="Times New Roman" panose="02020603050405020304" pitchFamily="18" charset="0"/>
-                          <a:cs typeface="Times New Roman" panose="02020603050405020304" pitchFamily="18" charset="0"/>
-                        </a:rPr>
-                        <a:t> classification in bio-medical image analysis.</a:t>
-                      </a:r>
-                      <a:endParaRPr lang="en-IN" dirty="0">
-                        <a:latin typeface="Times New Roman" panose="02020603050405020304" pitchFamily="18" charset="0"/>
-                        <a:cs typeface="Times New Roman" panose="02020603050405020304" pitchFamily="18" charset="0"/>
-                      </a:endParaRPr>
-                    </a:p>
-                  </a:txBody>
-                  <a:tcPr marL="68580" marR="68580"/>
-                </a:tc>
-                <a:tc>
-                  <a:txBody>
-                    <a:bodyPr/>
-                    <a:lstStyle/>
-                    <a:p>
-                      <a:r>
-                        <a:rPr lang="en-IN" dirty="0">
-                          <a:latin typeface="Times New Roman" panose="02020603050405020304" pitchFamily="18" charset="0"/>
-                          <a:cs typeface="Times New Roman" panose="02020603050405020304" pitchFamily="18" charset="0"/>
-                        </a:rPr>
-                        <a:t>https://ieeexplore.ieee.org/document/9176234</a:t>
-                      </a:r>
-                    </a:p>
-                  </a:txBody>
-                  <a:tcPr marL="68580" marR="68580"/>
-                </a:tc>
-                <a:extLst>
-                  <a:ext uri="{0D108BD9-81ED-4DB2-BD59-A6C34878D82A}">
-                    <a16:rowId xmlns="" xmlns:a16="http://schemas.microsoft.com/office/drawing/2014/main" val="3997075702"/>
-                  </a:ext>
-                </a:extLst>
-              </a:tr>
-            </a:tbl>
-          </a:graphicData>
-        </a:graphic>
-      </p:graphicFrame>
     </p:spTree>
-    <p:extLst>
-      <p:ext uri="{BB962C8B-B14F-4D97-AF65-F5344CB8AC3E}">
-        <p14:creationId xmlns="" xmlns:p14="http://schemas.microsoft.com/office/powerpoint/2010/main" val="3528988467"/>
-      </p:ext>
-    </p:extLst>
   </p:cSld>
   <p:clrMapOvr>
     <a:masterClrMapping/>
@@ -12601,16 +11825,18 @@
         </p:nvSpPr>
         <p:spPr/>
         <p:txBody>
-          <a:bodyPr/>
+          <a:bodyPr>
+            <a:normAutofit fontScale="90000"/>
+          </a:bodyPr>
           <a:lstStyle/>
           <a:p>
             <a:r>
-              <a:rPr lang="en-US" b="1" dirty="0" smtClean="0">
-                <a:latin typeface="Times New Roman" panose="02020603050405020304" pitchFamily="18" charset="0"/>
-                <a:cs typeface="Times New Roman" panose="02020603050405020304" pitchFamily="18" charset="0"/>
-              </a:rPr>
-              <a:t>Existing System</a:t>
-            </a:r>
+              <a:rPr lang="en-US" b="1" dirty="0"/>
+              <a:t>Proposed System</a:t>
+            </a:r>
+            <a:br>
+              <a:rPr lang="en-US" dirty="0"/>
+            </a:br>
             <a:endParaRPr lang="en-US" dirty="0"/>
           </a:p>
         </p:txBody>
@@ -12625,122 +11851,71 @@
             <p:ph idx="1"/>
           </p:nvPr>
         </p:nvSpPr>
-        <p:spPr/>
+        <p:spPr>
+          <a:xfrm>
+            <a:off x="457200" y="1052736"/>
+            <a:ext cx="8229600" cy="3508442"/>
+          </a:xfrm>
+        </p:spPr>
         <p:txBody>
           <a:bodyPr>
-            <a:normAutofit/>
+            <a:noAutofit/>
           </a:bodyPr>
           <a:lstStyle/>
           <a:p>
             <a:pPr algn="just">
-              <a:buNone/>
+              <a:lnSpc>
+                <a:spcPct val="150000"/>
+              </a:lnSpc>
             </a:pPr>
             <a:r>
-              <a:rPr lang="en-US" sz="2400" b="1" dirty="0">
+              <a:rPr lang="en-US" sz="2000" dirty="0">
                 <a:latin typeface="Times New Roman" pitchFamily="18" charset="0"/>
                 <a:cs typeface="Times New Roman" pitchFamily="18" charset="0"/>
               </a:rPr>
-              <a:t>Naive </a:t>
-            </a:r>
-            <a:r>
-              <a:rPr lang="en-US" sz="2400" b="1" dirty="0" err="1">
+              <a:t>In multi disease model prediction, it is possible to predict more than one disease at a time.</a:t>
+            </a:r>
+          </a:p>
+          <a:p>
+            <a:pPr algn="just">
+              <a:lnSpc>
+                <a:spcPct val="150000"/>
+              </a:lnSpc>
+            </a:pPr>
+            <a:r>
+              <a:rPr lang="en-US" sz="2000" dirty="0">
                 <a:latin typeface="Times New Roman" pitchFamily="18" charset="0"/>
                 <a:cs typeface="Times New Roman" pitchFamily="18" charset="0"/>
               </a:rPr>
-              <a:t>Bayes</a:t>
-            </a:r>
-            <a:endParaRPr lang="en-US" sz="2400" dirty="0">
-              <a:latin typeface="Times New Roman" pitchFamily="18" charset="0"/>
-              <a:cs typeface="Times New Roman" pitchFamily="18" charset="0"/>
-            </a:endParaRPr>
-          </a:p>
-          <a:p>
-            <a:pPr algn="just"/>
-            <a:r>
-              <a:rPr lang="en-US" sz="2400" dirty="0">
+              <a:t> It will reduce time and also due to predicting multiple diseases at a time there is a chance of reducing mortality rate.</a:t>
+            </a:r>
+          </a:p>
+          <a:p>
+            <a:pPr algn="just">
+              <a:lnSpc>
+                <a:spcPct val="150000"/>
+              </a:lnSpc>
+            </a:pPr>
+            <a:r>
+              <a:rPr lang="en-US" sz="2000" dirty="0">
                 <a:latin typeface="Times New Roman" pitchFamily="18" charset="0"/>
                 <a:cs typeface="Times New Roman" pitchFamily="18" charset="0"/>
               </a:rPr>
-              <a:t>The Naïve </a:t>
-            </a:r>
-            <a:r>
-              <a:rPr lang="en-US" sz="2400" dirty="0" err="1">
+              <a:t> The proposed framework employs data mining techniques to detect Chronic diseases early. </a:t>
+            </a:r>
+          </a:p>
+          <a:p>
+            <a:pPr algn="just">
+              <a:lnSpc>
+                <a:spcPct val="150000"/>
+              </a:lnSpc>
+            </a:pPr>
+            <a:r>
+              <a:rPr lang="en-US" sz="2000" dirty="0">
                 <a:latin typeface="Times New Roman" pitchFamily="18" charset="0"/>
                 <a:cs typeface="Times New Roman" pitchFamily="18" charset="0"/>
               </a:rPr>
-              <a:t>Bayes</a:t>
-            </a:r>
-            <a:r>
-              <a:rPr lang="en-US" sz="2400" dirty="0">
-                <a:latin typeface="Times New Roman" pitchFamily="18" charset="0"/>
-                <a:cs typeface="Times New Roman" pitchFamily="18" charset="0"/>
-              </a:rPr>
-              <a:t> Classifier technique is mainly applicable when the dimensionality of the inputs is high. </a:t>
-            </a:r>
-            <a:endParaRPr lang="en-US" sz="2400" dirty="0" smtClean="0">
-              <a:latin typeface="Times New Roman" pitchFamily="18" charset="0"/>
-              <a:cs typeface="Times New Roman" pitchFamily="18" charset="0"/>
-            </a:endParaRPr>
-          </a:p>
-          <a:p>
-            <a:pPr algn="just"/>
-            <a:r>
-              <a:rPr lang="en-US" sz="2400" dirty="0" smtClean="0">
-                <a:latin typeface="Times New Roman" pitchFamily="18" charset="0"/>
-                <a:cs typeface="Times New Roman" pitchFamily="18" charset="0"/>
-              </a:rPr>
-              <a:t>Despite </a:t>
-            </a:r>
-            <a:r>
-              <a:rPr lang="en-US" sz="2400" dirty="0">
-                <a:latin typeface="Times New Roman" pitchFamily="18" charset="0"/>
-                <a:cs typeface="Times New Roman" pitchFamily="18" charset="0"/>
-              </a:rPr>
-              <a:t>its simplicity, Naive </a:t>
-            </a:r>
-            <a:r>
-              <a:rPr lang="en-US" sz="2400" dirty="0" err="1">
-                <a:latin typeface="Times New Roman" pitchFamily="18" charset="0"/>
-                <a:cs typeface="Times New Roman" pitchFamily="18" charset="0"/>
-              </a:rPr>
-              <a:t>Bayes</a:t>
-            </a:r>
-            <a:r>
-              <a:rPr lang="en-US" sz="2400" dirty="0">
-                <a:latin typeface="Times New Roman" pitchFamily="18" charset="0"/>
-                <a:cs typeface="Times New Roman" pitchFamily="18" charset="0"/>
-              </a:rPr>
-              <a:t> can often outperform more sophisticated classification methods. </a:t>
-            </a:r>
-            <a:endParaRPr lang="en-US" sz="2400" dirty="0" smtClean="0">
-              <a:latin typeface="Times New Roman" pitchFamily="18" charset="0"/>
-              <a:cs typeface="Times New Roman" pitchFamily="18" charset="0"/>
-            </a:endParaRPr>
-          </a:p>
-          <a:p>
-            <a:pPr algn="just">
-              <a:buNone/>
-            </a:pPr>
-            <a:r>
-              <a:rPr lang="en-US" sz="2400" b="1" dirty="0">
-                <a:latin typeface="Times New Roman" pitchFamily="18" charset="0"/>
-                <a:cs typeface="Times New Roman" pitchFamily="18" charset="0"/>
-              </a:rPr>
-              <a:t>Active Contour Model (ACM) filter</a:t>
-            </a:r>
-            <a:endParaRPr lang="en-US" sz="2400" dirty="0">
-              <a:latin typeface="Times New Roman" pitchFamily="18" charset="0"/>
-              <a:cs typeface="Times New Roman" pitchFamily="18" charset="0"/>
-            </a:endParaRPr>
-          </a:p>
-          <a:p>
-            <a:pPr algn="just"/>
-            <a:r>
-              <a:rPr lang="en-US" sz="2400" dirty="0">
-                <a:latin typeface="Times New Roman" pitchFamily="18" charset="0"/>
-                <a:cs typeface="Times New Roman" pitchFamily="18" charset="0"/>
-              </a:rPr>
-              <a:t>Active contour models (ACMs) have been widely applied to image segmentation since their introduction.</a:t>
+              <a:t>Training and Testing are the two stages of the machine learning algorithm. </a:t>
             </a:r>
           </a:p>
         </p:txBody>
@@ -12787,7 +11962,7 @@
           <a:p>
             <a:r>
               <a:rPr lang="en-US" b="1" dirty="0"/>
-              <a:t>Disadvantages</a:t>
+              <a:t>Advantages</a:t>
             </a:r>
             <a:endParaRPr lang="en-US" dirty="0"/>
           </a:p>
@@ -12820,7 +11995,7 @@
                 <a:latin typeface="Times New Roman" pitchFamily="18" charset="0"/>
                 <a:cs typeface="Times New Roman" pitchFamily="18" charset="0"/>
               </a:rPr>
-              <a:t>One algorithm may work well on a specific dataset while it cannot show a good performance on some others. </a:t>
+              <a:t>This is a novel method that builds on current research to derive quick and precise diagnostics.</a:t>
             </a:r>
           </a:p>
           <a:p>
@@ -12834,7 +12009,7 @@
                 <a:latin typeface="Times New Roman" pitchFamily="18" charset="0"/>
                 <a:cs typeface="Times New Roman" pitchFamily="18" charset="0"/>
               </a:rPr>
-              <a:t>So, selecting a suitable algorithm for a specific dataset is a big challenge in bioinformatics.</a:t>
+              <a:t>The method significantly outperforms other published research in this area due to its superior accuracy.</a:t>
             </a:r>
           </a:p>
           <a:p>
@@ -12848,7 +12023,7 @@
                 <a:latin typeface="Times New Roman" pitchFamily="18" charset="0"/>
                 <a:cs typeface="Times New Roman" pitchFamily="18" charset="0"/>
               </a:rPr>
-              <a:t>Consequently, selecting good feature selection or classification algorithms is also a big challenge in this field.</a:t>
+              <a:t>intention is to accurately classify the presence of diseases.</a:t>
             </a:r>
           </a:p>
           <a:p>
@@ -12862,7 +12037,7 @@
                 <a:latin typeface="Times New Roman" pitchFamily="18" charset="0"/>
                 <a:cs typeface="Times New Roman" pitchFamily="18" charset="0"/>
               </a:rPr>
-              <a:t>The  classification performance is slightly worst.</a:t>
+              <a:t>It may result in early detection that leads to a decrease in mortality rate.</a:t>
             </a:r>
           </a:p>
           <a:p>
@@ -13167,4 +12342,299 @@
   <a:objectDefaults/>
   <a:extraClrSchemeLst/>
 </a:theme>
+</file>
+
+<file path=ppt/theme/theme2.xml><?xml version="1.0" encoding="utf-8"?>
+<a:theme xmlns:a="http://schemas.openxmlformats.org/drawingml/2006/main" name="Office Theme">
+  <a:themeElements>
+    <a:clrScheme name="Office">
+      <a:dk1>
+        <a:sysClr val="windowText" lastClr="000000"/>
+      </a:dk1>
+      <a:lt1>
+        <a:sysClr val="window" lastClr="FFFFFF"/>
+      </a:lt1>
+      <a:dk2>
+        <a:srgbClr val="44546A"/>
+      </a:dk2>
+      <a:lt2>
+        <a:srgbClr val="E7E6E6"/>
+      </a:lt2>
+      <a:accent1>
+        <a:srgbClr val="4472C4"/>
+      </a:accent1>
+      <a:accent2>
+        <a:srgbClr val="ED7D31"/>
+      </a:accent2>
+      <a:accent3>
+        <a:srgbClr val="A5A5A5"/>
+      </a:accent3>
+      <a:accent4>
+        <a:srgbClr val="FFC000"/>
+      </a:accent4>
+      <a:accent5>
+        <a:srgbClr val="5B9BD5"/>
+      </a:accent5>
+      <a:accent6>
+        <a:srgbClr val="70AD47"/>
+      </a:accent6>
+      <a:hlink>
+        <a:srgbClr val="0563C1"/>
+      </a:hlink>
+      <a:folHlink>
+        <a:srgbClr val="954F72"/>
+      </a:folHlink>
+    </a:clrScheme>
+    <a:fontScheme name="Office">
+      <a:majorFont>
+        <a:latin typeface="Calibri Light" panose="020F0302020204030204"/>
+        <a:ea typeface=""/>
+        <a:cs typeface=""/>
+        <a:font script="Jpan" typeface="游ゴシック Light"/>
+        <a:font script="Hang" typeface="맑은 고딕"/>
+        <a:font script="Hans" typeface="等线 Light"/>
+        <a:font script="Hant" typeface="新細明體"/>
+        <a:font script="Arab" typeface="Times New Roman"/>
+        <a:font script="Hebr" typeface="Times New Roman"/>
+        <a:font script="Thai" typeface="Angsana New"/>
+        <a:font script="Ethi" typeface="Nyala"/>
+        <a:font script="Beng" typeface="Vrinda"/>
+        <a:font script="Gujr" typeface="Shruti"/>
+        <a:font script="Khmr" typeface="MoolBoran"/>
+        <a:font script="Knda" typeface="Tunga"/>
+        <a:font script="Guru" typeface="Raavi"/>
+        <a:font script="Cans" typeface="Euphemia"/>
+        <a:font script="Cher" typeface="Plantagenet Cherokee"/>
+        <a:font script="Yiii" typeface="Microsoft Yi Baiti"/>
+        <a:font script="Tibt" typeface="Microsoft Himalaya"/>
+        <a:font script="Thaa" typeface="MV Boli"/>
+        <a:font script="Deva" typeface="Mangal"/>
+        <a:font script="Telu" typeface="Gautami"/>
+        <a:font script="Taml" typeface="Latha"/>
+        <a:font script="Syrc" typeface="Estrangelo Edessa"/>
+        <a:font script="Orya" typeface="Kalinga"/>
+        <a:font script="Mlym" typeface="Kartika"/>
+        <a:font script="Laoo" typeface="DokChampa"/>
+        <a:font script="Sinh" typeface="Iskoola Pota"/>
+        <a:font script="Mong" typeface="Mongolian Baiti"/>
+        <a:font script="Viet" typeface="Times New Roman"/>
+        <a:font script="Uigh" typeface="Microsoft Uighur"/>
+        <a:font script="Geor" typeface="Sylfaen"/>
+        <a:font script="Armn" typeface="Arial"/>
+        <a:font script="Bugi" typeface="Leelawadee UI"/>
+        <a:font script="Bopo" typeface="Microsoft JhengHei"/>
+        <a:font script="Java" typeface="Javanese Text"/>
+        <a:font script="Lisu" typeface="Segoe UI"/>
+        <a:font script="Mymr" typeface="Myanmar Text"/>
+        <a:font script="Nkoo" typeface="Ebrima"/>
+        <a:font script="Olck" typeface="Nirmala UI"/>
+        <a:font script="Osma" typeface="Ebrima"/>
+        <a:font script="Phag" typeface="Phagspa"/>
+        <a:font script="Syrn" typeface="Estrangelo Edessa"/>
+        <a:font script="Syrj" typeface="Estrangelo Edessa"/>
+        <a:font script="Syre" typeface="Estrangelo Edessa"/>
+        <a:font script="Sora" typeface="Nirmala UI"/>
+        <a:font script="Tale" typeface="Microsoft Tai Le"/>
+        <a:font script="Talu" typeface="Microsoft New Tai Lue"/>
+        <a:font script="Tfng" typeface="Ebrima"/>
+      </a:majorFont>
+      <a:minorFont>
+        <a:latin typeface="Calibri" panose="020F0502020204030204"/>
+        <a:ea typeface=""/>
+        <a:cs typeface=""/>
+        <a:font script="Jpan" typeface="游ゴシック"/>
+        <a:font script="Hang" typeface="맑은 고딕"/>
+        <a:font script="Hans" typeface="等线"/>
+        <a:font script="Hant" typeface="新細明體"/>
+        <a:font script="Arab" typeface="Arial"/>
+        <a:font script="Hebr" typeface="Arial"/>
+        <a:font script="Thai" typeface="Cordia New"/>
+        <a:font script="Ethi" typeface="Nyala"/>
+        <a:font script="Beng" typeface="Vrinda"/>
+        <a:font script="Gujr" typeface="Shruti"/>
+        <a:font script="Khmr" typeface="DaunPenh"/>
+        <a:font script="Knda" typeface="Tunga"/>
+        <a:font script="Guru" typeface="Raavi"/>
+        <a:font script="Cans" typeface="Euphemia"/>
+        <a:font script="Cher" typeface="Plantagenet Cherokee"/>
+        <a:font script="Yiii" typeface="Microsoft Yi Baiti"/>
+        <a:font script="Tibt" typeface="Microsoft Himalaya"/>
+        <a:font script="Thaa" typeface="MV Boli"/>
+        <a:font script="Deva" typeface="Mangal"/>
+        <a:font script="Telu" typeface="Gautami"/>
+        <a:font script="Taml" typeface="Latha"/>
+        <a:font script="Syrc" typeface="Estrangelo Edessa"/>
+        <a:font script="Orya" typeface="Kalinga"/>
+        <a:font script="Mlym" typeface="Kartika"/>
+        <a:font script="Laoo" typeface="DokChampa"/>
+        <a:font script="Sinh" typeface="Iskoola Pota"/>
+        <a:font script="Mong" typeface="Mongolian Baiti"/>
+        <a:font script="Viet" typeface="Arial"/>
+        <a:font script="Uigh" typeface="Microsoft Uighur"/>
+        <a:font script="Geor" typeface="Sylfaen"/>
+        <a:font script="Armn" typeface="Arial"/>
+        <a:font script="Bugi" typeface="Leelawadee UI"/>
+        <a:font script="Bopo" typeface="Microsoft JhengHei"/>
+        <a:font script="Java" typeface="Javanese Text"/>
+        <a:font script="Lisu" typeface="Segoe UI"/>
+        <a:font script="Mymr" typeface="Myanmar Text"/>
+        <a:font script="Nkoo" typeface="Ebrima"/>
+        <a:font script="Olck" typeface="Nirmala UI"/>
+        <a:font script="Osma" typeface="Ebrima"/>
+        <a:font script="Phag" typeface="Phagspa"/>
+        <a:font script="Syrn" typeface="Estrangelo Edessa"/>
+        <a:font script="Syrj" typeface="Estrangelo Edessa"/>
+        <a:font script="Syre" typeface="Estrangelo Edessa"/>
+        <a:font script="Sora" typeface="Nirmala UI"/>
+        <a:font script="Tale" typeface="Microsoft Tai Le"/>
+        <a:font script="Talu" typeface="Microsoft New Tai Lue"/>
+        <a:font script="Tfng" typeface="Ebrima"/>
+      </a:minorFont>
+    </a:fontScheme>
+    <a:fmtScheme name="Office">
+      <a:fillStyleLst>
+        <a:solidFill>
+          <a:schemeClr val="phClr"/>
+        </a:solidFill>
+        <a:gradFill rotWithShape="1">
+          <a:gsLst>
+            <a:gs pos="0">
+              <a:schemeClr val="phClr">
+                <a:lumMod val="110000"/>
+                <a:satMod val="105000"/>
+                <a:tint val="67000"/>
+              </a:schemeClr>
+            </a:gs>
+            <a:gs pos="50000">
+              <a:schemeClr val="phClr">
+                <a:lumMod val="105000"/>
+                <a:satMod val="103000"/>
+                <a:tint val="73000"/>
+              </a:schemeClr>
+            </a:gs>
+            <a:gs pos="100000">
+              <a:schemeClr val="phClr">
+                <a:lumMod val="105000"/>
+                <a:satMod val="109000"/>
+                <a:tint val="81000"/>
+              </a:schemeClr>
+            </a:gs>
+          </a:gsLst>
+          <a:lin ang="5400000" scaled="0"/>
+        </a:gradFill>
+        <a:gradFill rotWithShape="1">
+          <a:gsLst>
+            <a:gs pos="0">
+              <a:schemeClr val="phClr">
+                <a:satMod val="103000"/>
+                <a:lumMod val="102000"/>
+                <a:tint val="94000"/>
+              </a:schemeClr>
+            </a:gs>
+            <a:gs pos="50000">
+              <a:schemeClr val="phClr">
+                <a:satMod val="110000"/>
+                <a:lumMod val="100000"/>
+                <a:shade val="100000"/>
+              </a:schemeClr>
+            </a:gs>
+            <a:gs pos="100000">
+              <a:schemeClr val="phClr">
+                <a:lumMod val="99000"/>
+                <a:satMod val="120000"/>
+                <a:shade val="78000"/>
+              </a:schemeClr>
+            </a:gs>
+          </a:gsLst>
+          <a:lin ang="5400000" scaled="0"/>
+        </a:gradFill>
+      </a:fillStyleLst>
+      <a:lnStyleLst>
+        <a:ln w="6350" cap="flat" cmpd="sng" algn="ctr">
+          <a:solidFill>
+            <a:schemeClr val="phClr"/>
+          </a:solidFill>
+          <a:prstDash val="solid"/>
+          <a:miter lim="800000"/>
+        </a:ln>
+        <a:ln w="12700" cap="flat" cmpd="sng" algn="ctr">
+          <a:solidFill>
+            <a:schemeClr val="phClr"/>
+          </a:solidFill>
+          <a:prstDash val="solid"/>
+          <a:miter lim="800000"/>
+        </a:ln>
+        <a:ln w="19050" cap="flat" cmpd="sng" algn="ctr">
+          <a:solidFill>
+            <a:schemeClr val="phClr"/>
+          </a:solidFill>
+          <a:prstDash val="solid"/>
+          <a:miter lim="800000"/>
+        </a:ln>
+      </a:lnStyleLst>
+      <a:effectStyleLst>
+        <a:effectStyle>
+          <a:effectLst/>
+        </a:effectStyle>
+        <a:effectStyle>
+          <a:effectLst/>
+        </a:effectStyle>
+        <a:effectStyle>
+          <a:effectLst>
+            <a:outerShdw blurRad="57150" dist="19050" dir="5400000" algn="ctr" rotWithShape="0">
+              <a:srgbClr val="000000">
+                <a:alpha val="63000"/>
+              </a:srgbClr>
+            </a:outerShdw>
+          </a:effectLst>
+        </a:effectStyle>
+      </a:effectStyleLst>
+      <a:bgFillStyleLst>
+        <a:solidFill>
+          <a:schemeClr val="phClr"/>
+        </a:solidFill>
+        <a:solidFill>
+          <a:schemeClr val="phClr">
+            <a:tint val="95000"/>
+            <a:satMod val="170000"/>
+          </a:schemeClr>
+        </a:solidFill>
+        <a:gradFill rotWithShape="1">
+          <a:gsLst>
+            <a:gs pos="0">
+              <a:schemeClr val="phClr">
+                <a:tint val="93000"/>
+                <a:satMod val="150000"/>
+                <a:shade val="98000"/>
+                <a:lumMod val="102000"/>
+              </a:schemeClr>
+            </a:gs>
+            <a:gs pos="50000">
+              <a:schemeClr val="phClr">
+                <a:tint val="98000"/>
+                <a:satMod val="130000"/>
+                <a:shade val="90000"/>
+                <a:lumMod val="103000"/>
+              </a:schemeClr>
+            </a:gs>
+            <a:gs pos="100000">
+              <a:schemeClr val="phClr">
+                <a:shade val="63000"/>
+                <a:satMod val="120000"/>
+              </a:schemeClr>
+            </a:gs>
+          </a:gsLst>
+          <a:lin ang="5400000" scaled="0"/>
+        </a:gradFill>
+      </a:bgFillStyleLst>
+    </a:fmtScheme>
+  </a:themeElements>
+  <a:objectDefaults/>
+  <a:extraClrSchemeLst/>
+  <a:extLst>
+    <a:ext uri="{05A4C25C-085E-4340-85A3-A5531E510DB2}">
+      <thm15:themeFamily xmlns:thm15="http://schemas.microsoft.com/office/thememl/2012/main" name="Office Theme" id="{62F939B6-93AF-4DB8-9C6B-D6C7DFDC589F}" vid="{4A3C46E8-61CC-4603-A589-7422A47A8E4A}"/>
+    </a:ext>
+  </a:extLst>
+</a:theme>
 </file>
--- a/others/ppt/finalPPT.pptx
+++ b/others/ppt/finalPPT.pptx
@@ -5,7 +5,7 @@
     <p:sldMasterId id="2147483648" r:id="rId1"/>
   </p:sldMasterIdLst>
   <p:notesMasterIdLst>
-    <p:notesMasterId r:id="rId17"/>
+    <p:notesMasterId r:id="rId14"/>
   </p:notesMasterIdLst>
   <p:sldIdLst>
     <p:sldId id="256" r:id="rId2"/>
@@ -13,16 +13,13 @@
     <p:sldId id="258" r:id="rId4"/>
     <p:sldId id="265" r:id="rId5"/>
     <p:sldId id="259" r:id="rId6"/>
-    <p:sldId id="260" r:id="rId7"/>
-    <p:sldId id="261" r:id="rId8"/>
-    <p:sldId id="262" r:id="rId9"/>
-    <p:sldId id="263" r:id="rId10"/>
-    <p:sldId id="271" r:id="rId11"/>
-    <p:sldId id="272" r:id="rId12"/>
-    <p:sldId id="273" r:id="rId13"/>
-    <p:sldId id="268" r:id="rId14"/>
-    <p:sldId id="269" r:id="rId15"/>
-    <p:sldId id="274" r:id="rId16"/>
+    <p:sldId id="261" r:id="rId7"/>
+    <p:sldId id="262" r:id="rId8"/>
+    <p:sldId id="263" r:id="rId9"/>
+    <p:sldId id="271" r:id="rId10"/>
+    <p:sldId id="272" r:id="rId11"/>
+    <p:sldId id="273" r:id="rId12"/>
+    <p:sldId id="268" r:id="rId13"/>
   </p:sldIdLst>
   <p:sldSz cx="9144000" cy="6858000" type="screen4x3"/>
   <p:notesSz cx="6858000" cy="9144000"/>
@@ -222,7 +219,7 @@
           <a:p>
             <a:fld id="{0E01C3A9-843D-414A-8E53-DD7E54871A5C}" type="datetimeFigureOut">
               <a:rPr lang="en-US" smtClean="0"/>
-              <a:t>4/2/23</a:t>
+              <a:t>4/28/23</a:t>
             </a:fld>
             <a:endParaRPr lang="en-US"/>
           </a:p>
@@ -837,7 +834,7 @@
           <a:p>
             <a:fld id="{768FA39C-4515-437E-BAE6-8788C30E8E6B}" type="datetimeFigureOut">
               <a:rPr lang="en-US" smtClean="0"/>
-              <a:t>4/2/23</a:t>
+              <a:t>4/28/23</a:t>
             </a:fld>
             <a:endParaRPr lang="en-US"/>
           </a:p>
@@ -1000,7 +997,7 @@
           <a:p>
             <a:fld id="{768FA39C-4515-437E-BAE6-8788C30E8E6B}" type="datetimeFigureOut">
               <a:rPr lang="en-US" smtClean="0"/>
-              <a:t>4/2/23</a:t>
+              <a:t>4/28/23</a:t>
             </a:fld>
             <a:endParaRPr lang="en-US"/>
           </a:p>
@@ -1173,7 +1170,7 @@
           <a:p>
             <a:fld id="{768FA39C-4515-437E-BAE6-8788C30E8E6B}" type="datetimeFigureOut">
               <a:rPr lang="en-US" smtClean="0"/>
-              <a:t>4/2/23</a:t>
+              <a:t>4/28/23</a:t>
             </a:fld>
             <a:endParaRPr lang="en-US"/>
           </a:p>
@@ -1336,7 +1333,7 @@
           <a:p>
             <a:fld id="{768FA39C-4515-437E-BAE6-8788C30E8E6B}" type="datetimeFigureOut">
               <a:rPr lang="en-US" smtClean="0"/>
-              <a:t>4/2/23</a:t>
+              <a:t>4/28/23</a:t>
             </a:fld>
             <a:endParaRPr lang="en-US"/>
           </a:p>
@@ -1576,7 +1573,7 @@
           <a:p>
             <a:fld id="{768FA39C-4515-437E-BAE6-8788C30E8E6B}" type="datetimeFigureOut">
               <a:rPr lang="en-US" smtClean="0"/>
-              <a:t>4/2/23</a:t>
+              <a:t>4/28/23</a:t>
             </a:fld>
             <a:endParaRPr lang="en-US"/>
           </a:p>
@@ -1856,7 +1853,7 @@
           <a:p>
             <a:fld id="{768FA39C-4515-437E-BAE6-8788C30E8E6B}" type="datetimeFigureOut">
               <a:rPr lang="en-US" smtClean="0"/>
-              <a:t>4/2/23</a:t>
+              <a:t>4/28/23</a:t>
             </a:fld>
             <a:endParaRPr lang="en-US"/>
           </a:p>
@@ -2270,7 +2267,7 @@
           <a:p>
             <a:fld id="{768FA39C-4515-437E-BAE6-8788C30E8E6B}" type="datetimeFigureOut">
               <a:rPr lang="en-US" smtClean="0"/>
-              <a:t>4/2/23</a:t>
+              <a:t>4/28/23</a:t>
             </a:fld>
             <a:endParaRPr lang="en-US"/>
           </a:p>
@@ -2382,7 +2379,7 @@
           <a:p>
             <a:fld id="{768FA39C-4515-437E-BAE6-8788C30E8E6B}" type="datetimeFigureOut">
               <a:rPr lang="en-US" smtClean="0"/>
-              <a:t>4/2/23</a:t>
+              <a:t>4/28/23</a:t>
             </a:fld>
             <a:endParaRPr lang="en-US"/>
           </a:p>
@@ -2472,7 +2469,7 @@
           <a:p>
             <a:fld id="{768FA39C-4515-437E-BAE6-8788C30E8E6B}" type="datetimeFigureOut">
               <a:rPr lang="en-US" smtClean="0"/>
-              <a:t>4/2/23</a:t>
+              <a:t>4/28/23</a:t>
             </a:fld>
             <a:endParaRPr lang="en-US"/>
           </a:p>
@@ -2742,7 +2739,7 @@
           <a:p>
             <a:fld id="{768FA39C-4515-437E-BAE6-8788C30E8E6B}" type="datetimeFigureOut">
               <a:rPr lang="en-US" smtClean="0"/>
-              <a:t>4/2/23</a:t>
+              <a:t>4/28/23</a:t>
             </a:fld>
             <a:endParaRPr lang="en-US"/>
           </a:p>
@@ -2989,7 +2986,7 @@
           <a:p>
             <a:fld id="{768FA39C-4515-437E-BAE6-8788C30E8E6B}" type="datetimeFigureOut">
               <a:rPr lang="en-US" smtClean="0"/>
-              <a:t>4/2/23</a:t>
+              <a:t>4/28/23</a:t>
             </a:fld>
             <a:endParaRPr lang="en-US"/>
           </a:p>
@@ -3195,7 +3192,7 @@
           <a:p>
             <a:fld id="{768FA39C-4515-437E-BAE6-8788C30E8E6B}" type="datetimeFigureOut">
               <a:rPr lang="en-US" smtClean="0"/>
-              <a:t>4/2/23</a:t>
+              <a:t>4/28/23</a:t>
             </a:fld>
             <a:endParaRPr lang="en-US"/>
           </a:p>
@@ -4165,89 +4162,6 @@
 </file>
 
 <file path=ppt/slides/slide10.xml><?xml version="1.0" encoding="utf-8"?>
-<p:sld xmlns:a="http://schemas.openxmlformats.org/drawingml/2006/main" xmlns:r="http://schemas.openxmlformats.org/officeDocument/2006/relationships" xmlns:p="http://schemas.openxmlformats.org/presentationml/2006/main">
-  <p:cSld>
-    <p:spTree>
-      <p:nvGrpSpPr>
-        <p:cNvPr id="1" name=""/>
-        <p:cNvGrpSpPr/>
-        <p:nvPr/>
-      </p:nvGrpSpPr>
-      <p:grpSpPr>
-        <a:xfrm>
-          <a:off x="0" y="0"/>
-          <a:ext cx="0" cy="0"/>
-          <a:chOff x="0" y="0"/>
-          <a:chExt cx="0" cy="0"/>
-        </a:xfrm>
-      </p:grpSpPr>
-      <p:sp>
-        <p:nvSpPr>
-          <p:cNvPr id="2" name="Title 1"/>
-          <p:cNvSpPr>
-            <a:spLocks noGrp="1"/>
-          </p:cNvSpPr>
-          <p:nvPr>
-            <p:ph type="title"/>
-          </p:nvPr>
-        </p:nvSpPr>
-        <p:spPr/>
-        <p:txBody>
-          <a:bodyPr/>
-          <a:lstStyle/>
-          <a:p>
-            <a:r>
-              <a:rPr lang="en-US" b="1" dirty="0"/>
-              <a:t>System Architecture</a:t>
-            </a:r>
-            <a:endParaRPr lang="en-US" dirty="0"/>
-          </a:p>
-        </p:txBody>
-      </p:sp>
-      <p:pic>
-        <p:nvPicPr>
-          <p:cNvPr id="25602" name="Picture 2"/>
-          <p:cNvPicPr>
-            <a:picLocks noGrp="1" noChangeAspect="1" noChangeArrowheads="1"/>
-          </p:cNvPicPr>
-          <p:nvPr>
-            <p:ph idx="1"/>
-          </p:nvPr>
-        </p:nvPicPr>
-        <p:blipFill>
-          <a:blip r:embed="rId2"/>
-          <a:srcRect l="35801" t="21466" r="34027" b="7506"/>
-          <a:stretch>
-            <a:fillRect/>
-          </a:stretch>
-        </p:blipFill>
-        <p:spPr bwMode="auto">
-          <a:xfrm>
-            <a:off x="2353147" y="1772816"/>
-            <a:ext cx="4437706" cy="4572032"/>
-          </a:xfrm>
-          <a:prstGeom prst="rect">
-            <a:avLst/>
-          </a:prstGeom>
-          <a:noFill/>
-          <a:ln w="9525">
-            <a:noFill/>
-            <a:miter lim="800000"/>
-            <a:headEnd/>
-            <a:tailEnd/>
-          </a:ln>
-          <a:effectLst/>
-        </p:spPr>
-      </p:pic>
-    </p:spTree>
-  </p:cSld>
-  <p:clrMapOvr>
-    <a:masterClrMapping/>
-  </p:clrMapOvr>
-</p:sld>
-</file>
-
-<file path=ppt/slides/slide11.xml><?xml version="1.0" encoding="utf-8"?>
 <p:sld xmlns:a="http://schemas.openxmlformats.org/drawingml/2006/main" xmlns:r="http://schemas.openxmlformats.org/officeDocument/2006/relationships" xmlns:p="http://schemas.openxmlformats.org/presentationml/2006/main">
   <p:cSld>
     <p:spTree>
@@ -7085,7 +6999,7 @@
 </p:sld>
 </file>
 
-<file path=ppt/slides/slide12.xml><?xml version="1.0" encoding="utf-8"?>
+<file path=ppt/slides/slide11.xml><?xml version="1.0" encoding="utf-8"?>
 <p:sld xmlns:a="http://schemas.openxmlformats.org/drawingml/2006/main" xmlns:r="http://schemas.openxmlformats.org/officeDocument/2006/relationships" xmlns:p="http://schemas.openxmlformats.org/presentationml/2006/main">
   <p:cSld>
     <p:spTree>
@@ -10326,7 +10240,7 @@
 </p:sld>
 </file>
 
-<file path=ppt/slides/slide13.xml><?xml version="1.0" encoding="utf-8"?>
+<file path=ppt/slides/slide12.xml><?xml version="1.0" encoding="utf-8"?>
 <p:sld xmlns:a="http://schemas.openxmlformats.org/drawingml/2006/main" xmlns:r="http://schemas.openxmlformats.org/officeDocument/2006/relationships" xmlns:p="http://schemas.openxmlformats.org/presentationml/2006/main">
   <p:cSld>
     <p:spTree>
@@ -10425,7 +10339,7 @@
                 <a:latin typeface="Times New Roman" panose="02020603050405020304" pitchFamily="18" charset="0"/>
                 <a:cs typeface="Times New Roman" panose="02020603050405020304" pitchFamily="18" charset="0"/>
               </a:rPr>
-              <a:t>Client Side	: HTML, CSS, Bootstrap</a:t>
+              <a:t>Client Side	: HTML, CSS, Bootstrap, Flask</a:t>
             </a:r>
           </a:p>
           <a:p>
@@ -10439,7 +10353,7 @@
                 <a:latin typeface="Times New Roman" panose="02020603050405020304" pitchFamily="18" charset="0"/>
                 <a:cs typeface="Times New Roman" panose="02020603050405020304" pitchFamily="18" charset="0"/>
               </a:rPr>
-              <a:t>IDE		: Flask 1.1.1</a:t>
+              <a:t>IDE		: PyCharm</a:t>
             </a:r>
           </a:p>
           <a:p>
@@ -10453,7 +10367,7 @@
                 <a:latin typeface="Times New Roman" panose="02020603050405020304" pitchFamily="18" charset="0"/>
                 <a:cs typeface="Times New Roman" panose="02020603050405020304" pitchFamily="18" charset="0"/>
               </a:rPr>
-              <a:t>Back end	: MySQL 5.</a:t>
+              <a:t>Back end	: MySQL</a:t>
             </a:r>
           </a:p>
           <a:p>
@@ -10481,35 +10395,7 @@
                 <a:latin typeface="Times New Roman" panose="02020603050405020304" pitchFamily="18" charset="0"/>
                 <a:cs typeface="Times New Roman" panose="02020603050405020304" pitchFamily="18" charset="0"/>
               </a:rPr>
-              <a:t> 2i</a:t>
-            </a:r>
-          </a:p>
-          <a:p>
-            <a:pPr>
-              <a:spcBef>
-                <a:spcPts val="3000"/>
-              </a:spcBef>
-            </a:pPr>
-            <a:r>
-              <a:rPr lang="en-IN" sz="2400" dirty="0">
-                <a:latin typeface="Times New Roman" panose="02020603050405020304" pitchFamily="18" charset="0"/>
-                <a:cs typeface="Times New Roman" panose="02020603050405020304" pitchFamily="18" charset="0"/>
-              </a:rPr>
-              <a:t>DL DLL	: TensorFlow, Pandas, </a:t>
-            </a:r>
-            <a:r>
-              <a:rPr lang="en-IN" sz="2400" dirty="0" err="1">
-                <a:latin typeface="Times New Roman" panose="02020603050405020304" pitchFamily="18" charset="0"/>
-                <a:cs typeface="Times New Roman" panose="02020603050405020304" pitchFamily="18" charset="0"/>
-              </a:rPr>
-              <a:t>SiKit</a:t>
-            </a:r>
-            <a:r>
-              <a:rPr lang="en-IN" sz="2400" dirty="0">
-                <a:latin typeface="Times New Roman" panose="02020603050405020304" pitchFamily="18" charset="0"/>
-                <a:cs typeface="Times New Roman" panose="02020603050405020304" pitchFamily="18" charset="0"/>
-              </a:rPr>
-              <a:t> Learn</a:t>
+              <a:t> </a:t>
             </a:r>
           </a:p>
           <a:p>
@@ -10526,436 +10412,6 @@
     <p:extLst>
       <p:ext uri="{BB962C8B-B14F-4D97-AF65-F5344CB8AC3E}">
         <p14:creationId xmlns:p14="http://schemas.microsoft.com/office/powerpoint/2010/main" val="4203473369"/>
-      </p:ext>
-    </p:extLst>
-  </p:cSld>
-  <p:clrMapOvr>
-    <a:masterClrMapping/>
-  </p:clrMapOvr>
-</p:sld>
-</file>
-
-<file path=ppt/slides/slide14.xml><?xml version="1.0" encoding="utf-8"?>
-<p:sld xmlns:a="http://schemas.openxmlformats.org/drawingml/2006/main" xmlns:r="http://schemas.openxmlformats.org/officeDocument/2006/relationships" xmlns:p="http://schemas.openxmlformats.org/presentationml/2006/main">
-  <p:cSld>
-    <p:spTree>
-      <p:nvGrpSpPr>
-        <p:cNvPr id="1" name=""/>
-        <p:cNvGrpSpPr/>
-        <p:nvPr/>
-      </p:nvGrpSpPr>
-      <p:grpSpPr>
-        <a:xfrm>
-          <a:off x="0" y="0"/>
-          <a:ext cx="0" cy="0"/>
-          <a:chOff x="0" y="0"/>
-          <a:chExt cx="0" cy="0"/>
-        </a:xfrm>
-      </p:grpSpPr>
-      <p:sp>
-        <p:nvSpPr>
-          <p:cNvPr id="2" name="Title 1">
-            <a:extLst>
-              <a:ext uri="{FF2B5EF4-FFF2-40B4-BE49-F238E27FC236}">
-                <a16:creationId xmlns:a16="http://schemas.microsoft.com/office/drawing/2014/main" id="{6BE9CA49-8849-46D1-B5DD-4DDE26FC78E7}"/>
-              </a:ext>
-            </a:extLst>
-          </p:cNvPr>
-          <p:cNvSpPr>
-            <a:spLocks noGrp="1"/>
-          </p:cNvSpPr>
-          <p:nvPr>
-            <p:ph type="title"/>
-          </p:nvPr>
-        </p:nvSpPr>
-        <p:spPr>
-          <a:xfrm>
-            <a:off x="628650" y="365126"/>
-            <a:ext cx="7886700" cy="576571"/>
-          </a:xfrm>
-        </p:spPr>
-        <p:txBody>
-          <a:bodyPr>
-            <a:normAutofit fontScale="90000"/>
-          </a:bodyPr>
-          <a:lstStyle/>
-          <a:p>
-            <a:pPr algn="ctr"/>
-            <a:r>
-              <a:rPr lang="en-US" sz="4000" b="1" dirty="0">
-                <a:latin typeface="Times New Roman" panose="02020603050405020304" pitchFamily="18" charset="0"/>
-                <a:cs typeface="Times New Roman" panose="02020603050405020304" pitchFamily="18" charset="0"/>
-              </a:rPr>
-              <a:t>References</a:t>
-            </a:r>
-            <a:endParaRPr lang="en-IN" sz="4000" b="1" dirty="0">
-              <a:latin typeface="Times New Roman" panose="02020603050405020304" pitchFamily="18" charset="0"/>
-              <a:cs typeface="Times New Roman" panose="02020603050405020304" pitchFamily="18" charset="0"/>
-            </a:endParaRPr>
-          </a:p>
-        </p:txBody>
-      </p:sp>
-      <p:sp>
-        <p:nvSpPr>
-          <p:cNvPr id="3" name="Content Placeholder 2">
-            <a:extLst>
-              <a:ext uri="{FF2B5EF4-FFF2-40B4-BE49-F238E27FC236}">
-                <a16:creationId xmlns:a16="http://schemas.microsoft.com/office/drawing/2014/main" id="{C7383AA2-BBC6-47E3-A6B3-4BA8F33F4E6E}"/>
-              </a:ext>
-            </a:extLst>
-          </p:cNvPr>
-          <p:cNvSpPr>
-            <a:spLocks noGrp="1"/>
-          </p:cNvSpPr>
-          <p:nvPr>
-            <p:ph idx="1"/>
-          </p:nvPr>
-        </p:nvSpPr>
-        <p:spPr>
-          <a:xfrm>
-            <a:off x="628650" y="1241947"/>
-            <a:ext cx="7886700" cy="4935017"/>
-          </a:xfrm>
-        </p:spPr>
-        <p:txBody>
-          <a:bodyPr>
-            <a:normAutofit/>
-          </a:bodyPr>
-          <a:lstStyle/>
-          <a:p>
-            <a:pPr algn="just"/>
-            <a:r>
-              <a:rPr lang="en-IN" sz="2000" dirty="0">
-                <a:latin typeface="Times New Roman" panose="02020603050405020304" pitchFamily="18" charset="0"/>
-                <a:cs typeface="Times New Roman" panose="02020603050405020304" pitchFamily="18" charset="0"/>
-              </a:rPr>
-              <a:t>[1] R. Manne, S.C. </a:t>
-            </a:r>
-            <a:r>
-              <a:rPr lang="en-IN" sz="2000" dirty="0" err="1">
-                <a:latin typeface="Times New Roman" panose="02020603050405020304" pitchFamily="18" charset="0"/>
-                <a:cs typeface="Times New Roman" panose="02020603050405020304" pitchFamily="18" charset="0"/>
-              </a:rPr>
-              <a:t>Kantheti</a:t>
-            </a:r>
-            <a:r>
-              <a:rPr lang="en-IN" sz="2000" dirty="0">
-                <a:latin typeface="Times New Roman" panose="02020603050405020304" pitchFamily="18" charset="0"/>
-                <a:cs typeface="Times New Roman" panose="02020603050405020304" pitchFamily="18" charset="0"/>
-              </a:rPr>
-              <a:t>, Application of artificial intelligence in healthcare: chances and challenges, </a:t>
-            </a:r>
-            <a:r>
-              <a:rPr lang="en-IN" sz="2000" dirty="0" err="1">
-                <a:latin typeface="Times New Roman" panose="02020603050405020304" pitchFamily="18" charset="0"/>
-                <a:cs typeface="Times New Roman" panose="02020603050405020304" pitchFamily="18" charset="0"/>
-              </a:rPr>
-              <a:t>Curr</a:t>
-            </a:r>
-            <a:r>
-              <a:rPr lang="en-IN" sz="2000" dirty="0">
-                <a:latin typeface="Times New Roman" panose="02020603050405020304" pitchFamily="18" charset="0"/>
-                <a:cs typeface="Times New Roman" panose="02020603050405020304" pitchFamily="18" charset="0"/>
-              </a:rPr>
-              <a:t>. J. Appl. Sci. Technol. 40 (6) (2021) 78–89, https:// </a:t>
-            </a:r>
-            <a:r>
-              <a:rPr lang="en-IN" sz="2000" dirty="0" err="1">
-                <a:latin typeface="Times New Roman" panose="02020603050405020304" pitchFamily="18" charset="0"/>
-                <a:cs typeface="Times New Roman" panose="02020603050405020304" pitchFamily="18" charset="0"/>
-              </a:rPr>
-              <a:t>doi.org</a:t>
-            </a:r>
-            <a:r>
-              <a:rPr lang="en-IN" sz="2000" dirty="0">
-                <a:latin typeface="Times New Roman" panose="02020603050405020304" pitchFamily="18" charset="0"/>
-                <a:cs typeface="Times New Roman" panose="02020603050405020304" pitchFamily="18" charset="0"/>
-              </a:rPr>
-              <a:t>/10.9734/</a:t>
-            </a:r>
-            <a:r>
-              <a:rPr lang="en-IN" sz="2000" dirty="0" err="1">
-                <a:latin typeface="Times New Roman" panose="02020603050405020304" pitchFamily="18" charset="0"/>
-                <a:cs typeface="Times New Roman" panose="02020603050405020304" pitchFamily="18" charset="0"/>
-              </a:rPr>
-              <a:t>cjast</a:t>
-            </a:r>
-            <a:r>
-              <a:rPr lang="en-IN" sz="2000" dirty="0">
-                <a:latin typeface="Times New Roman" panose="02020603050405020304" pitchFamily="18" charset="0"/>
-                <a:cs typeface="Times New Roman" panose="02020603050405020304" pitchFamily="18" charset="0"/>
-              </a:rPr>
-              <a:t>/2021/v40i631320.</a:t>
-            </a:r>
-          </a:p>
-          <a:p>
-            <a:pPr marL="0" indent="0" algn="just">
-              <a:buNone/>
-            </a:pPr>
-            <a:endParaRPr lang="en-IN" sz="2000" dirty="0">
-              <a:latin typeface="Times New Roman" panose="02020603050405020304" pitchFamily="18" charset="0"/>
-              <a:cs typeface="Times New Roman" panose="02020603050405020304" pitchFamily="18" charset="0"/>
-            </a:endParaRPr>
-          </a:p>
-          <a:p>
-            <a:pPr algn="just"/>
-            <a:r>
-              <a:rPr lang="en-IN" sz="2000" dirty="0">
-                <a:latin typeface="Times New Roman" panose="02020603050405020304" pitchFamily="18" charset="0"/>
-                <a:cs typeface="Times New Roman" panose="02020603050405020304" pitchFamily="18" charset="0"/>
-              </a:rPr>
-              <a:t>[2] M. </a:t>
-            </a:r>
-            <a:r>
-              <a:rPr lang="en-IN" sz="2000" dirty="0" err="1">
-                <a:latin typeface="Times New Roman" panose="02020603050405020304" pitchFamily="18" charset="0"/>
-                <a:cs typeface="Times New Roman" panose="02020603050405020304" pitchFamily="18" charset="0"/>
-              </a:rPr>
-              <a:t>Sivakami</a:t>
-            </a:r>
-            <a:r>
-              <a:rPr lang="en-IN" sz="2000" dirty="0">
-                <a:latin typeface="Times New Roman" panose="02020603050405020304" pitchFamily="18" charset="0"/>
-                <a:cs typeface="Times New Roman" panose="02020603050405020304" pitchFamily="18" charset="0"/>
-              </a:rPr>
-              <a:t>, P. Prabhu. Classification of algorithms supported factual knowledge recovery from cardiac data set, Int. J. </a:t>
-            </a:r>
-            <a:r>
-              <a:rPr lang="en-IN" sz="2000" dirty="0" err="1">
-                <a:latin typeface="Times New Roman" panose="02020603050405020304" pitchFamily="18" charset="0"/>
-                <a:cs typeface="Times New Roman" panose="02020603050405020304" pitchFamily="18" charset="0"/>
-              </a:rPr>
-              <a:t>Curr</a:t>
-            </a:r>
-            <a:r>
-              <a:rPr lang="en-IN" sz="2000" dirty="0">
-                <a:latin typeface="Times New Roman" panose="02020603050405020304" pitchFamily="18" charset="0"/>
-                <a:cs typeface="Times New Roman" panose="02020603050405020304" pitchFamily="18" charset="0"/>
-              </a:rPr>
-              <a:t>. Res. Rev. 13(6) 161- 166. ISSN: 2231-2196 (Print) ISSN: 0975-5241 (Online).</a:t>
-            </a:r>
-          </a:p>
-        </p:txBody>
-      </p:sp>
-    </p:spTree>
-    <p:extLst>
-      <p:ext uri="{BB962C8B-B14F-4D97-AF65-F5344CB8AC3E}">
-        <p14:creationId xmlns:p14="http://schemas.microsoft.com/office/powerpoint/2010/main" val="376006251"/>
-      </p:ext>
-    </p:extLst>
-  </p:cSld>
-  <p:clrMapOvr>
-    <a:masterClrMapping/>
-  </p:clrMapOvr>
-</p:sld>
-</file>
-
-<file path=ppt/slides/slide15.xml><?xml version="1.0" encoding="utf-8"?>
-<p:sld xmlns:a="http://schemas.openxmlformats.org/drawingml/2006/main" xmlns:r="http://schemas.openxmlformats.org/officeDocument/2006/relationships" xmlns:p="http://schemas.openxmlformats.org/presentationml/2006/main">
-  <p:cSld>
-    <p:spTree>
-      <p:nvGrpSpPr>
-        <p:cNvPr id="1" name=""/>
-        <p:cNvGrpSpPr/>
-        <p:nvPr/>
-      </p:nvGrpSpPr>
-      <p:grpSpPr>
-        <a:xfrm>
-          <a:off x="0" y="0"/>
-          <a:ext cx="0" cy="0"/>
-          <a:chOff x="0" y="0"/>
-          <a:chExt cx="0" cy="0"/>
-        </a:xfrm>
-      </p:grpSpPr>
-      <p:sp>
-        <p:nvSpPr>
-          <p:cNvPr id="2" name="Title 1">
-            <a:extLst>
-              <a:ext uri="{FF2B5EF4-FFF2-40B4-BE49-F238E27FC236}">
-                <a16:creationId xmlns:a16="http://schemas.microsoft.com/office/drawing/2014/main" id="{6BE9CA49-8849-46D1-B5DD-4DDE26FC78E7}"/>
-              </a:ext>
-            </a:extLst>
-          </p:cNvPr>
-          <p:cNvSpPr>
-            <a:spLocks noGrp="1"/>
-          </p:cNvSpPr>
-          <p:nvPr>
-            <p:ph type="title"/>
-          </p:nvPr>
-        </p:nvSpPr>
-        <p:spPr>
-          <a:xfrm>
-            <a:off x="628650" y="365126"/>
-            <a:ext cx="7886700" cy="576571"/>
-          </a:xfrm>
-        </p:spPr>
-        <p:txBody>
-          <a:bodyPr>
-            <a:normAutofit fontScale="90000"/>
-          </a:bodyPr>
-          <a:lstStyle/>
-          <a:p>
-            <a:pPr algn="ctr"/>
-            <a:r>
-              <a:rPr lang="en-US" sz="4000" b="1" dirty="0">
-                <a:latin typeface="Times New Roman" panose="02020603050405020304" pitchFamily="18" charset="0"/>
-                <a:cs typeface="Times New Roman" panose="02020603050405020304" pitchFamily="18" charset="0"/>
-              </a:rPr>
-              <a:t>References</a:t>
-            </a:r>
-            <a:endParaRPr lang="en-IN" sz="4000" b="1" dirty="0">
-              <a:latin typeface="Times New Roman" panose="02020603050405020304" pitchFamily="18" charset="0"/>
-              <a:cs typeface="Times New Roman" panose="02020603050405020304" pitchFamily="18" charset="0"/>
-            </a:endParaRPr>
-          </a:p>
-        </p:txBody>
-      </p:sp>
-      <p:sp>
-        <p:nvSpPr>
-          <p:cNvPr id="3" name="Content Placeholder 2">
-            <a:extLst>
-              <a:ext uri="{FF2B5EF4-FFF2-40B4-BE49-F238E27FC236}">
-                <a16:creationId xmlns:a16="http://schemas.microsoft.com/office/drawing/2014/main" id="{C7383AA2-BBC6-47E3-A6B3-4BA8F33F4E6E}"/>
-              </a:ext>
-            </a:extLst>
-          </p:cNvPr>
-          <p:cNvSpPr>
-            <a:spLocks noGrp="1"/>
-          </p:cNvSpPr>
-          <p:nvPr>
-            <p:ph idx="1"/>
-          </p:nvPr>
-        </p:nvSpPr>
-        <p:spPr>
-          <a:xfrm>
-            <a:off x="628650" y="1241947"/>
-            <a:ext cx="7886700" cy="4935017"/>
-          </a:xfrm>
-        </p:spPr>
-        <p:txBody>
-          <a:bodyPr>
-            <a:normAutofit/>
-          </a:bodyPr>
-          <a:lstStyle/>
-          <a:p>
-            <a:pPr algn="just"/>
-            <a:r>
-              <a:rPr lang="en-IN" sz="2000" dirty="0">
-                <a:latin typeface="Times New Roman" panose="02020603050405020304" pitchFamily="18" charset="0"/>
-                <a:cs typeface="Times New Roman" panose="02020603050405020304" pitchFamily="18" charset="0"/>
-              </a:rPr>
-              <a:t>[1] R. Manne, S.C. </a:t>
-            </a:r>
-            <a:r>
-              <a:rPr lang="en-IN" sz="2000" dirty="0" err="1">
-                <a:latin typeface="Times New Roman" panose="02020603050405020304" pitchFamily="18" charset="0"/>
-                <a:cs typeface="Times New Roman" panose="02020603050405020304" pitchFamily="18" charset="0"/>
-              </a:rPr>
-              <a:t>Kantheti</a:t>
-            </a:r>
-            <a:r>
-              <a:rPr lang="en-IN" sz="2000" dirty="0">
-                <a:latin typeface="Times New Roman" panose="02020603050405020304" pitchFamily="18" charset="0"/>
-                <a:cs typeface="Times New Roman" panose="02020603050405020304" pitchFamily="18" charset="0"/>
-              </a:rPr>
-              <a:t>, Application of artificial intelligence in healthcare: chances and challenges, </a:t>
-            </a:r>
-            <a:r>
-              <a:rPr lang="en-IN" sz="2000" dirty="0" err="1">
-                <a:latin typeface="Times New Roman" panose="02020603050405020304" pitchFamily="18" charset="0"/>
-                <a:cs typeface="Times New Roman" panose="02020603050405020304" pitchFamily="18" charset="0"/>
-              </a:rPr>
-              <a:t>Curr</a:t>
-            </a:r>
-            <a:r>
-              <a:rPr lang="en-IN" sz="2000" dirty="0">
-                <a:latin typeface="Times New Roman" panose="02020603050405020304" pitchFamily="18" charset="0"/>
-                <a:cs typeface="Times New Roman" panose="02020603050405020304" pitchFamily="18" charset="0"/>
-              </a:rPr>
-              <a:t>. J. Appl. Sci. Technol. 40 (6) (2021) 78–89, https:// </a:t>
-            </a:r>
-            <a:r>
-              <a:rPr lang="en-IN" sz="2000" dirty="0" err="1">
-                <a:latin typeface="Times New Roman" panose="02020603050405020304" pitchFamily="18" charset="0"/>
-                <a:cs typeface="Times New Roman" panose="02020603050405020304" pitchFamily="18" charset="0"/>
-              </a:rPr>
-              <a:t>doi.org</a:t>
-            </a:r>
-            <a:r>
-              <a:rPr lang="en-IN" sz="2000" dirty="0">
-                <a:latin typeface="Times New Roman" panose="02020603050405020304" pitchFamily="18" charset="0"/>
-                <a:cs typeface="Times New Roman" panose="02020603050405020304" pitchFamily="18" charset="0"/>
-              </a:rPr>
-              <a:t>/10.9734/</a:t>
-            </a:r>
-            <a:r>
-              <a:rPr lang="en-IN" sz="2000" dirty="0" err="1">
-                <a:latin typeface="Times New Roman" panose="02020603050405020304" pitchFamily="18" charset="0"/>
-                <a:cs typeface="Times New Roman" panose="02020603050405020304" pitchFamily="18" charset="0"/>
-              </a:rPr>
-              <a:t>cjast</a:t>
-            </a:r>
-            <a:r>
-              <a:rPr lang="en-IN" sz="2000" dirty="0">
-                <a:latin typeface="Times New Roman" panose="02020603050405020304" pitchFamily="18" charset="0"/>
-                <a:cs typeface="Times New Roman" panose="02020603050405020304" pitchFamily="18" charset="0"/>
-              </a:rPr>
-              <a:t>/2021/v40i631320.</a:t>
-            </a:r>
-          </a:p>
-          <a:p>
-            <a:pPr marL="0" indent="0" algn="just">
-              <a:buNone/>
-            </a:pPr>
-            <a:endParaRPr lang="en-IN" sz="2000" dirty="0">
-              <a:latin typeface="Times New Roman" panose="02020603050405020304" pitchFamily="18" charset="0"/>
-              <a:cs typeface="Times New Roman" panose="02020603050405020304" pitchFamily="18" charset="0"/>
-            </a:endParaRPr>
-          </a:p>
-          <a:p>
-            <a:pPr algn="just"/>
-            <a:r>
-              <a:rPr lang="en-IN" sz="2000" dirty="0">
-                <a:latin typeface="Times New Roman" panose="02020603050405020304" pitchFamily="18" charset="0"/>
-                <a:cs typeface="Times New Roman" panose="02020603050405020304" pitchFamily="18" charset="0"/>
-              </a:rPr>
-              <a:t>[2] M. </a:t>
-            </a:r>
-            <a:r>
-              <a:rPr lang="en-IN" sz="2000" dirty="0" err="1">
-                <a:latin typeface="Times New Roman" panose="02020603050405020304" pitchFamily="18" charset="0"/>
-                <a:cs typeface="Times New Roman" panose="02020603050405020304" pitchFamily="18" charset="0"/>
-              </a:rPr>
-              <a:t>Sivakami</a:t>
-            </a:r>
-            <a:r>
-              <a:rPr lang="en-IN" sz="2000" dirty="0">
-                <a:latin typeface="Times New Roman" panose="02020603050405020304" pitchFamily="18" charset="0"/>
-                <a:cs typeface="Times New Roman" panose="02020603050405020304" pitchFamily="18" charset="0"/>
-              </a:rPr>
-              <a:t>, P. Prabhu. Classification of algorithms supported factual knowledge recovery from cardiac data set, Int. J. </a:t>
-            </a:r>
-            <a:r>
-              <a:rPr lang="en-IN" sz="2000" dirty="0" err="1">
-                <a:latin typeface="Times New Roman" panose="02020603050405020304" pitchFamily="18" charset="0"/>
-                <a:cs typeface="Times New Roman" panose="02020603050405020304" pitchFamily="18" charset="0"/>
-              </a:rPr>
-              <a:t>Curr</a:t>
-            </a:r>
-            <a:r>
-              <a:rPr lang="en-IN" sz="2000" dirty="0">
-                <a:latin typeface="Times New Roman" panose="02020603050405020304" pitchFamily="18" charset="0"/>
-                <a:cs typeface="Times New Roman" panose="02020603050405020304" pitchFamily="18" charset="0"/>
-              </a:rPr>
-              <a:t>. Res. Rev. 13(6) 161- 166. ISSN: 2231-2196 (Print) ISSN: 0975-5241 (Online).</a:t>
-            </a:r>
-          </a:p>
-        </p:txBody>
-      </p:sp>
-    </p:spTree>
-    <p:extLst>
-      <p:ext uri="{BB962C8B-B14F-4D97-AF65-F5344CB8AC3E}">
-        <p14:creationId xmlns:p14="http://schemas.microsoft.com/office/powerpoint/2010/main" val="707957161"/>
       </p:ext>
     </p:extLst>
   </p:cSld>
@@ -11570,13 +11026,9 @@
           <a:lstStyle/>
           <a:p>
             <a:r>
-              <a:rPr lang="en-US" b="1" dirty="0">
-                <a:latin typeface="Times New Roman" panose="02020603050405020304" pitchFamily="18" charset="0"/>
-                <a:cs typeface="Times New Roman" panose="02020603050405020304" pitchFamily="18" charset="0"/>
-              </a:rPr>
-              <a:t>Existing System</a:t>
-            </a:r>
-            <a:endParaRPr lang="en-US" dirty="0"/>
+              <a:rPr lang="en-US" dirty="0"/>
+              <a:t>Cons of Existing system</a:t>
+            </a:r>
           </a:p>
         </p:txBody>
       </p:sp>
@@ -11597,61 +11049,71 @@
           </a:bodyPr>
           <a:lstStyle/>
           <a:p>
-            <a:pPr algn="just">
-              <a:buNone/>
+            <a:pPr lvl="0" algn="just">
+              <a:lnSpc>
+                <a:spcPct val="150000"/>
+              </a:lnSpc>
             </a:pPr>
             <a:r>
-              <a:rPr lang="en-US" sz="2400" b="1" dirty="0">
+              <a:rPr lang="en-US" sz="2400" dirty="0">
                 <a:latin typeface="Times New Roman" pitchFamily="18" charset="0"/>
                 <a:cs typeface="Times New Roman" pitchFamily="18" charset="0"/>
               </a:rPr>
-              <a:t>Naive </a:t>
-            </a:r>
-            <a:r>
-              <a:rPr lang="en-US" sz="2400" b="1" dirty="0" err="1">
+              <a:t>One algorithm may work well on a specific dataset while it cannot show a good performance on some others. </a:t>
+            </a:r>
+          </a:p>
+          <a:p>
+            <a:pPr lvl="0" algn="just">
+              <a:lnSpc>
+                <a:spcPct val="150000"/>
+              </a:lnSpc>
+            </a:pPr>
+            <a:r>
+              <a:rPr lang="en-US" sz="2400" dirty="0">
                 <a:latin typeface="Times New Roman" pitchFamily="18" charset="0"/>
                 <a:cs typeface="Times New Roman" pitchFamily="18" charset="0"/>
               </a:rPr>
-              <a:t>Bayes</a:t>
-            </a:r>
+              <a:t>So, selecting a suitable algorithm for a specific dataset is a big challenge in bioinformatics.</a:t>
+            </a:r>
+          </a:p>
+          <a:p>
+            <a:pPr lvl="0" algn="just">
+              <a:lnSpc>
+                <a:spcPct val="150000"/>
+              </a:lnSpc>
+            </a:pPr>
+            <a:r>
+              <a:rPr lang="en-US" sz="2400" dirty="0">
+                <a:latin typeface="Times New Roman" pitchFamily="18" charset="0"/>
+                <a:cs typeface="Times New Roman" pitchFamily="18" charset="0"/>
+              </a:rPr>
+              <a:t>Consequently, selecting good feature selection or classification algorithms is also a big challenge in this field.</a:t>
+            </a:r>
+          </a:p>
+          <a:p>
+            <a:pPr lvl="0" algn="just">
+              <a:lnSpc>
+                <a:spcPct val="150000"/>
+              </a:lnSpc>
+            </a:pPr>
+            <a:r>
+              <a:rPr lang="en-US" sz="2400" dirty="0">
+                <a:latin typeface="Times New Roman" pitchFamily="18" charset="0"/>
+                <a:cs typeface="Times New Roman" pitchFamily="18" charset="0"/>
+              </a:rPr>
+              <a:t>The  classification performance is slightly worst.</a:t>
+            </a:r>
+          </a:p>
+          <a:p>
+            <a:pPr algn="just">
+              <a:lnSpc>
+                <a:spcPct val="150000"/>
+              </a:lnSpc>
+            </a:pPr>
             <a:endParaRPr lang="en-US" sz="2400" dirty="0">
               <a:latin typeface="Times New Roman" pitchFamily="18" charset="0"/>
               <a:cs typeface="Times New Roman" pitchFamily="18" charset="0"/>
             </a:endParaRPr>
-          </a:p>
-          <a:p>
-            <a:pPr algn="just"/>
-            <a:r>
-              <a:rPr lang="en-US" sz="2400" dirty="0">
-                <a:latin typeface="Times New Roman" pitchFamily="18" charset="0"/>
-                <a:cs typeface="Times New Roman" pitchFamily="18" charset="0"/>
-              </a:rPr>
-              <a:t>The Naïve </a:t>
-            </a:r>
-            <a:r>
-              <a:rPr lang="en-US" sz="2400" dirty="0" err="1">
-                <a:latin typeface="Times New Roman" pitchFamily="18" charset="0"/>
-                <a:cs typeface="Times New Roman" pitchFamily="18" charset="0"/>
-              </a:rPr>
-              <a:t>Bayes</a:t>
-            </a:r>
-            <a:r>
-              <a:rPr lang="en-US" sz="2400" dirty="0">
-                <a:latin typeface="Times New Roman" pitchFamily="18" charset="0"/>
-                <a:cs typeface="Times New Roman" pitchFamily="18" charset="0"/>
-              </a:rPr>
-              <a:t> Classifier technique is mainly applicable when the dimensionality of the inputs is high. </a:t>
-            </a:r>
-          </a:p>
-          <a:p>
-            <a:pPr algn="just"/>
-            <a:r>
-              <a:rPr lang="en-US" sz="2400" dirty="0">
-                <a:latin typeface="Times New Roman" pitchFamily="18" charset="0"/>
-                <a:cs typeface="Times New Roman" pitchFamily="18" charset="0"/>
-              </a:rPr>
-              <a:t>Despite its simplicity, Naive Bayes can often out perform more sophisticated classification methods. </a:t>
-            </a:r>
           </a:p>
         </p:txBody>
       </p:sp>
@@ -11692,13 +11154,18 @@
         </p:nvSpPr>
         <p:spPr/>
         <p:txBody>
-          <a:bodyPr/>
+          <a:bodyPr>
+            <a:normAutofit fontScale="90000"/>
+          </a:bodyPr>
           <a:lstStyle/>
           <a:p>
             <a:r>
               <a:rPr lang="en-US" b="1" dirty="0"/>
-              <a:t>Disadvantages</a:t>
-            </a:r>
+              <a:t>Proposed System</a:t>
+            </a:r>
+            <a:br>
+              <a:rPr lang="en-US" dirty="0"/>
+            </a:br>
             <a:endParaRPr lang="en-US" dirty="0"/>
           </a:p>
         </p:txBody>
@@ -11713,78 +11180,72 @@
             <p:ph idx="1"/>
           </p:nvPr>
         </p:nvSpPr>
-        <p:spPr/>
+        <p:spPr>
+          <a:xfrm>
+            <a:off x="457200" y="1052736"/>
+            <a:ext cx="8229600" cy="3508442"/>
+          </a:xfrm>
+        </p:spPr>
         <p:txBody>
           <a:bodyPr>
-            <a:normAutofit/>
+            <a:noAutofit/>
           </a:bodyPr>
           <a:lstStyle/>
-          <a:p>
-            <a:pPr lvl="0" algn="just">
-              <a:lnSpc>
-                <a:spcPct val="150000"/>
-              </a:lnSpc>
-            </a:pPr>
-            <a:r>
-              <a:rPr lang="en-US" sz="2400" dirty="0">
-                <a:latin typeface="Times New Roman" pitchFamily="18" charset="0"/>
-                <a:cs typeface="Times New Roman" pitchFamily="18" charset="0"/>
-              </a:rPr>
-              <a:t>One algorithm may work well on a specific dataset while it cannot show a good performance on some others. </a:t>
-            </a:r>
-          </a:p>
-          <a:p>
-            <a:pPr lvl="0" algn="just">
-              <a:lnSpc>
-                <a:spcPct val="150000"/>
-              </a:lnSpc>
-            </a:pPr>
-            <a:r>
-              <a:rPr lang="en-US" sz="2400" dirty="0">
-                <a:latin typeface="Times New Roman" pitchFamily="18" charset="0"/>
-                <a:cs typeface="Times New Roman" pitchFamily="18" charset="0"/>
-              </a:rPr>
-              <a:t>So, selecting a suitable algorithm for a specific dataset is a big challenge in bioinformatics.</a:t>
-            </a:r>
-          </a:p>
-          <a:p>
-            <a:pPr lvl="0" algn="just">
-              <a:lnSpc>
-                <a:spcPct val="150000"/>
-              </a:lnSpc>
-            </a:pPr>
-            <a:r>
-              <a:rPr lang="en-US" sz="2400" dirty="0">
-                <a:latin typeface="Times New Roman" pitchFamily="18" charset="0"/>
-                <a:cs typeface="Times New Roman" pitchFamily="18" charset="0"/>
-              </a:rPr>
-              <a:t>Consequently, selecting good feature selection or classification algorithms is also a big challenge in this field.</a:t>
-            </a:r>
-          </a:p>
-          <a:p>
-            <a:pPr lvl="0" algn="just">
-              <a:lnSpc>
-                <a:spcPct val="150000"/>
-              </a:lnSpc>
-            </a:pPr>
-            <a:r>
-              <a:rPr lang="en-US" sz="2400" dirty="0">
-                <a:latin typeface="Times New Roman" pitchFamily="18" charset="0"/>
-                <a:cs typeface="Times New Roman" pitchFamily="18" charset="0"/>
-              </a:rPr>
-              <a:t>The  classification performance is slightly worst.</a:t>
-            </a:r>
-          </a:p>
           <a:p>
             <a:pPr algn="just">
               <a:lnSpc>
                 <a:spcPct val="150000"/>
               </a:lnSpc>
             </a:pPr>
-            <a:endParaRPr lang="en-US" sz="2400" dirty="0">
-              <a:latin typeface="Times New Roman" pitchFamily="18" charset="0"/>
-              <a:cs typeface="Times New Roman" pitchFamily="18" charset="0"/>
-            </a:endParaRPr>
+            <a:r>
+              <a:rPr lang="en-US" sz="2000" dirty="0">
+                <a:latin typeface="Times New Roman" pitchFamily="18" charset="0"/>
+                <a:cs typeface="Times New Roman" pitchFamily="18" charset="0"/>
+              </a:rPr>
+              <a:t>In multi disease model prediction, it is possible to predict more than one disease at a time.</a:t>
+            </a:r>
+          </a:p>
+          <a:p>
+            <a:pPr algn="just">
+              <a:lnSpc>
+                <a:spcPct val="150000"/>
+              </a:lnSpc>
+            </a:pPr>
+            <a:r>
+              <a:rPr lang="en-US" sz="2000" dirty="0">
+                <a:latin typeface="Times New Roman" pitchFamily="18" charset="0"/>
+                <a:cs typeface="Times New Roman" pitchFamily="18" charset="0"/>
+              </a:rPr>
+              <a:t> It will reduce time and also due to predicting multiple diseases at a time there is a chance of reducing mortality rate.</a:t>
+            </a:r>
+          </a:p>
+          <a:p>
+            <a:pPr algn="just">
+              <a:lnSpc>
+                <a:spcPct val="150000"/>
+              </a:lnSpc>
+            </a:pPr>
+            <a:r>
+              <a:rPr lang="en-US" sz="2000" dirty="0">
+                <a:latin typeface="Times New Roman" pitchFamily="18" charset="0"/>
+                <a:cs typeface="Times New Roman" pitchFamily="18" charset="0"/>
+              </a:rPr>
+              <a:t> The proposed framework employs data mining techniques to detect Chronic diseases early. </a:t>
+            </a:r>
+          </a:p>
+          <a:p>
+            <a:pPr algn="just">
+              <a:lnSpc>
+                <a:spcPct val="150000"/>
+              </a:lnSpc>
+            </a:pPr>
+            <a:r>
+              <a:rPr lang="en-US" sz="2000" dirty="0">
+                <a:latin typeface="Times New Roman" pitchFamily="18" charset="0"/>
+                <a:cs typeface="Times New Roman" pitchFamily="18" charset="0"/>
+              </a:rPr>
+              <a:t>Training and Testing are the two stages of the machine learning algorithm. </a:t>
+            </a:r>
           </a:p>
         </p:txBody>
       </p:sp>
@@ -11825,18 +11286,13 @@
         </p:nvSpPr>
         <p:spPr/>
         <p:txBody>
-          <a:bodyPr>
-            <a:normAutofit fontScale="90000"/>
-          </a:bodyPr>
+          <a:bodyPr/>
           <a:lstStyle/>
           <a:p>
             <a:r>
               <a:rPr lang="en-US" b="1" dirty="0"/>
-              <a:t>Proposed System</a:t>
-            </a:r>
-            <a:br>
-              <a:rPr lang="en-US" dirty="0"/>
-            </a:br>
+              <a:t>Advantages</a:t>
+            </a:r>
             <a:endParaRPr lang="en-US" dirty="0"/>
           </a:p>
         </p:txBody>
@@ -11851,72 +11307,78 @@
             <p:ph idx="1"/>
           </p:nvPr>
         </p:nvSpPr>
-        <p:spPr>
-          <a:xfrm>
-            <a:off x="457200" y="1052736"/>
-            <a:ext cx="8229600" cy="3508442"/>
-          </a:xfrm>
-        </p:spPr>
+        <p:spPr/>
         <p:txBody>
           <a:bodyPr>
-            <a:noAutofit/>
+            <a:normAutofit/>
           </a:bodyPr>
           <a:lstStyle/>
+          <a:p>
+            <a:pPr lvl="0" algn="just">
+              <a:lnSpc>
+                <a:spcPct val="150000"/>
+              </a:lnSpc>
+            </a:pPr>
+            <a:r>
+              <a:rPr lang="en-US" sz="2400" dirty="0">
+                <a:latin typeface="Times New Roman" pitchFamily="18" charset="0"/>
+                <a:cs typeface="Times New Roman" pitchFamily="18" charset="0"/>
+              </a:rPr>
+              <a:t>This is a novel method that builds on current research to derive quick and precise diagnostics.</a:t>
+            </a:r>
+          </a:p>
+          <a:p>
+            <a:pPr lvl="0" algn="just">
+              <a:lnSpc>
+                <a:spcPct val="150000"/>
+              </a:lnSpc>
+            </a:pPr>
+            <a:r>
+              <a:rPr lang="en-US" sz="2400" dirty="0">
+                <a:latin typeface="Times New Roman" pitchFamily="18" charset="0"/>
+                <a:cs typeface="Times New Roman" pitchFamily="18" charset="0"/>
+              </a:rPr>
+              <a:t>The method significantly outperforms other published research in this area due to its superior accuracy.</a:t>
+            </a:r>
+          </a:p>
+          <a:p>
+            <a:pPr lvl="0" algn="just">
+              <a:lnSpc>
+                <a:spcPct val="150000"/>
+              </a:lnSpc>
+            </a:pPr>
+            <a:r>
+              <a:rPr lang="en-US" sz="2400" dirty="0">
+                <a:latin typeface="Times New Roman" pitchFamily="18" charset="0"/>
+                <a:cs typeface="Times New Roman" pitchFamily="18" charset="0"/>
+              </a:rPr>
+              <a:t>intention is to accurately classify the presence of diseases.</a:t>
+            </a:r>
+          </a:p>
+          <a:p>
+            <a:pPr lvl="0" algn="just">
+              <a:lnSpc>
+                <a:spcPct val="150000"/>
+              </a:lnSpc>
+            </a:pPr>
+            <a:r>
+              <a:rPr lang="en-US" sz="2400" dirty="0">
+                <a:latin typeface="Times New Roman" pitchFamily="18" charset="0"/>
+                <a:cs typeface="Times New Roman" pitchFamily="18" charset="0"/>
+              </a:rPr>
+              <a:t>It may result in early detection that leads to a decrease in mortality rate.</a:t>
+            </a:r>
+          </a:p>
           <a:p>
             <a:pPr algn="just">
               <a:lnSpc>
                 <a:spcPct val="150000"/>
               </a:lnSpc>
             </a:pPr>
-            <a:r>
-              <a:rPr lang="en-US" sz="2000" dirty="0">
-                <a:latin typeface="Times New Roman" pitchFamily="18" charset="0"/>
-                <a:cs typeface="Times New Roman" pitchFamily="18" charset="0"/>
-              </a:rPr>
-              <a:t>In multi disease model prediction, it is possible to predict more than one disease at a time.</a:t>
-            </a:r>
-          </a:p>
-          <a:p>
-            <a:pPr algn="just">
-              <a:lnSpc>
-                <a:spcPct val="150000"/>
-              </a:lnSpc>
-            </a:pPr>
-            <a:r>
-              <a:rPr lang="en-US" sz="2000" dirty="0">
-                <a:latin typeface="Times New Roman" pitchFamily="18" charset="0"/>
-                <a:cs typeface="Times New Roman" pitchFamily="18" charset="0"/>
-              </a:rPr>
-              <a:t> It will reduce time and also due to predicting multiple diseases at a time there is a chance of reducing mortality rate.</a:t>
-            </a:r>
-          </a:p>
-          <a:p>
-            <a:pPr algn="just">
-              <a:lnSpc>
-                <a:spcPct val="150000"/>
-              </a:lnSpc>
-            </a:pPr>
-            <a:r>
-              <a:rPr lang="en-US" sz="2000" dirty="0">
-                <a:latin typeface="Times New Roman" pitchFamily="18" charset="0"/>
-                <a:cs typeface="Times New Roman" pitchFamily="18" charset="0"/>
-              </a:rPr>
-              <a:t> The proposed framework employs data mining techniques to detect Chronic diseases early. </a:t>
-            </a:r>
-          </a:p>
-          <a:p>
-            <a:pPr algn="just">
-              <a:lnSpc>
-                <a:spcPct val="150000"/>
-              </a:lnSpc>
-            </a:pPr>
-            <a:r>
-              <a:rPr lang="en-US" sz="2000" dirty="0">
-                <a:latin typeface="Times New Roman" pitchFamily="18" charset="0"/>
-                <a:cs typeface="Times New Roman" pitchFamily="18" charset="0"/>
-              </a:rPr>
-              <a:t>Training and Testing are the two stages of the machine learning algorithm. </a:t>
-            </a:r>
+            <a:endParaRPr lang="en-US" sz="2400" dirty="0">
+              <a:latin typeface="Times New Roman" pitchFamily="18" charset="0"/>
+              <a:cs typeface="Times New Roman" pitchFamily="18" charset="0"/>
+            </a:endParaRPr>
           </a:p>
         </p:txBody>
       </p:sp>
@@ -11962,97 +11424,47 @@
           <a:p>
             <a:r>
               <a:rPr lang="en-US" b="1" dirty="0"/>
-              <a:t>Advantages</a:t>
+              <a:t>System Architecture</a:t>
             </a:r>
             <a:endParaRPr lang="en-US" dirty="0"/>
           </a:p>
         </p:txBody>
       </p:sp>
-      <p:sp>
-        <p:nvSpPr>
-          <p:cNvPr id="3" name="Content Placeholder 2"/>
-          <p:cNvSpPr>
-            <a:spLocks noGrp="1"/>
-          </p:cNvSpPr>
+      <p:pic>
+        <p:nvPicPr>
+          <p:cNvPr id="25602" name="Picture 2"/>
+          <p:cNvPicPr>
+            <a:picLocks noGrp="1" noChangeAspect="1" noChangeArrowheads="1"/>
+          </p:cNvPicPr>
           <p:nvPr>
             <p:ph idx="1"/>
           </p:nvPr>
-        </p:nvSpPr>
-        <p:spPr/>
-        <p:txBody>
-          <a:bodyPr>
-            <a:normAutofit/>
-          </a:bodyPr>
-          <a:lstStyle/>
-          <a:p>
-            <a:pPr lvl="0" algn="just">
-              <a:lnSpc>
-                <a:spcPct val="150000"/>
-              </a:lnSpc>
-            </a:pPr>
-            <a:r>
-              <a:rPr lang="en-US" sz="2400" dirty="0">
-                <a:latin typeface="Times New Roman" pitchFamily="18" charset="0"/>
-                <a:cs typeface="Times New Roman" pitchFamily="18" charset="0"/>
-              </a:rPr>
-              <a:t>This is a novel method that builds on current research to derive quick and precise diagnostics.</a:t>
-            </a:r>
-          </a:p>
-          <a:p>
-            <a:pPr lvl="0" algn="just">
-              <a:lnSpc>
-                <a:spcPct val="150000"/>
-              </a:lnSpc>
-            </a:pPr>
-            <a:r>
-              <a:rPr lang="en-US" sz="2400" dirty="0">
-                <a:latin typeface="Times New Roman" pitchFamily="18" charset="0"/>
-                <a:cs typeface="Times New Roman" pitchFamily="18" charset="0"/>
-              </a:rPr>
-              <a:t>The method significantly outperforms other published research in this area due to its superior accuracy.</a:t>
-            </a:r>
-          </a:p>
-          <a:p>
-            <a:pPr lvl="0" algn="just">
-              <a:lnSpc>
-                <a:spcPct val="150000"/>
-              </a:lnSpc>
-            </a:pPr>
-            <a:r>
-              <a:rPr lang="en-US" sz="2400" dirty="0">
-                <a:latin typeface="Times New Roman" pitchFamily="18" charset="0"/>
-                <a:cs typeface="Times New Roman" pitchFamily="18" charset="0"/>
-              </a:rPr>
-              <a:t>intention is to accurately classify the presence of diseases.</a:t>
-            </a:r>
-          </a:p>
-          <a:p>
-            <a:pPr lvl="0" algn="just">
-              <a:lnSpc>
-                <a:spcPct val="150000"/>
-              </a:lnSpc>
-            </a:pPr>
-            <a:r>
-              <a:rPr lang="en-US" sz="2400" dirty="0">
-                <a:latin typeface="Times New Roman" pitchFamily="18" charset="0"/>
-                <a:cs typeface="Times New Roman" pitchFamily="18" charset="0"/>
-              </a:rPr>
-              <a:t>It may result in early detection that leads to a decrease in mortality rate.</a:t>
-            </a:r>
-          </a:p>
-          <a:p>
-            <a:pPr algn="just">
-              <a:lnSpc>
-                <a:spcPct val="150000"/>
-              </a:lnSpc>
-            </a:pPr>
-            <a:endParaRPr lang="en-US" sz="2400" dirty="0">
-              <a:latin typeface="Times New Roman" pitchFamily="18" charset="0"/>
-              <a:cs typeface="Times New Roman" pitchFamily="18" charset="0"/>
-            </a:endParaRPr>
-          </a:p>
-        </p:txBody>
-      </p:sp>
+        </p:nvPicPr>
+        <p:blipFill>
+          <a:blip r:embed="rId2"/>
+          <a:srcRect l="35801" t="21466" r="34027" b="7506"/>
+          <a:stretch>
+            <a:fillRect/>
+          </a:stretch>
+        </p:blipFill>
+        <p:spPr bwMode="auto">
+          <a:xfrm>
+            <a:off x="2353147" y="1772816"/>
+            <a:ext cx="4437706" cy="4572032"/>
+          </a:xfrm>
+          <a:prstGeom prst="rect">
+            <a:avLst/>
+          </a:prstGeom>
+          <a:noFill/>
+          <a:ln w="9525">
+            <a:noFill/>
+            <a:miter lim="800000"/>
+            <a:headEnd/>
+            <a:tailEnd/>
+          </a:ln>
+          <a:effectLst/>
+        </p:spPr>
+      </p:pic>
     </p:spTree>
   </p:cSld>
   <p:clrMapOvr>
